--- a/slides/3_object_oriented_fundamentals.pptx
+++ b/slides/3_object_oriented_fundamentals.pptx
@@ -6,66 +6,64 @@
     <p:sldMasterId id="2147483697" r:id="rId2"/>
   </p:sldMasterIdLst>
   <p:notesMasterIdLst>
-    <p:notesMasterId r:id="rId57"/>
+    <p:notesMasterId r:id="rId55"/>
   </p:notesMasterIdLst>
   <p:handoutMasterIdLst>
-    <p:handoutMasterId r:id="rId58"/>
+    <p:handoutMasterId r:id="rId56"/>
   </p:handoutMasterIdLst>
   <p:sldIdLst>
     <p:sldId id="256" r:id="rId3"/>
-    <p:sldId id="299" r:id="rId4"/>
-    <p:sldId id="275" r:id="rId5"/>
-    <p:sldId id="276" r:id="rId6"/>
-    <p:sldId id="266" r:id="rId7"/>
-    <p:sldId id="291" r:id="rId8"/>
-    <p:sldId id="281" r:id="rId9"/>
-    <p:sldId id="278" r:id="rId10"/>
-    <p:sldId id="290" r:id="rId11"/>
-    <p:sldId id="277" r:id="rId12"/>
-    <p:sldId id="292" r:id="rId13"/>
-    <p:sldId id="262" r:id="rId14"/>
-    <p:sldId id="263" r:id="rId15"/>
-    <p:sldId id="285" r:id="rId16"/>
-    <p:sldId id="264" r:id="rId17"/>
-    <p:sldId id="280" r:id="rId18"/>
-    <p:sldId id="265" r:id="rId19"/>
-    <p:sldId id="282" r:id="rId20"/>
-    <p:sldId id="286" r:id="rId21"/>
-    <p:sldId id="259" r:id="rId22"/>
-    <p:sldId id="283" r:id="rId23"/>
-    <p:sldId id="293" r:id="rId24"/>
-    <p:sldId id="287" r:id="rId25"/>
-    <p:sldId id="260" r:id="rId26"/>
-    <p:sldId id="307" r:id="rId27"/>
-    <p:sldId id="308" r:id="rId28"/>
-    <p:sldId id="306" r:id="rId29"/>
-    <p:sldId id="300" r:id="rId30"/>
-    <p:sldId id="301" r:id="rId31"/>
-    <p:sldId id="304" r:id="rId32"/>
-    <p:sldId id="303" r:id="rId33"/>
-    <p:sldId id="305" r:id="rId34"/>
-    <p:sldId id="284" r:id="rId35"/>
-    <p:sldId id="289" r:id="rId36"/>
-    <p:sldId id="302" r:id="rId37"/>
-    <p:sldId id="309" r:id="rId38"/>
-    <p:sldId id="295" r:id="rId39"/>
-    <p:sldId id="294" r:id="rId40"/>
-    <p:sldId id="296" r:id="rId41"/>
-    <p:sldId id="297" r:id="rId42"/>
-    <p:sldId id="310" r:id="rId43"/>
-    <p:sldId id="314" r:id="rId44"/>
-    <p:sldId id="311" r:id="rId45"/>
-    <p:sldId id="312" r:id="rId46"/>
-    <p:sldId id="313" r:id="rId47"/>
-    <p:sldId id="315" r:id="rId48"/>
-    <p:sldId id="316" r:id="rId49"/>
-    <p:sldId id="317" r:id="rId50"/>
-    <p:sldId id="318" r:id="rId51"/>
-    <p:sldId id="321" r:id="rId52"/>
-    <p:sldId id="320" r:id="rId53"/>
-    <p:sldId id="319" r:id="rId54"/>
-    <p:sldId id="322" r:id="rId55"/>
-    <p:sldId id="323" r:id="rId56"/>
+    <p:sldId id="275" r:id="rId4"/>
+    <p:sldId id="276" r:id="rId5"/>
+    <p:sldId id="266" r:id="rId6"/>
+    <p:sldId id="291" r:id="rId7"/>
+    <p:sldId id="281" r:id="rId8"/>
+    <p:sldId id="278" r:id="rId9"/>
+    <p:sldId id="277" r:id="rId10"/>
+    <p:sldId id="292" r:id="rId11"/>
+    <p:sldId id="262" r:id="rId12"/>
+    <p:sldId id="263" r:id="rId13"/>
+    <p:sldId id="285" r:id="rId14"/>
+    <p:sldId id="264" r:id="rId15"/>
+    <p:sldId id="280" r:id="rId16"/>
+    <p:sldId id="265" r:id="rId17"/>
+    <p:sldId id="282" r:id="rId18"/>
+    <p:sldId id="286" r:id="rId19"/>
+    <p:sldId id="259" r:id="rId20"/>
+    <p:sldId id="283" r:id="rId21"/>
+    <p:sldId id="293" r:id="rId22"/>
+    <p:sldId id="287" r:id="rId23"/>
+    <p:sldId id="260" r:id="rId24"/>
+    <p:sldId id="307" r:id="rId25"/>
+    <p:sldId id="308" r:id="rId26"/>
+    <p:sldId id="306" r:id="rId27"/>
+    <p:sldId id="300" r:id="rId28"/>
+    <p:sldId id="301" r:id="rId29"/>
+    <p:sldId id="304" r:id="rId30"/>
+    <p:sldId id="303" r:id="rId31"/>
+    <p:sldId id="305" r:id="rId32"/>
+    <p:sldId id="284" r:id="rId33"/>
+    <p:sldId id="289" r:id="rId34"/>
+    <p:sldId id="302" r:id="rId35"/>
+    <p:sldId id="309" r:id="rId36"/>
+    <p:sldId id="295" r:id="rId37"/>
+    <p:sldId id="294" r:id="rId38"/>
+    <p:sldId id="296" r:id="rId39"/>
+    <p:sldId id="297" r:id="rId40"/>
+    <p:sldId id="310" r:id="rId41"/>
+    <p:sldId id="314" r:id="rId42"/>
+    <p:sldId id="311" r:id="rId43"/>
+    <p:sldId id="312" r:id="rId44"/>
+    <p:sldId id="313" r:id="rId45"/>
+    <p:sldId id="315" r:id="rId46"/>
+    <p:sldId id="316" r:id="rId47"/>
+    <p:sldId id="317" r:id="rId48"/>
+    <p:sldId id="318" r:id="rId49"/>
+    <p:sldId id="321" r:id="rId50"/>
+    <p:sldId id="320" r:id="rId51"/>
+    <p:sldId id="319" r:id="rId52"/>
+    <p:sldId id="322" r:id="rId53"/>
+    <p:sldId id="323" r:id="rId54"/>
   </p:sldIdLst>
   <p:sldSz cx="12192000" cy="6858000"/>
   <p:notesSz cx="6858000" cy="9144000"/>
@@ -315,7 +313,7 @@
           <a:p>
             <a:fld id="{E1249EDF-C441-401E-BE19-3A9BC3A020D4}" type="datetimeFigureOut">
               <a:rPr lang="en-US" smtClean="0"/>
-              <a:t>1/15/2025</a:t>
+              <a:t>9/22/2025</a:t>
             </a:fld>
             <a:endParaRPr lang="en-US"/>
           </a:p>
@@ -493,7 +491,7 @@
           <a:p>
             <a:fld id="{EC53C71B-473E-4814-B444-77926C773EE5}" type="datetimeFigureOut">
               <a:rPr lang="en-US" smtClean="0"/>
-              <a:t>1/15/2025</a:t>
+              <a:t>9/22/2025</a:t>
             </a:fld>
             <a:endParaRPr lang="en-US"/>
           </a:p>
@@ -873,7 +871,7 @@
     </p:spTree>
     <p:extLst>
       <p:ext uri="{BB962C8B-B14F-4D97-AF65-F5344CB8AC3E}">
-        <p14:creationId xmlns:p14="http://schemas.microsoft.com/office/powerpoint/2010/main" val="1783243190"/>
+        <p14:creationId xmlns:p14="http://schemas.microsoft.com/office/powerpoint/2010/main" val="779859691"/>
       </p:ext>
     </p:extLst>
   </p:cSld>
@@ -934,7 +932,7 @@
     </p:spTree>
     <p:extLst>
       <p:ext uri="{BB962C8B-B14F-4D97-AF65-F5344CB8AC3E}">
-        <p14:creationId xmlns:p14="http://schemas.microsoft.com/office/powerpoint/2010/main" val="779859691"/>
+        <p14:creationId xmlns:p14="http://schemas.microsoft.com/office/powerpoint/2010/main" val="3198060135"/>
       </p:ext>
     </p:extLst>
   </p:cSld>
@@ -988,67 +986,6 @@
           <a:bodyPr/>
           <a:lstStyle/>
           <a:p>
-            <a:endParaRPr lang="en-US" dirty="0"/>
-          </a:p>
-        </p:txBody>
-      </p:sp>
-    </p:spTree>
-    <p:extLst>
-      <p:ext uri="{BB962C8B-B14F-4D97-AF65-F5344CB8AC3E}">
-        <p14:creationId xmlns:p14="http://schemas.microsoft.com/office/powerpoint/2010/main" val="3198060135"/>
-      </p:ext>
-    </p:extLst>
-  </p:cSld>
-  <p:clrMapOvr>
-    <a:masterClrMapping/>
-  </p:clrMapOvr>
-</p:notes>
-</file>
-
-<file path=ppt/notesSlides/notesSlide13.xml><?xml version="1.0" encoding="utf-8"?>
-<p:notes xmlns:a="http://schemas.openxmlformats.org/drawingml/2006/main" xmlns:r="http://schemas.openxmlformats.org/officeDocument/2006/relationships" xmlns:p="http://schemas.openxmlformats.org/presentationml/2006/main">
-  <p:cSld>
-    <p:spTree>
-      <p:nvGrpSpPr>
-        <p:cNvPr id="1" name=""/>
-        <p:cNvGrpSpPr/>
-        <p:nvPr/>
-      </p:nvGrpSpPr>
-      <p:grpSpPr>
-        <a:xfrm>
-          <a:off x="0" y="0"/>
-          <a:ext cx="0" cy="0"/>
-          <a:chOff x="0" y="0"/>
-          <a:chExt cx="0" cy="0"/>
-        </a:xfrm>
-      </p:grpSpPr>
-      <p:sp>
-        <p:nvSpPr>
-          <p:cNvPr id="2" name="Slide Image Placeholder 1"/>
-          <p:cNvSpPr>
-            <a:spLocks noGrp="1" noRot="1" noChangeAspect="1"/>
-          </p:cNvSpPr>
-          <p:nvPr>
-            <p:ph type="sldImg"/>
-          </p:nvPr>
-        </p:nvSpPr>
-        <p:spPr/>
-      </p:sp>
-      <p:sp>
-        <p:nvSpPr>
-          <p:cNvPr id="3" name="Notes Placeholder 2"/>
-          <p:cNvSpPr>
-            <a:spLocks noGrp="1"/>
-          </p:cNvSpPr>
-          <p:nvPr>
-            <p:ph type="body" idx="1"/>
-          </p:nvPr>
-        </p:nvSpPr>
-        <p:spPr/>
-        <p:txBody>
-          <a:bodyPr/>
-          <a:lstStyle/>
-          <a:p>
             <a:r>
               <a:rPr lang="en-US" dirty="0"/>
               <a:t>java –cp . Test</a:t>
@@ -1069,7 +1006,7 @@
 </p:notes>
 </file>
 
-<file path=ppt/notesSlides/notesSlide14.xml><?xml version="1.0" encoding="utf-8"?>
+<file path=ppt/notesSlides/notesSlide13.xml><?xml version="1.0" encoding="utf-8"?>
 <p:notes xmlns:a="http://schemas.openxmlformats.org/drawingml/2006/main" xmlns:r="http://schemas.openxmlformats.org/officeDocument/2006/relationships" xmlns:p="http://schemas.openxmlformats.org/presentationml/2006/main">
   <p:cSld>
     <p:spTree>
@@ -1195,14 +1132,14 @@
           <a:bodyPr/>
           <a:lstStyle/>
           <a:p>
-            <a:endParaRPr lang="en-US" dirty="0"/>
+            <a:endParaRPr lang="en-US" b="1" dirty="0"/>
           </a:p>
         </p:txBody>
       </p:sp>
     </p:spTree>
     <p:extLst>
       <p:ext uri="{BB962C8B-B14F-4D97-AF65-F5344CB8AC3E}">
-        <p14:creationId xmlns:p14="http://schemas.microsoft.com/office/powerpoint/2010/main" val="667537304"/>
+        <p14:creationId xmlns:p14="http://schemas.microsoft.com/office/powerpoint/2010/main" val="981832750"/>
       </p:ext>
     </p:extLst>
   </p:cSld>
@@ -1256,14 +1193,18 @@
           <a:bodyPr/>
           <a:lstStyle/>
           <a:p>
-            <a:endParaRPr lang="en-US" b="1" dirty="0"/>
+            <a:pPr marL="171450" indent="-171450">
+              <a:buFontTx/>
+              <a:buChar char="-"/>
+            </a:pPr>
+            <a:endParaRPr lang="en-US" dirty="0"/>
           </a:p>
         </p:txBody>
       </p:sp>
     </p:spTree>
     <p:extLst>
       <p:ext uri="{BB962C8B-B14F-4D97-AF65-F5344CB8AC3E}">
-        <p14:creationId xmlns:p14="http://schemas.microsoft.com/office/powerpoint/2010/main" val="981832750"/>
+        <p14:creationId xmlns:p14="http://schemas.microsoft.com/office/powerpoint/2010/main" val="1594238172"/>
       </p:ext>
     </p:extLst>
   </p:cSld>
@@ -1328,7 +1269,7 @@
     </p:spTree>
     <p:extLst>
       <p:ext uri="{BB962C8B-B14F-4D97-AF65-F5344CB8AC3E}">
-        <p14:creationId xmlns:p14="http://schemas.microsoft.com/office/powerpoint/2010/main" val="1594238172"/>
+        <p14:creationId xmlns:p14="http://schemas.microsoft.com/office/powerpoint/2010/main" val="1170469225"/>
       </p:ext>
     </p:extLst>
   </p:cSld>
@@ -1382,10 +1323,6 @@
           <a:bodyPr/>
           <a:lstStyle/>
           <a:p>
-            <a:pPr marL="171450" indent="-171450">
-              <a:buFontTx/>
-              <a:buChar char="-"/>
-            </a:pPr>
             <a:endParaRPr lang="en-US" dirty="0"/>
           </a:p>
         </p:txBody>
@@ -1393,7 +1330,7 @@
     </p:spTree>
     <p:extLst>
       <p:ext uri="{BB962C8B-B14F-4D97-AF65-F5344CB8AC3E}">
-        <p14:creationId xmlns:p14="http://schemas.microsoft.com/office/powerpoint/2010/main" val="1170469225"/>
+        <p14:creationId xmlns:p14="http://schemas.microsoft.com/office/powerpoint/2010/main" val="3307198192"/>
       </p:ext>
     </p:extLst>
   </p:cSld>
@@ -1454,7 +1391,7 @@
     </p:spTree>
     <p:extLst>
       <p:ext uri="{BB962C8B-B14F-4D97-AF65-F5344CB8AC3E}">
-        <p14:creationId xmlns:p14="http://schemas.microsoft.com/office/powerpoint/2010/main" val="3307198192"/>
+        <p14:creationId xmlns:p14="http://schemas.microsoft.com/office/powerpoint/2010/main" val="750106617"/>
       </p:ext>
     </p:extLst>
   </p:cSld>
@@ -1515,7 +1452,7 @@
     </p:spTree>
     <p:extLst>
       <p:ext uri="{BB962C8B-B14F-4D97-AF65-F5344CB8AC3E}">
-        <p14:creationId xmlns:p14="http://schemas.microsoft.com/office/powerpoint/2010/main" val="750106617"/>
+        <p14:creationId xmlns:p14="http://schemas.microsoft.com/office/powerpoint/2010/main" val="811747701"/>
       </p:ext>
     </p:extLst>
   </p:cSld>
@@ -1576,7 +1513,7 @@
     </p:spTree>
     <p:extLst>
       <p:ext uri="{BB962C8B-B14F-4D97-AF65-F5344CB8AC3E}">
-        <p14:creationId xmlns:p14="http://schemas.microsoft.com/office/powerpoint/2010/main" val="811747701"/>
+        <p14:creationId xmlns:p14="http://schemas.microsoft.com/office/powerpoint/2010/main" val="2959994986"/>
       </p:ext>
     </p:extLst>
   </p:cSld>
@@ -1637,7 +1574,7 @@
     </p:spTree>
     <p:extLst>
       <p:ext uri="{BB962C8B-B14F-4D97-AF65-F5344CB8AC3E}">
-        <p14:creationId xmlns:p14="http://schemas.microsoft.com/office/powerpoint/2010/main" val="2959994986"/>
+        <p14:creationId xmlns:p14="http://schemas.microsoft.com/office/powerpoint/2010/main" val="1783243190"/>
       </p:ext>
     </p:extLst>
   </p:cSld>
@@ -1750,7 +1687,7 @@
               <a:pPr>
                 <a:defRPr/>
               </a:pPr>
-              <a:t>Wednesday, January 15, 2025</a:t>
+              <a:t>Monday, September 22, 2025</a:t>
             </a:fld>
             <a:endParaRPr lang="en-US" dirty="0"/>
           </a:p>
@@ -2006,7 +1943,7 @@
               <a:pPr>
                 <a:defRPr/>
               </a:pPr>
-              <a:t>Wednesday, January 15, 2025</a:t>
+              <a:t>Monday, September 22, 2025</a:t>
             </a:fld>
             <a:endParaRPr lang="en-US" dirty="0"/>
           </a:p>
@@ -2961,7 +2898,7 @@
               <a:pPr>
                 <a:defRPr/>
               </a:pPr>
-              <a:t>Wednesday, January 15, 2025</a:t>
+              <a:t>Monday, September 22, 2025</a:t>
             </a:fld>
             <a:endParaRPr lang="en-US" dirty="0"/>
           </a:p>
@@ -3322,7 +3259,7 @@
               <a:pPr>
                 <a:defRPr/>
               </a:pPr>
-              <a:t>Wednesday, January 15, 2025</a:t>
+              <a:t>Monday, September 22, 2025</a:t>
             </a:fld>
             <a:endParaRPr lang="en-US" dirty="0"/>
           </a:p>
@@ -3591,7 +3528,7 @@
               <a:pPr>
                 <a:defRPr/>
               </a:pPr>
-              <a:t>Wednesday, January 15, 2025</a:t>
+              <a:t>Monday, September 22, 2025</a:t>
             </a:fld>
             <a:endParaRPr lang="en-US" dirty="0"/>
           </a:p>
@@ -3860,7 +3797,7 @@
               <a:pPr>
                 <a:defRPr/>
               </a:pPr>
-              <a:t>Wednesday, January 15, 2025</a:t>
+              <a:t>Monday, September 22, 2025</a:t>
             </a:fld>
             <a:endParaRPr lang="en-US" dirty="0"/>
           </a:p>
@@ -4104,7 +4041,7 @@
               <a:pPr>
                 <a:defRPr/>
               </a:pPr>
-              <a:t>Wednesday, January 15, 2025</a:t>
+              <a:t>Monday, September 22, 2025</a:t>
             </a:fld>
             <a:endParaRPr lang="en-US" dirty="0"/>
           </a:p>
@@ -4452,7 +4389,7 @@
               <a:pPr>
                 <a:defRPr/>
               </a:pPr>
-              <a:t>Wednesday, January 15, 2025</a:t>
+              <a:t>Monday, September 22, 2025</a:t>
             </a:fld>
             <a:endParaRPr lang="en-US" dirty="0"/>
           </a:p>
@@ -4722,7 +4659,7 @@
               <a:pPr>
                 <a:defRPr/>
               </a:pPr>
-              <a:t>Wednesday, January 15, 2025</a:t>
+              <a:t>Monday, September 22, 2025</a:t>
             </a:fld>
             <a:endParaRPr lang="en-US" dirty="0"/>
           </a:p>
@@ -4992,7 +4929,7 @@
               <a:pPr>
                 <a:defRPr/>
               </a:pPr>
-              <a:t>Wednesday, January 15, 2025</a:t>
+              <a:t>Monday, September 22, 2025</a:t>
             </a:fld>
             <a:endParaRPr lang="en-US" dirty="0"/>
           </a:p>
@@ -5237,7 +5174,7 @@
               <a:pPr>
                 <a:defRPr/>
               </a:pPr>
-              <a:t>Wednesday, January 15, 2025</a:t>
+              <a:t>Monday, September 22, 2025</a:t>
             </a:fld>
             <a:endParaRPr lang="en-US" dirty="0"/>
           </a:p>
@@ -5635,7 +5572,7 @@
               <a:pPr>
                 <a:defRPr/>
               </a:pPr>
-              <a:t>Wednesday, January 15, 2025</a:t>
+              <a:t>Monday, September 22, 2025</a:t>
             </a:fld>
             <a:endParaRPr lang="en-US" dirty="0"/>
           </a:p>
@@ -6689,7 +6626,7 @@
               <a:pPr>
                 <a:defRPr/>
               </a:pPr>
-              <a:t>Wednesday, January 15, 2025</a:t>
+              <a:t>Monday, September 22, 2025</a:t>
             </a:fld>
             <a:endParaRPr lang="en-US" dirty="0"/>
           </a:p>
@@ -7509,7 +7446,7 @@
               <a:pPr>
                 <a:defRPr/>
               </a:pPr>
-              <a:t>Wednesday, January 15, 2025</a:t>
+              <a:t>Monday, September 22, 2025</a:t>
             </a:fld>
             <a:endParaRPr lang="en-US" dirty="0"/>
           </a:p>
@@ -8136,575 +8073,6 @@
       </p:grpSpPr>
       <p:sp>
         <p:nvSpPr>
-          <p:cNvPr id="8" name="Content Placeholder 7">
-            <a:extLst>
-              <a:ext uri="{FF2B5EF4-FFF2-40B4-BE49-F238E27FC236}">
-                <a16:creationId xmlns:a16="http://schemas.microsoft.com/office/drawing/2014/main" id="{729F9A1C-0D77-3676-AB95-8AA927057F2D}"/>
-              </a:ext>
-            </a:extLst>
-          </p:cNvPr>
-          <p:cNvSpPr>
-            <a:spLocks noGrp="1"/>
-          </p:cNvSpPr>
-          <p:nvPr>
-            <p:ph idx="1"/>
-          </p:nvPr>
-        </p:nvSpPr>
-        <p:spPr/>
-        <p:txBody>
-          <a:bodyPr/>
-          <a:lstStyle/>
-          <a:p>
-            <a:pPr marL="0" marR="0" lvl="0" indent="0" algn="l" defTabSz="914400" rtl="0" eaLnBrk="1" fontAlgn="auto" latinLnBrk="0" hangingPunct="1">
-              <a:lnSpc>
-                <a:spcPct val="100000"/>
-              </a:lnSpc>
-              <a:spcBef>
-                <a:spcPts val="0"/>
-              </a:spcBef>
-              <a:spcAft>
-                <a:spcPts val="0"/>
-              </a:spcAft>
-              <a:buClrTx/>
-              <a:buSzTx/>
-              <a:buFontTx/>
-              <a:buNone/>
-              <a:tabLst/>
-              <a:defRPr/>
-            </a:pPr>
-            <a:r>
-              <a:rPr kumimoji="0" lang="en-US" sz="1600" b="0" i="0" u="none" strike="noStrike" kern="1200" cap="none" spc="0" normalizeH="0" baseline="0" noProof="0">
-                <a:ln>
-                  <a:noFill/>
-                </a:ln>
-                <a:solidFill>
-                  <a:srgbClr val="0000FF"/>
-                </a:solidFill>
-                <a:effectLst/>
-                <a:uLnTx/>
-                <a:uFillTx/>
-                <a:latin typeface="Consolas" panose="020B0609020204030204" pitchFamily="49" charset="0"/>
-                <a:ea typeface="+mn-ea"/>
-                <a:cs typeface="+mn-cs"/>
-              </a:rPr>
-              <a:t>public</a:t>
-            </a:r>
-            <a:r>
-              <a:rPr kumimoji="0" lang="en-US" sz="1600" b="0" i="0" u="none" strike="noStrike" kern="1200" cap="none" spc="0" normalizeH="0" baseline="0" noProof="0">
-                <a:ln>
-                  <a:noFill/>
-                </a:ln>
-                <a:solidFill>
-                  <a:prstClr val="black"/>
-                </a:solidFill>
-                <a:effectLst/>
-                <a:uLnTx/>
-                <a:uFillTx/>
-                <a:latin typeface="Consolas" panose="020B0609020204030204" pitchFamily="49" charset="0"/>
-                <a:ea typeface="+mn-ea"/>
-                <a:cs typeface="+mn-cs"/>
-              </a:rPr>
-              <a:t> </a:t>
-            </a:r>
-            <a:r>
-              <a:rPr kumimoji="0" lang="en-US" sz="1600" b="0" i="0" u="none" strike="noStrike" kern="1200" cap="none" spc="0" normalizeH="0" baseline="0" noProof="0">
-                <a:ln>
-                  <a:noFill/>
-                </a:ln>
-                <a:solidFill>
-                  <a:srgbClr val="C00000"/>
-                </a:solidFill>
-                <a:effectLst/>
-                <a:uLnTx/>
-                <a:uFillTx/>
-                <a:latin typeface="Consolas" panose="020B0609020204030204" pitchFamily="49" charset="0"/>
-                <a:ea typeface="+mn-ea"/>
-                <a:cs typeface="+mn-cs"/>
-              </a:rPr>
-              <a:t>class</a:t>
-            </a:r>
-            <a:r>
-              <a:rPr kumimoji="0" lang="en-US" sz="1600" b="0" i="0" u="none" strike="noStrike" kern="1200" cap="none" spc="0" normalizeH="0" baseline="0" noProof="0">
-                <a:ln>
-                  <a:noFill/>
-                </a:ln>
-                <a:solidFill>
-                  <a:prstClr val="black"/>
-                </a:solidFill>
-                <a:effectLst/>
-                <a:uLnTx/>
-                <a:uFillTx/>
-                <a:latin typeface="Consolas" panose="020B0609020204030204" pitchFamily="49" charset="0"/>
-                <a:ea typeface="+mn-ea"/>
-                <a:cs typeface="+mn-cs"/>
-              </a:rPr>
-              <a:t> Car {</a:t>
-            </a:r>
-          </a:p>
-          <a:p>
-            <a:pPr marL="0" indent="0">
-              <a:buNone/>
-            </a:pPr>
-            <a:r>
-              <a:rPr kumimoji="0" lang="en-US" sz="1600" b="0" i="0" u="none" strike="noStrike" kern="1200" cap="none" spc="0" normalizeH="0" baseline="0" noProof="0">
-                <a:ln>
-                  <a:noFill/>
-                </a:ln>
-                <a:solidFill>
-                  <a:prstClr val="black"/>
-                </a:solidFill>
-                <a:effectLst/>
-                <a:uLnTx/>
-                <a:uFillTx/>
-                <a:latin typeface="Consolas" panose="020B0609020204030204" pitchFamily="49" charset="0"/>
-                <a:ea typeface="+mn-ea"/>
-                <a:cs typeface="+mn-cs"/>
-              </a:rPr>
-              <a:t>    p</a:t>
-            </a:r>
-            <a:r>
-              <a:rPr lang="en-US" sz="1600">
-                <a:solidFill>
-                  <a:srgbClr val="0000FF"/>
-                </a:solidFill>
-                <a:latin typeface="Consolas" panose="020B0609020204030204" pitchFamily="49" charset="0"/>
-              </a:rPr>
-              <a:t>rivate</a:t>
-            </a:r>
-            <a:r>
-              <a:rPr lang="en-US" sz="1600">
-                <a:latin typeface="Consolas" panose="020B0609020204030204" pitchFamily="49" charset="0"/>
-              </a:rPr>
-              <a:t> </a:t>
-            </a:r>
-            <a:r>
-              <a:rPr lang="en-US" sz="1600">
-                <a:solidFill>
-                  <a:srgbClr val="C00000"/>
-                </a:solidFill>
-                <a:latin typeface="Consolas" panose="020B0609020204030204" pitchFamily="49" charset="0"/>
-              </a:rPr>
-              <a:t>String</a:t>
-            </a:r>
-            <a:r>
-              <a:rPr lang="en-US" sz="1600">
-                <a:latin typeface="Consolas" panose="020B0609020204030204" pitchFamily="49" charset="0"/>
-              </a:rPr>
-              <a:t> model;</a:t>
-            </a:r>
-          </a:p>
-          <a:p>
-            <a:pPr marL="0" indent="0">
-              <a:buNone/>
-            </a:pPr>
-            <a:r>
-              <a:rPr lang="en-US" sz="1600">
-                <a:latin typeface="Consolas" panose="020B0609020204030204" pitchFamily="49" charset="0"/>
-              </a:rPr>
-              <a:t>    </a:t>
-            </a:r>
-            <a:r>
-              <a:rPr lang="en-US" sz="1600">
-                <a:solidFill>
-                  <a:srgbClr val="0000FF"/>
-                </a:solidFill>
-                <a:latin typeface="Consolas" panose="020B0609020204030204" pitchFamily="49" charset="0"/>
-              </a:rPr>
-              <a:t>private</a:t>
-            </a:r>
-            <a:r>
-              <a:rPr lang="en-US" sz="1600">
-                <a:latin typeface="Consolas" panose="020B0609020204030204" pitchFamily="49" charset="0"/>
-              </a:rPr>
-              <a:t> </a:t>
-            </a:r>
-            <a:r>
-              <a:rPr lang="en-US" sz="1600">
-                <a:solidFill>
-                  <a:srgbClr val="C00000"/>
-                </a:solidFill>
-                <a:latin typeface="Consolas" panose="020B0609020204030204" pitchFamily="49" charset="0"/>
-              </a:rPr>
-              <a:t>int</a:t>
-            </a:r>
-            <a:r>
-              <a:rPr lang="en-US" sz="1600">
-                <a:latin typeface="Consolas" panose="020B0609020204030204" pitchFamily="49" charset="0"/>
-              </a:rPr>
-              <a:t> year;</a:t>
-            </a:r>
-          </a:p>
-          <a:p>
-            <a:pPr marL="0" indent="0">
-              <a:buNone/>
-            </a:pPr>
-            <a:r>
-              <a:rPr lang="en-US" sz="1600">
-                <a:latin typeface="Consolas" panose="020B0609020204030204" pitchFamily="49" charset="0"/>
-              </a:rPr>
-              <a:t>    </a:t>
-            </a:r>
-            <a:r>
-              <a:rPr lang="en-US" sz="1600">
-                <a:solidFill>
-                  <a:srgbClr val="0000FF"/>
-                </a:solidFill>
-                <a:latin typeface="Consolas" panose="020B0609020204030204" pitchFamily="49" charset="0"/>
-              </a:rPr>
-              <a:t>private</a:t>
-            </a:r>
-            <a:r>
-              <a:rPr lang="en-US" sz="1600">
-                <a:latin typeface="Consolas" panose="020B0609020204030204" pitchFamily="49" charset="0"/>
-              </a:rPr>
-              <a:t> </a:t>
-            </a:r>
-            <a:r>
-              <a:rPr lang="en-US" sz="1600">
-                <a:solidFill>
-                  <a:srgbClr val="C00000"/>
-                </a:solidFill>
-                <a:latin typeface="Consolas" panose="020B0609020204030204" pitchFamily="49" charset="0"/>
-              </a:rPr>
-              <a:t>int</a:t>
-            </a:r>
-            <a:r>
-              <a:rPr lang="en-US" sz="1600">
-                <a:latin typeface="Consolas" panose="020B0609020204030204" pitchFamily="49" charset="0"/>
-              </a:rPr>
-              <a:t> mileage;</a:t>
-            </a:r>
-            <a:br>
-              <a:rPr lang="en-US" sz="1600">
-                <a:latin typeface="Consolas" panose="020B0609020204030204" pitchFamily="49" charset="0"/>
-              </a:rPr>
-            </a:br>
-            <a:br>
-              <a:rPr lang="en-US" sz="1600">
-                <a:latin typeface="Consolas" panose="020B0609020204030204" pitchFamily="49" charset="0"/>
-              </a:rPr>
-            </a:br>
-            <a:r>
-              <a:rPr lang="en-US" sz="1600">
-                <a:latin typeface="Consolas" panose="020B0609020204030204" pitchFamily="49" charset="0"/>
-              </a:rPr>
-              <a:t>    public Car(String model, int year, int mileage) {</a:t>
-            </a:r>
-          </a:p>
-          <a:p>
-            <a:pPr marL="0" indent="0">
-              <a:buNone/>
-            </a:pPr>
-            <a:r>
-              <a:rPr lang="en-US" sz="1600">
-                <a:latin typeface="Consolas" panose="020B0609020204030204" pitchFamily="49" charset="0"/>
-              </a:rPr>
-              <a:t>      this.model = model;</a:t>
-            </a:r>
-          </a:p>
-          <a:p>
-            <a:pPr marL="0" indent="0">
-              <a:buNone/>
-            </a:pPr>
-            <a:r>
-              <a:rPr lang="en-US" sz="1600">
-                <a:latin typeface="Consolas" panose="020B0609020204030204" pitchFamily="49" charset="0"/>
-              </a:rPr>
-              <a:t>      this.year = year;</a:t>
-            </a:r>
-          </a:p>
-          <a:p>
-            <a:pPr marL="0" indent="0">
-              <a:buNone/>
-            </a:pPr>
-            <a:r>
-              <a:rPr lang="en-US" sz="1600">
-                <a:latin typeface="Consolas" panose="020B0609020204030204" pitchFamily="49" charset="0"/>
-              </a:rPr>
-              <a:t>      this.mileage = mileage;</a:t>
-            </a:r>
-          </a:p>
-          <a:p>
-            <a:pPr marL="0" indent="0">
-              <a:buNone/>
-            </a:pPr>
-            <a:r>
-              <a:rPr kumimoji="0" lang="en-US" sz="1600" b="0" i="0" u="none" strike="noStrike" kern="1200" cap="none" spc="0" normalizeH="0" baseline="0" noProof="0">
-                <a:ln>
-                  <a:noFill/>
-                </a:ln>
-                <a:solidFill>
-                  <a:prstClr val="black"/>
-                </a:solidFill>
-                <a:effectLst/>
-                <a:uLnTx/>
-                <a:uFillTx/>
-                <a:latin typeface="Consolas" panose="020B0609020204030204" pitchFamily="49" charset="0"/>
-                <a:ea typeface="+mn-ea"/>
-                <a:cs typeface="+mn-cs"/>
-              </a:rPr>
-              <a:t>    }</a:t>
-            </a:r>
-            <a:br>
-              <a:rPr kumimoji="0" lang="en-US" sz="1600" b="0" i="0" u="none" strike="noStrike" kern="1200" cap="none" spc="0" normalizeH="0" baseline="0" noProof="0">
-                <a:ln>
-                  <a:noFill/>
-                </a:ln>
-                <a:solidFill>
-                  <a:prstClr val="black"/>
-                </a:solidFill>
-                <a:effectLst/>
-                <a:uLnTx/>
-                <a:uFillTx/>
-                <a:latin typeface="Consolas" panose="020B0609020204030204" pitchFamily="49" charset="0"/>
-                <a:ea typeface="+mn-ea"/>
-                <a:cs typeface="+mn-cs"/>
-              </a:rPr>
-            </a:br>
-            <a:r>
-              <a:rPr kumimoji="0" lang="en-US" sz="1600" b="0" i="0" u="none" strike="noStrike" kern="1200" cap="none" spc="0" normalizeH="0" baseline="0" noProof="0">
-                <a:ln>
-                  <a:noFill/>
-                </a:ln>
-                <a:solidFill>
-                  <a:prstClr val="black"/>
-                </a:solidFill>
-                <a:effectLst/>
-                <a:uLnTx/>
-                <a:uFillTx/>
-                <a:latin typeface="Consolas" panose="020B0609020204030204" pitchFamily="49" charset="0"/>
-                <a:ea typeface="+mn-ea"/>
-                <a:cs typeface="+mn-cs"/>
-              </a:rPr>
-              <a:t>}</a:t>
-            </a:r>
-          </a:p>
-          <a:p>
-            <a:pPr marL="0" indent="0">
-              <a:buNone/>
-            </a:pPr>
-            <a:endParaRPr lang="en-US" dirty="0"/>
-          </a:p>
-        </p:txBody>
-      </p:sp>
-      <p:sp>
-        <p:nvSpPr>
-          <p:cNvPr id="3" name="Title 2">
-            <a:extLst>
-              <a:ext uri="{FF2B5EF4-FFF2-40B4-BE49-F238E27FC236}">
-                <a16:creationId xmlns:a16="http://schemas.microsoft.com/office/drawing/2014/main" id="{8AB455D6-E7A3-8F9F-12CC-49BC60F45262}"/>
-              </a:ext>
-            </a:extLst>
-          </p:cNvPr>
-          <p:cNvSpPr>
-            <a:spLocks noGrp="1"/>
-          </p:cNvSpPr>
-          <p:nvPr>
-            <p:ph type="title"/>
-          </p:nvPr>
-        </p:nvSpPr>
-        <p:spPr/>
-        <p:txBody>
-          <a:bodyPr/>
-          <a:lstStyle/>
-          <a:p>
-            <a:r>
-              <a:rPr lang="en-US"/>
-              <a:t>Constructors</a:t>
-            </a:r>
-            <a:endParaRPr lang="en-US" dirty="0"/>
-          </a:p>
-        </p:txBody>
-      </p:sp>
-      <p:sp>
-        <p:nvSpPr>
-          <p:cNvPr id="9" name="Content Placeholder 8">
-            <a:extLst>
-              <a:ext uri="{FF2B5EF4-FFF2-40B4-BE49-F238E27FC236}">
-                <a16:creationId xmlns:a16="http://schemas.microsoft.com/office/drawing/2014/main" id="{A43C641C-26DA-AA2B-C415-B48EDC2BA48C}"/>
-              </a:ext>
-            </a:extLst>
-          </p:cNvPr>
-          <p:cNvSpPr>
-            <a:spLocks noGrp="1"/>
-          </p:cNvSpPr>
-          <p:nvPr>
-            <p:ph idx="13"/>
-          </p:nvPr>
-        </p:nvSpPr>
-        <p:spPr/>
-        <p:txBody>
-          <a:bodyPr/>
-          <a:lstStyle/>
-          <a:p>
-            <a:r>
-              <a:rPr lang="en-US" dirty="0"/>
-              <a:t>A constructor is a special method to create objects</a:t>
-            </a:r>
-          </a:p>
-          <a:p>
-            <a:r>
-              <a:rPr lang="en-US" dirty="0"/>
-              <a:t>Must have same name as the class</a:t>
-            </a:r>
-          </a:p>
-          <a:p>
-            <a:r>
-              <a:rPr lang="en-US" dirty="0"/>
-              <a:t>Must have no return type</a:t>
-            </a:r>
-          </a:p>
-          <a:p>
-            <a:r>
-              <a:rPr lang="en-US" dirty="0"/>
-              <a:t>Can have access modifiers</a:t>
-            </a:r>
-          </a:p>
-        </p:txBody>
-      </p:sp>
-    </p:spTree>
-    <p:extLst>
-      <p:ext uri="{BB962C8B-B14F-4D97-AF65-F5344CB8AC3E}">
-        <p14:creationId xmlns:p14="http://schemas.microsoft.com/office/powerpoint/2010/main" val="2471671352"/>
-      </p:ext>
-    </p:extLst>
-  </p:cSld>
-  <p:clrMapOvr>
-    <a:masterClrMapping/>
-  </p:clrMapOvr>
-</p:sld>
-</file>
-
-<file path=ppt/slides/slide11.xml><?xml version="1.0" encoding="utf-8"?>
-<p:sld xmlns:a="http://schemas.openxmlformats.org/drawingml/2006/main" xmlns:r="http://schemas.openxmlformats.org/officeDocument/2006/relationships" xmlns:p="http://schemas.openxmlformats.org/presentationml/2006/main">
-  <p:cSld>
-    <p:spTree>
-      <p:nvGrpSpPr>
-        <p:cNvPr id="1" name=""/>
-        <p:cNvGrpSpPr/>
-        <p:nvPr/>
-      </p:nvGrpSpPr>
-      <p:grpSpPr>
-        <a:xfrm>
-          <a:off x="0" y="0"/>
-          <a:ext cx="0" cy="0"/>
-          <a:chOff x="0" y="0"/>
-          <a:chExt cx="0" cy="0"/>
-        </a:xfrm>
-      </p:grpSpPr>
-      <p:sp>
-        <p:nvSpPr>
-          <p:cNvPr id="6" name="Content Placeholder 5">
-            <a:extLst>
-              <a:ext uri="{FF2B5EF4-FFF2-40B4-BE49-F238E27FC236}">
-                <a16:creationId xmlns:a16="http://schemas.microsoft.com/office/drawing/2014/main" id="{964B427D-12DC-4223-522A-0DCF9BE57240}"/>
-              </a:ext>
-            </a:extLst>
-          </p:cNvPr>
-          <p:cNvSpPr>
-            <a:spLocks noGrp="1"/>
-          </p:cNvSpPr>
-          <p:nvPr>
-            <p:ph idx="1"/>
-          </p:nvPr>
-        </p:nvSpPr>
-        <p:spPr/>
-        <p:txBody>
-          <a:bodyPr/>
-          <a:lstStyle/>
-          <a:p>
-            <a:pPr marL="457200" indent="-457200">
-              <a:buFont typeface="Arial" panose="020B0604020202020204" pitchFamily="34" charset="0"/>
-              <a:buChar char="•"/>
-            </a:pPr>
-            <a:r>
-              <a:rPr lang="en-US" dirty="0"/>
-              <a:t>Java provides a finalize() method</a:t>
-            </a:r>
-          </a:p>
-          <a:p>
-            <a:pPr marL="1141413" lvl="1" indent="-457200"/>
-            <a:r>
-              <a:rPr lang="en-US" dirty="0"/>
-              <a:t>Called before an object is garbage collected</a:t>
-            </a:r>
-          </a:p>
-          <a:p>
-            <a:pPr marL="1141413" lvl="1" indent="-457200"/>
-            <a:r>
-              <a:rPr lang="en-US" dirty="0"/>
-              <a:t>Largely never used</a:t>
-            </a:r>
-          </a:p>
-          <a:p>
-            <a:pPr marL="1598613" lvl="2" indent="-457200"/>
-            <a:r>
-              <a:rPr lang="en-US" dirty="0"/>
-              <a:t>Garbage collection is unreliable</a:t>
-            </a:r>
-          </a:p>
-        </p:txBody>
-      </p:sp>
-      <p:sp>
-        <p:nvSpPr>
-          <p:cNvPr id="5" name="Title 4">
-            <a:extLst>
-              <a:ext uri="{FF2B5EF4-FFF2-40B4-BE49-F238E27FC236}">
-                <a16:creationId xmlns:a16="http://schemas.microsoft.com/office/drawing/2014/main" id="{505AC514-FD77-7256-87EC-0286622EC821}"/>
-              </a:ext>
-            </a:extLst>
-          </p:cNvPr>
-          <p:cNvSpPr>
-            <a:spLocks noGrp="1"/>
-          </p:cNvSpPr>
-          <p:nvPr>
-            <p:ph type="title"/>
-          </p:nvPr>
-        </p:nvSpPr>
-        <p:spPr/>
-        <p:txBody>
-          <a:bodyPr/>
-          <a:lstStyle/>
-          <a:p>
-            <a:r>
-              <a:rPr lang="en-US" dirty="0"/>
-              <a:t>Destructors?</a:t>
-            </a:r>
-          </a:p>
-        </p:txBody>
-      </p:sp>
-    </p:spTree>
-    <p:extLst>
-      <p:ext uri="{BB962C8B-B14F-4D97-AF65-F5344CB8AC3E}">
-        <p14:creationId xmlns:p14="http://schemas.microsoft.com/office/powerpoint/2010/main" val="1937170348"/>
-      </p:ext>
-    </p:extLst>
-  </p:cSld>
-  <p:clrMapOvr>
-    <a:masterClrMapping/>
-  </p:clrMapOvr>
-</p:sld>
-</file>
-
-<file path=ppt/slides/slide12.xml><?xml version="1.0" encoding="utf-8"?>
-<p:sld xmlns:a="http://schemas.openxmlformats.org/drawingml/2006/main" xmlns:r="http://schemas.openxmlformats.org/officeDocument/2006/relationships" xmlns:p="http://schemas.openxmlformats.org/presentationml/2006/main">
-  <p:cSld>
-    <p:spTree>
-      <p:nvGrpSpPr>
-        <p:cNvPr id="1" name=""/>
-        <p:cNvGrpSpPr/>
-        <p:nvPr/>
-      </p:nvGrpSpPr>
-      <p:grpSpPr>
-        <a:xfrm>
-          <a:off x="0" y="0"/>
-          <a:ext cx="0" cy="0"/>
-          <a:chOff x="0" y="0"/>
-          <a:chExt cx="0" cy="0"/>
-        </a:xfrm>
-      </p:grpSpPr>
-      <p:sp>
-        <p:nvSpPr>
           <p:cNvPr id="2" name="Content Placeholder 1">
             <a:extLst>
               <a:ext uri="{FF2B5EF4-FFF2-40B4-BE49-F238E27FC236}">
@@ -10615,7 +9983,7 @@
 </p:sld>
 </file>
 
-<file path=ppt/slides/slide13.xml><?xml version="1.0" encoding="utf-8"?>
+<file path=ppt/slides/slide11.xml><?xml version="1.0" encoding="utf-8"?>
 <p:sld xmlns:a="http://schemas.openxmlformats.org/drawingml/2006/main" xmlns:r="http://schemas.openxmlformats.org/officeDocument/2006/relationships" xmlns:p="http://schemas.openxmlformats.org/presentationml/2006/main">
   <p:cSld>
     <p:spTree>
@@ -12309,7 +11677,7 @@
 </p:sld>
 </file>
 
-<file path=ppt/slides/slide14.xml><?xml version="1.0" encoding="utf-8"?>
+<file path=ppt/slides/slide12.xml><?xml version="1.0" encoding="utf-8"?>
 <p:sld xmlns:a="http://schemas.openxmlformats.org/drawingml/2006/main" xmlns:r="http://schemas.openxmlformats.org/officeDocument/2006/relationships" xmlns:p="http://schemas.openxmlformats.org/presentationml/2006/main">
   <p:cSld>
     <p:spTree>
@@ -12916,7 +12284,7 @@
 </p:sld>
 </file>
 
-<file path=ppt/slides/slide15.xml><?xml version="1.0" encoding="utf-8"?>
+<file path=ppt/slides/slide13.xml><?xml version="1.0" encoding="utf-8"?>
 <p:sld xmlns:a="http://schemas.openxmlformats.org/drawingml/2006/main" xmlns:r="http://schemas.openxmlformats.org/officeDocument/2006/relationships" xmlns:p="http://schemas.openxmlformats.org/presentationml/2006/main">
   <p:cSld>
     <p:spTree>
@@ -14608,7 +13976,7 @@
 </p:sld>
 </file>
 
-<file path=ppt/slides/slide16.xml><?xml version="1.0" encoding="utf-8"?>
+<file path=ppt/slides/slide14.xml><?xml version="1.0" encoding="utf-8"?>
 <p:sld xmlns:a="http://schemas.openxmlformats.org/drawingml/2006/main" xmlns:r="http://schemas.openxmlformats.org/officeDocument/2006/relationships" xmlns:p="http://schemas.openxmlformats.org/presentationml/2006/main">
   <p:cSld>
     <p:spTree>
@@ -16131,7 +15499,7 @@
 </p:sld>
 </file>
 
-<file path=ppt/slides/slide17.xml><?xml version="1.0" encoding="utf-8"?>
+<file path=ppt/slides/slide15.xml><?xml version="1.0" encoding="utf-8"?>
 <p:sld xmlns:a="http://schemas.openxmlformats.org/drawingml/2006/main" xmlns:r="http://schemas.openxmlformats.org/officeDocument/2006/relationships" xmlns:p="http://schemas.openxmlformats.org/presentationml/2006/main">
   <p:cSld>
     <p:spTree>
@@ -16805,7 +16173,7 @@
 </p:sld>
 </file>
 
-<file path=ppt/slides/slide18.xml><?xml version="1.0" encoding="utf-8"?>
+<file path=ppt/slides/slide16.xml><?xml version="1.0" encoding="utf-8"?>
 <p:sld xmlns:a="http://schemas.openxmlformats.org/drawingml/2006/main" xmlns:r="http://schemas.openxmlformats.org/officeDocument/2006/relationships" xmlns:p="http://schemas.openxmlformats.org/presentationml/2006/main">
   <p:cSld>
     <p:spTree>
@@ -17261,7 +16629,7 @@
 </p:sld>
 </file>
 
-<file path=ppt/slides/slide19.xml><?xml version="1.0" encoding="utf-8"?>
+<file path=ppt/slides/slide17.xml><?xml version="1.0" encoding="utf-8"?>
 <p:sld xmlns:a="http://schemas.openxmlformats.org/drawingml/2006/main" xmlns:r="http://schemas.openxmlformats.org/officeDocument/2006/relationships" xmlns:p="http://schemas.openxmlformats.org/presentationml/2006/main">
   <p:cSld>
     <p:spTree>
@@ -17324,15 +16692,7 @@
           <a:p>
             <a:r>
               <a:rPr lang="en-US" dirty="0"/>
-              <a:t>All methods </a:t>
-            </a:r>
-            <a:r>
-              <a:rPr lang="en-US"/>
-              <a:t>in interface </a:t>
-            </a:r>
-            <a:r>
-              <a:rPr lang="en-US" dirty="0"/>
-              <a:t>are abstract by default</a:t>
+              <a:t>All methods in interface are abstract by default</a:t>
             </a:r>
           </a:p>
           <a:p>
@@ -18071,156 +17431,7 @@
 </p:sld>
 </file>
 
-<file path=ppt/slides/slide2.xml><?xml version="1.0" encoding="utf-8"?>
-<p:sld xmlns:a="http://schemas.openxmlformats.org/drawingml/2006/main" xmlns:r="http://schemas.openxmlformats.org/officeDocument/2006/relationships" xmlns:p="http://schemas.openxmlformats.org/presentationml/2006/main">
-  <p:cSld>
-    <p:spTree>
-      <p:nvGrpSpPr>
-        <p:cNvPr id="1" name=""/>
-        <p:cNvGrpSpPr/>
-        <p:nvPr/>
-      </p:nvGrpSpPr>
-      <p:grpSpPr>
-        <a:xfrm>
-          <a:off x="0" y="0"/>
-          <a:ext cx="0" cy="0"/>
-          <a:chOff x="0" y="0"/>
-          <a:chExt cx="0" cy="0"/>
-        </a:xfrm>
-      </p:grpSpPr>
-      <p:sp>
-        <p:nvSpPr>
-          <p:cNvPr id="5" name="Content Placeholder 4">
-            <a:extLst>
-              <a:ext uri="{FF2B5EF4-FFF2-40B4-BE49-F238E27FC236}">
-                <a16:creationId xmlns:a16="http://schemas.microsoft.com/office/drawing/2014/main" id="{337667A8-F767-3367-9C25-7E8FEDAADFDD}"/>
-              </a:ext>
-            </a:extLst>
-          </p:cNvPr>
-          <p:cNvSpPr>
-            <a:spLocks noGrp="1"/>
-          </p:cNvSpPr>
-          <p:nvPr>
-            <p:ph idx="1"/>
-          </p:nvPr>
-        </p:nvSpPr>
-        <p:spPr/>
-        <p:txBody>
-          <a:bodyPr/>
-          <a:lstStyle/>
-          <a:p>
-            <a:pPr marL="457200" indent="-457200">
-              <a:buFont typeface="Arial" panose="020B0604020202020204" pitchFamily="34" charset="0"/>
-              <a:buChar char="•"/>
-            </a:pPr>
-            <a:r>
-              <a:rPr lang="en-US" dirty="0"/>
-              <a:t>HW schedule updated</a:t>
-            </a:r>
-          </a:p>
-          <a:p>
-            <a:pPr marL="457200" indent="-457200">
-              <a:buFont typeface="Arial" panose="020B0604020202020204" pitchFamily="34" charset="0"/>
-              <a:buChar char="•"/>
-            </a:pPr>
-            <a:r>
-              <a:rPr lang="en-US" dirty="0"/>
-              <a:t>Homework handouts will have some updates </a:t>
-            </a:r>
-          </a:p>
-          <a:p>
-            <a:pPr marL="1141413" lvl="1" indent="-457200"/>
-            <a:r>
-              <a:rPr lang="en-US" dirty="0"/>
-              <a:t>Some additional requirements</a:t>
-            </a:r>
-          </a:p>
-          <a:p>
-            <a:pPr marL="1141413" lvl="1" indent="-457200"/>
-            <a:r>
-              <a:rPr lang="en-US" dirty="0"/>
-              <a:t>Each assignment will have 15 points</a:t>
-            </a:r>
-          </a:p>
-          <a:p>
-            <a:pPr marL="457200" indent="-457200">
-              <a:buFont typeface="Arial" panose="020B0604020202020204" pitchFamily="34" charset="0"/>
-              <a:buChar char="•"/>
-            </a:pPr>
-            <a:r>
-              <a:rPr lang="en-US" dirty="0"/>
-              <a:t>We will discuss HW1 during class on Monday</a:t>
-            </a:r>
-          </a:p>
-        </p:txBody>
-      </p:sp>
-      <p:sp>
-        <p:nvSpPr>
-          <p:cNvPr id="4" name="Title 3">
-            <a:extLst>
-              <a:ext uri="{FF2B5EF4-FFF2-40B4-BE49-F238E27FC236}">
-                <a16:creationId xmlns:a16="http://schemas.microsoft.com/office/drawing/2014/main" id="{EA2F516A-36A1-61C8-883E-782BA2FA3906}"/>
-              </a:ext>
-            </a:extLst>
-          </p:cNvPr>
-          <p:cNvSpPr>
-            <a:spLocks noGrp="1"/>
-          </p:cNvSpPr>
-          <p:nvPr>
-            <p:ph type="title"/>
-          </p:nvPr>
-        </p:nvSpPr>
-        <p:spPr/>
-        <p:txBody>
-          <a:bodyPr/>
-          <a:lstStyle/>
-          <a:p>
-            <a:r>
-              <a:rPr lang="en-US" dirty="0"/>
-              <a:t>Announcements</a:t>
-            </a:r>
-          </a:p>
-        </p:txBody>
-      </p:sp>
-      <p:sp>
-        <p:nvSpPr>
-          <p:cNvPr id="6" name="Subtitle 5">
-            <a:extLst>
-              <a:ext uri="{FF2B5EF4-FFF2-40B4-BE49-F238E27FC236}">
-                <a16:creationId xmlns:a16="http://schemas.microsoft.com/office/drawing/2014/main" id="{768CCC8F-3818-D92B-278F-BA7399973772}"/>
-              </a:ext>
-            </a:extLst>
-          </p:cNvPr>
-          <p:cNvSpPr>
-            <a:spLocks noGrp="1"/>
-          </p:cNvSpPr>
-          <p:nvPr>
-            <p:ph type="subTitle" idx="13"/>
-          </p:nvPr>
-        </p:nvSpPr>
-        <p:spPr/>
-        <p:txBody>
-          <a:bodyPr/>
-          <a:lstStyle/>
-          <a:p>
-            <a:endParaRPr lang="en-US"/>
-          </a:p>
-        </p:txBody>
-      </p:sp>
-    </p:spTree>
-    <p:extLst>
-      <p:ext uri="{BB962C8B-B14F-4D97-AF65-F5344CB8AC3E}">
-        <p14:creationId xmlns:p14="http://schemas.microsoft.com/office/powerpoint/2010/main" val="3851010969"/>
-      </p:ext>
-    </p:extLst>
-  </p:cSld>
-  <p:clrMapOvr>
-    <a:masterClrMapping/>
-  </p:clrMapOvr>
-</p:sld>
-</file>
-
-<file path=ppt/slides/slide20.xml><?xml version="1.0" encoding="utf-8"?>
+<file path=ppt/slides/slide18.xml><?xml version="1.0" encoding="utf-8"?>
 <p:sld xmlns:a="http://schemas.openxmlformats.org/drawingml/2006/main" xmlns:r="http://schemas.openxmlformats.org/officeDocument/2006/relationships" xmlns:p="http://schemas.openxmlformats.org/presentationml/2006/main">
   <p:cSld>
     <p:spTree>
@@ -19239,7 +18450,7 @@
 </p:sld>
 </file>
 
-<file path=ppt/slides/slide21.xml><?xml version="1.0" encoding="utf-8"?>
+<file path=ppt/slides/slide19.xml><?xml version="1.0" encoding="utf-8"?>
 <p:sld xmlns:a="http://schemas.openxmlformats.org/drawingml/2006/main" xmlns:r="http://schemas.openxmlformats.org/officeDocument/2006/relationships" xmlns:p="http://schemas.openxmlformats.org/presentationml/2006/main">
   <p:cSld>
     <p:spTree>
@@ -20131,7 +19342,405 @@
 </p:sld>
 </file>
 
-<file path=ppt/slides/slide22.xml><?xml version="1.0" encoding="utf-8"?>
+<file path=ppt/slides/slide2.xml><?xml version="1.0" encoding="utf-8"?>
+<p:sld xmlns:a="http://schemas.openxmlformats.org/drawingml/2006/main" xmlns:r="http://schemas.openxmlformats.org/officeDocument/2006/relationships" xmlns:p="http://schemas.openxmlformats.org/presentationml/2006/main">
+  <p:cSld>
+    <p:spTree>
+      <p:nvGrpSpPr>
+        <p:cNvPr id="1" name=""/>
+        <p:cNvGrpSpPr/>
+        <p:nvPr/>
+      </p:nvGrpSpPr>
+      <p:grpSpPr>
+        <a:xfrm>
+          <a:off x="0" y="0"/>
+          <a:ext cx="0" cy="0"/>
+          <a:chOff x="0" y="0"/>
+          <a:chExt cx="0" cy="0"/>
+        </a:xfrm>
+      </p:grpSpPr>
+      <p:sp>
+        <p:nvSpPr>
+          <p:cNvPr id="2" name="Content Placeholder 1">
+            <a:extLst>
+              <a:ext uri="{FF2B5EF4-FFF2-40B4-BE49-F238E27FC236}">
+                <a16:creationId xmlns:a16="http://schemas.microsoft.com/office/drawing/2014/main" id="{8ACF9742-3350-1D65-AB1F-E445C30B36DE}"/>
+              </a:ext>
+            </a:extLst>
+          </p:cNvPr>
+          <p:cNvSpPr>
+            <a:spLocks noGrp="1"/>
+          </p:cNvSpPr>
+          <p:nvPr>
+            <p:ph idx="1"/>
+          </p:nvPr>
+        </p:nvSpPr>
+        <p:spPr/>
+        <p:txBody>
+          <a:bodyPr/>
+          <a:lstStyle/>
+          <a:p>
+            <a:pPr marL="0" indent="0">
+              <a:buNone/>
+            </a:pPr>
+            <a:r>
+              <a:rPr lang="en-US"/>
+              <a:t>Objects have properties and functions</a:t>
+            </a:r>
+            <a:endParaRPr lang="en-US" dirty="0"/>
+          </a:p>
+        </p:txBody>
+      </p:sp>
+      <p:sp>
+        <p:nvSpPr>
+          <p:cNvPr id="3" name="Title 2">
+            <a:extLst>
+              <a:ext uri="{FF2B5EF4-FFF2-40B4-BE49-F238E27FC236}">
+                <a16:creationId xmlns:a16="http://schemas.microsoft.com/office/drawing/2014/main" id="{6BE0EAE0-FAB3-33AA-DB3C-DDC2394A80CD}"/>
+              </a:ext>
+            </a:extLst>
+          </p:cNvPr>
+          <p:cNvSpPr>
+            <a:spLocks noGrp="1"/>
+          </p:cNvSpPr>
+          <p:nvPr>
+            <p:ph type="title"/>
+          </p:nvPr>
+        </p:nvSpPr>
+        <p:spPr/>
+        <p:txBody>
+          <a:bodyPr/>
+          <a:lstStyle/>
+          <a:p>
+            <a:r>
+              <a:rPr lang="en-US"/>
+              <a:t>What is an object?</a:t>
+            </a:r>
+            <a:endParaRPr lang="en-US" dirty="0"/>
+          </a:p>
+        </p:txBody>
+      </p:sp>
+      <p:sp>
+        <p:nvSpPr>
+          <p:cNvPr id="4" name="Subtitle 3">
+            <a:extLst>
+              <a:ext uri="{FF2B5EF4-FFF2-40B4-BE49-F238E27FC236}">
+                <a16:creationId xmlns:a16="http://schemas.microsoft.com/office/drawing/2014/main" id="{2822CE88-B1CE-8912-0A76-F5DB3B904762}"/>
+              </a:ext>
+            </a:extLst>
+          </p:cNvPr>
+          <p:cNvSpPr>
+            <a:spLocks noGrp="1"/>
+          </p:cNvSpPr>
+          <p:nvPr>
+            <p:ph type="subTitle" idx="13"/>
+          </p:nvPr>
+        </p:nvSpPr>
+        <p:spPr/>
+        <p:txBody>
+          <a:bodyPr/>
+          <a:lstStyle/>
+          <a:p>
+            <a:endParaRPr lang="en-US"/>
+          </a:p>
+        </p:txBody>
+      </p:sp>
+      <p:pic>
+        <p:nvPicPr>
+          <p:cNvPr id="1026" name="Picture 2" descr="Best Cars of 2024 and 2025 - Top-Rated New Cars Ranked | KBB.com">
+            <a:extLst>
+              <a:ext uri="{FF2B5EF4-FFF2-40B4-BE49-F238E27FC236}">
+                <a16:creationId xmlns:a16="http://schemas.microsoft.com/office/drawing/2014/main" id="{D0B3A394-D3F6-ACDF-9E4D-40D79040B9C8}"/>
+              </a:ext>
+            </a:extLst>
+          </p:cNvPr>
+          <p:cNvPicPr>
+            <a:picLocks noChangeAspect="1" noChangeArrowheads="1"/>
+          </p:cNvPicPr>
+          <p:nvPr/>
+        </p:nvPicPr>
+        <p:blipFill>
+          <a:blip r:embed="rId3" cstate="print">
+            <a:extLst>
+              <a:ext uri="{28A0092B-C50C-407E-A947-70E740481C1C}">
+                <a14:useLocalDpi xmlns:a14="http://schemas.microsoft.com/office/drawing/2010/main" val="0"/>
+              </a:ext>
+            </a:extLst>
+          </a:blip>
+          <a:srcRect/>
+          <a:stretch>
+            <a:fillRect/>
+          </a:stretch>
+        </p:blipFill>
+        <p:spPr bwMode="auto">
+          <a:xfrm>
+            <a:off x="529940" y="1598124"/>
+            <a:ext cx="3330859" cy="1347957"/>
+          </a:xfrm>
+          <a:prstGeom prst="rect">
+            <a:avLst/>
+          </a:prstGeom>
+          <a:noFill/>
+          <a:extLst>
+            <a:ext uri="{909E8E84-426E-40DD-AFC4-6F175D3DCCD1}">
+              <a14:hiddenFill xmlns:a14="http://schemas.microsoft.com/office/drawing/2010/main">
+                <a:solidFill>
+                  <a:srgbClr val="FFFFFF"/>
+                </a:solidFill>
+              </a14:hiddenFill>
+            </a:ext>
+          </a:extLst>
+        </p:spPr>
+      </p:pic>
+      <p:pic>
+        <p:nvPicPr>
+          <p:cNvPr id="1028" name="Picture 4" descr="Understanding Behavioral Changes in Senior Dogs | Dog Aging Project">
+            <a:extLst>
+              <a:ext uri="{FF2B5EF4-FFF2-40B4-BE49-F238E27FC236}">
+                <a16:creationId xmlns:a16="http://schemas.microsoft.com/office/drawing/2014/main" id="{5812A8B1-EF6D-9DC6-4052-4E8A1E1A83C7}"/>
+              </a:ext>
+            </a:extLst>
+          </p:cNvPr>
+          <p:cNvPicPr>
+            <a:picLocks noChangeAspect="1" noChangeArrowheads="1"/>
+          </p:cNvPicPr>
+          <p:nvPr/>
+        </p:nvPicPr>
+        <p:blipFill>
+          <a:blip r:embed="rId4" cstate="print">
+            <a:extLst>
+              <a:ext uri="{28A0092B-C50C-407E-A947-70E740481C1C}">
+                <a14:useLocalDpi xmlns:a14="http://schemas.microsoft.com/office/drawing/2010/main" val="0"/>
+              </a:ext>
+            </a:extLst>
+          </a:blip>
+          <a:srcRect/>
+          <a:stretch>
+            <a:fillRect/>
+          </a:stretch>
+        </p:blipFill>
+        <p:spPr bwMode="auto">
+          <a:xfrm>
+            <a:off x="827897" y="3831255"/>
+            <a:ext cx="2575454" cy="1717234"/>
+          </a:xfrm>
+          <a:prstGeom prst="rect">
+            <a:avLst/>
+          </a:prstGeom>
+          <a:noFill/>
+          <a:extLst>
+            <a:ext uri="{909E8E84-426E-40DD-AFC4-6F175D3DCCD1}">
+              <a14:hiddenFill xmlns:a14="http://schemas.microsoft.com/office/drawing/2010/main">
+                <a:solidFill>
+                  <a:srgbClr val="FFFFFF"/>
+                </a:solidFill>
+              </a14:hiddenFill>
+            </a:ext>
+          </a:extLst>
+        </p:spPr>
+      </p:pic>
+      <p:pic>
+        <p:nvPicPr>
+          <p:cNvPr id="1030" name="Picture 6" descr="Professional Woman Stock Photos, Images and Backgrounds for Free Download">
+            <a:extLst>
+              <a:ext uri="{FF2B5EF4-FFF2-40B4-BE49-F238E27FC236}">
+                <a16:creationId xmlns:a16="http://schemas.microsoft.com/office/drawing/2014/main" id="{C5D996F2-8637-3CFD-2B62-E4DDFD288786}"/>
+              </a:ext>
+            </a:extLst>
+          </p:cNvPr>
+          <p:cNvPicPr>
+            <a:picLocks noChangeAspect="1" noChangeArrowheads="1"/>
+          </p:cNvPicPr>
+          <p:nvPr/>
+        </p:nvPicPr>
+        <p:blipFill>
+          <a:blip r:embed="rId5" cstate="print">
+            <a:extLst>
+              <a:ext uri="{28A0092B-C50C-407E-A947-70E740481C1C}">
+                <a14:useLocalDpi xmlns:a14="http://schemas.microsoft.com/office/drawing/2010/main" val="0"/>
+              </a:ext>
+            </a:extLst>
+          </a:blip>
+          <a:srcRect/>
+          <a:stretch>
+            <a:fillRect/>
+          </a:stretch>
+        </p:blipFill>
+        <p:spPr bwMode="auto">
+          <a:xfrm>
+            <a:off x="4797539" y="1357433"/>
+            <a:ext cx="2575454" cy="1931255"/>
+          </a:xfrm>
+          <a:prstGeom prst="rect">
+            <a:avLst/>
+          </a:prstGeom>
+          <a:noFill/>
+          <a:extLst>
+            <a:ext uri="{909E8E84-426E-40DD-AFC4-6F175D3DCCD1}">
+              <a14:hiddenFill xmlns:a14="http://schemas.microsoft.com/office/drawing/2010/main">
+                <a:solidFill>
+                  <a:srgbClr val="FFFFFF"/>
+                </a:solidFill>
+              </a14:hiddenFill>
+            </a:ext>
+          </a:extLst>
+        </p:spPr>
+      </p:pic>
+      <p:pic>
+        <p:nvPicPr>
+          <p:cNvPr id="1032" name="Picture 8" descr="Roll: Bicycle Company A:1 Adventure Bike">
+            <a:extLst>
+              <a:ext uri="{FF2B5EF4-FFF2-40B4-BE49-F238E27FC236}">
+                <a16:creationId xmlns:a16="http://schemas.microsoft.com/office/drawing/2014/main" id="{A6DEBE71-9A16-E558-68CA-3DBB9959789B}"/>
+              </a:ext>
+            </a:extLst>
+          </p:cNvPr>
+          <p:cNvPicPr>
+            <a:picLocks noChangeAspect="1" noChangeArrowheads="1"/>
+          </p:cNvPicPr>
+          <p:nvPr/>
+        </p:nvPicPr>
+        <p:blipFill>
+          <a:blip r:embed="rId6" cstate="print">
+            <a:extLst>
+              <a:ext uri="{28A0092B-C50C-407E-A947-70E740481C1C}">
+                <a14:useLocalDpi xmlns:a14="http://schemas.microsoft.com/office/drawing/2010/main" val="0"/>
+              </a:ext>
+            </a:extLst>
+          </a:blip>
+          <a:srcRect/>
+          <a:stretch>
+            <a:fillRect/>
+          </a:stretch>
+        </p:blipFill>
+        <p:spPr bwMode="auto">
+          <a:xfrm>
+            <a:off x="8267644" y="3503877"/>
+            <a:ext cx="3527778" cy="2116667"/>
+          </a:xfrm>
+          <a:prstGeom prst="rect">
+            <a:avLst/>
+          </a:prstGeom>
+          <a:noFill/>
+          <a:extLst>
+            <a:ext uri="{909E8E84-426E-40DD-AFC4-6F175D3DCCD1}">
+              <a14:hiddenFill xmlns:a14="http://schemas.microsoft.com/office/drawing/2010/main">
+                <a:solidFill>
+                  <a:srgbClr val="FFFFFF"/>
+                </a:solidFill>
+              </a14:hiddenFill>
+            </a:ext>
+          </a:extLst>
+        </p:spPr>
+      </p:pic>
+      <p:pic>
+        <p:nvPicPr>
+          <p:cNvPr id="1034" name="Picture 10" descr="True Fine 16.5-in Brushed Steel LED Touch Table Lamp with Fabric Shade  20080T-BN at Lowes.com">
+            <a:extLst>
+              <a:ext uri="{FF2B5EF4-FFF2-40B4-BE49-F238E27FC236}">
+                <a16:creationId xmlns:a16="http://schemas.microsoft.com/office/drawing/2014/main" id="{B33B9FBE-636D-877F-1CA6-7513A4E829B6}"/>
+              </a:ext>
+            </a:extLst>
+          </p:cNvPr>
+          <p:cNvPicPr>
+            <a:picLocks noChangeAspect="1" noChangeArrowheads="1"/>
+          </p:cNvPicPr>
+          <p:nvPr/>
+        </p:nvPicPr>
+        <p:blipFill>
+          <a:blip r:embed="rId7" cstate="print">
+            <a:extLst>
+              <a:ext uri="{28A0092B-C50C-407E-A947-70E740481C1C}">
+                <a14:useLocalDpi xmlns:a14="http://schemas.microsoft.com/office/drawing/2010/main" val="0"/>
+              </a:ext>
+            </a:extLst>
+          </a:blip>
+          <a:srcRect/>
+          <a:stretch>
+            <a:fillRect/>
+          </a:stretch>
+        </p:blipFill>
+        <p:spPr bwMode="auto">
+          <a:xfrm>
+            <a:off x="9033822" y="1344072"/>
+            <a:ext cx="1995422" cy="1995422"/>
+          </a:xfrm>
+          <a:prstGeom prst="rect">
+            <a:avLst/>
+          </a:prstGeom>
+          <a:noFill/>
+          <a:extLst>
+            <a:ext uri="{909E8E84-426E-40DD-AFC4-6F175D3DCCD1}">
+              <a14:hiddenFill xmlns:a14="http://schemas.microsoft.com/office/drawing/2010/main">
+                <a:solidFill>
+                  <a:srgbClr val="FFFFFF"/>
+                </a:solidFill>
+              </a14:hiddenFill>
+            </a:ext>
+          </a:extLst>
+        </p:spPr>
+      </p:pic>
+      <p:pic>
+        <p:nvPicPr>
+          <p:cNvPr id="1036" name="Picture 12" descr="Twinkle Twinkle Little Firefly - Humane Gardener">
+            <a:extLst>
+              <a:ext uri="{FF2B5EF4-FFF2-40B4-BE49-F238E27FC236}">
+                <a16:creationId xmlns:a16="http://schemas.microsoft.com/office/drawing/2014/main" id="{DA3A625C-BA86-22D3-9AF0-985AA2A6F3A0}"/>
+              </a:ext>
+            </a:extLst>
+          </p:cNvPr>
+          <p:cNvPicPr>
+            <a:picLocks noChangeAspect="1" noChangeArrowheads="1"/>
+          </p:cNvPicPr>
+          <p:nvPr/>
+        </p:nvPicPr>
+        <p:blipFill>
+          <a:blip r:embed="rId8" cstate="print">
+            <a:extLst>
+              <a:ext uri="{28A0092B-C50C-407E-A947-70E740481C1C}">
+                <a14:useLocalDpi xmlns:a14="http://schemas.microsoft.com/office/drawing/2010/main" val="0"/>
+              </a:ext>
+            </a:extLst>
+          </a:blip>
+          <a:srcRect/>
+          <a:stretch>
+            <a:fillRect/>
+          </a:stretch>
+        </p:blipFill>
+        <p:spPr bwMode="auto">
+          <a:xfrm>
+            <a:off x="4606579" y="3677531"/>
+            <a:ext cx="3330859" cy="1873175"/>
+          </a:xfrm>
+          <a:prstGeom prst="rect">
+            <a:avLst/>
+          </a:prstGeom>
+          <a:noFill/>
+          <a:extLst>
+            <a:ext uri="{909E8E84-426E-40DD-AFC4-6F175D3DCCD1}">
+              <a14:hiddenFill xmlns:a14="http://schemas.microsoft.com/office/drawing/2010/main">
+                <a:solidFill>
+                  <a:srgbClr val="FFFFFF"/>
+                </a:solidFill>
+              </a14:hiddenFill>
+            </a:ext>
+          </a:extLst>
+        </p:spPr>
+      </p:pic>
+    </p:spTree>
+    <p:extLst>
+      <p:ext uri="{BB962C8B-B14F-4D97-AF65-F5344CB8AC3E}">
+        <p14:creationId xmlns:p14="http://schemas.microsoft.com/office/powerpoint/2010/main" val="270900983"/>
+      </p:ext>
+    </p:extLst>
+  </p:cSld>
+  <p:clrMapOvr>
+    <a:masterClrMapping/>
+  </p:clrMapOvr>
+</p:sld>
+</file>
+
+<file path=ppt/slides/slide20.xml><?xml version="1.0" encoding="utf-8"?>
 <p:sld xmlns:a="http://schemas.openxmlformats.org/drawingml/2006/main" xmlns:r="http://schemas.openxmlformats.org/officeDocument/2006/relationships" xmlns:p="http://schemas.openxmlformats.org/presentationml/2006/main">
   <p:cSld>
     <p:spTree>
@@ -20664,7 +20273,7 @@
 </p:sld>
 </file>
 
-<file path=ppt/slides/slide23.xml><?xml version="1.0" encoding="utf-8"?>
+<file path=ppt/slides/slide21.xml><?xml version="1.0" encoding="utf-8"?>
 <p:sld xmlns:a="http://schemas.openxmlformats.org/drawingml/2006/main" xmlns:r="http://schemas.openxmlformats.org/officeDocument/2006/relationships" xmlns:p="http://schemas.openxmlformats.org/presentationml/2006/main">
   <p:cSld>
     <p:spTree>
@@ -21525,7 +21134,7 @@
 </p:sld>
 </file>
 
-<file path=ppt/slides/slide24.xml><?xml version="1.0" encoding="utf-8"?>
+<file path=ppt/slides/slide22.xml><?xml version="1.0" encoding="utf-8"?>
 <p:sld xmlns:a="http://schemas.openxmlformats.org/drawingml/2006/main" xmlns:r="http://schemas.openxmlformats.org/officeDocument/2006/relationships" xmlns:p="http://schemas.openxmlformats.org/presentationml/2006/main">
   <p:cSld>
     <p:spTree>
@@ -22140,7 +21749,7 @@
 </p:sld>
 </file>
 
-<file path=ppt/slides/slide25.xml><?xml version="1.0" encoding="utf-8"?>
+<file path=ppt/slides/slide23.xml><?xml version="1.0" encoding="utf-8"?>
 <p:sld xmlns:a="http://schemas.openxmlformats.org/drawingml/2006/main" xmlns:r="http://schemas.openxmlformats.org/officeDocument/2006/relationships" xmlns:p="http://schemas.openxmlformats.org/presentationml/2006/main">
   <p:cSld>
     <p:spTree>
@@ -22226,7 +21835,7 @@
 </p:sld>
 </file>
 
-<file path=ppt/slides/slide26.xml><?xml version="1.0" encoding="utf-8"?>
+<file path=ppt/slides/slide24.xml><?xml version="1.0" encoding="utf-8"?>
 <p:sld xmlns:a="http://schemas.openxmlformats.org/drawingml/2006/main" xmlns:r="http://schemas.openxmlformats.org/officeDocument/2006/relationships" xmlns:p="http://schemas.openxmlformats.org/presentationml/2006/main">
   <p:cSld>
     <p:spTree>
@@ -22361,7 +21970,7 @@
 </p:sld>
 </file>
 
-<file path=ppt/slides/slide27.xml><?xml version="1.0" encoding="utf-8"?>
+<file path=ppt/slides/slide25.xml><?xml version="1.0" encoding="utf-8"?>
 <p:sld xmlns:a="http://schemas.openxmlformats.org/drawingml/2006/main" xmlns:r="http://schemas.openxmlformats.org/officeDocument/2006/relationships" xmlns:p="http://schemas.openxmlformats.org/presentationml/2006/main">
   <p:cSld>
     <p:spTree>
@@ -22575,7 +22184,7 @@
 </p:sld>
 </file>
 
-<file path=ppt/slides/slide28.xml><?xml version="1.0" encoding="utf-8"?>
+<file path=ppt/slides/slide26.xml><?xml version="1.0" encoding="utf-8"?>
 <p:sld xmlns:a="http://schemas.openxmlformats.org/drawingml/2006/main" xmlns:r="http://schemas.openxmlformats.org/officeDocument/2006/relationships" xmlns:p="http://schemas.openxmlformats.org/presentationml/2006/main">
   <p:cSld>
     <p:spTree>
@@ -23145,7 +22754,7 @@
 </p:sld>
 </file>
 
-<file path=ppt/slides/slide29.xml><?xml version="1.0" encoding="utf-8"?>
+<file path=ppt/slides/slide27.xml><?xml version="1.0" encoding="utf-8"?>
 <p:sld xmlns:a="http://schemas.openxmlformats.org/drawingml/2006/main" xmlns:r="http://schemas.openxmlformats.org/officeDocument/2006/relationships" xmlns:p="http://schemas.openxmlformats.org/presentationml/2006/main">
   <p:cSld>
     <p:spTree>
@@ -23688,405 +23297,7 @@
 </p:sld>
 </file>
 
-<file path=ppt/slides/slide3.xml><?xml version="1.0" encoding="utf-8"?>
-<p:sld xmlns:a="http://schemas.openxmlformats.org/drawingml/2006/main" xmlns:r="http://schemas.openxmlformats.org/officeDocument/2006/relationships" xmlns:p="http://schemas.openxmlformats.org/presentationml/2006/main">
-  <p:cSld>
-    <p:spTree>
-      <p:nvGrpSpPr>
-        <p:cNvPr id="1" name=""/>
-        <p:cNvGrpSpPr/>
-        <p:nvPr/>
-      </p:nvGrpSpPr>
-      <p:grpSpPr>
-        <a:xfrm>
-          <a:off x="0" y="0"/>
-          <a:ext cx="0" cy="0"/>
-          <a:chOff x="0" y="0"/>
-          <a:chExt cx="0" cy="0"/>
-        </a:xfrm>
-      </p:grpSpPr>
-      <p:sp>
-        <p:nvSpPr>
-          <p:cNvPr id="2" name="Content Placeholder 1">
-            <a:extLst>
-              <a:ext uri="{FF2B5EF4-FFF2-40B4-BE49-F238E27FC236}">
-                <a16:creationId xmlns:a16="http://schemas.microsoft.com/office/drawing/2014/main" id="{8ACF9742-3350-1D65-AB1F-E445C30B36DE}"/>
-              </a:ext>
-            </a:extLst>
-          </p:cNvPr>
-          <p:cNvSpPr>
-            <a:spLocks noGrp="1"/>
-          </p:cNvSpPr>
-          <p:nvPr>
-            <p:ph idx="1"/>
-          </p:nvPr>
-        </p:nvSpPr>
-        <p:spPr/>
-        <p:txBody>
-          <a:bodyPr/>
-          <a:lstStyle/>
-          <a:p>
-            <a:pPr marL="0" indent="0">
-              <a:buNone/>
-            </a:pPr>
-            <a:r>
-              <a:rPr lang="en-US"/>
-              <a:t>Objects have properties and functions</a:t>
-            </a:r>
-            <a:endParaRPr lang="en-US" dirty="0"/>
-          </a:p>
-        </p:txBody>
-      </p:sp>
-      <p:sp>
-        <p:nvSpPr>
-          <p:cNvPr id="3" name="Title 2">
-            <a:extLst>
-              <a:ext uri="{FF2B5EF4-FFF2-40B4-BE49-F238E27FC236}">
-                <a16:creationId xmlns:a16="http://schemas.microsoft.com/office/drawing/2014/main" id="{6BE0EAE0-FAB3-33AA-DB3C-DDC2394A80CD}"/>
-              </a:ext>
-            </a:extLst>
-          </p:cNvPr>
-          <p:cNvSpPr>
-            <a:spLocks noGrp="1"/>
-          </p:cNvSpPr>
-          <p:nvPr>
-            <p:ph type="title"/>
-          </p:nvPr>
-        </p:nvSpPr>
-        <p:spPr/>
-        <p:txBody>
-          <a:bodyPr/>
-          <a:lstStyle/>
-          <a:p>
-            <a:r>
-              <a:rPr lang="en-US"/>
-              <a:t>What is an object?</a:t>
-            </a:r>
-            <a:endParaRPr lang="en-US" dirty="0"/>
-          </a:p>
-        </p:txBody>
-      </p:sp>
-      <p:sp>
-        <p:nvSpPr>
-          <p:cNvPr id="4" name="Subtitle 3">
-            <a:extLst>
-              <a:ext uri="{FF2B5EF4-FFF2-40B4-BE49-F238E27FC236}">
-                <a16:creationId xmlns:a16="http://schemas.microsoft.com/office/drawing/2014/main" id="{2822CE88-B1CE-8912-0A76-F5DB3B904762}"/>
-              </a:ext>
-            </a:extLst>
-          </p:cNvPr>
-          <p:cNvSpPr>
-            <a:spLocks noGrp="1"/>
-          </p:cNvSpPr>
-          <p:nvPr>
-            <p:ph type="subTitle" idx="13"/>
-          </p:nvPr>
-        </p:nvSpPr>
-        <p:spPr/>
-        <p:txBody>
-          <a:bodyPr/>
-          <a:lstStyle/>
-          <a:p>
-            <a:endParaRPr lang="en-US"/>
-          </a:p>
-        </p:txBody>
-      </p:sp>
-      <p:pic>
-        <p:nvPicPr>
-          <p:cNvPr id="1026" name="Picture 2" descr="Best Cars of 2024 and 2025 - Top-Rated New Cars Ranked | KBB.com">
-            <a:extLst>
-              <a:ext uri="{FF2B5EF4-FFF2-40B4-BE49-F238E27FC236}">
-                <a16:creationId xmlns:a16="http://schemas.microsoft.com/office/drawing/2014/main" id="{D0B3A394-D3F6-ACDF-9E4D-40D79040B9C8}"/>
-              </a:ext>
-            </a:extLst>
-          </p:cNvPr>
-          <p:cNvPicPr>
-            <a:picLocks noChangeAspect="1" noChangeArrowheads="1"/>
-          </p:cNvPicPr>
-          <p:nvPr/>
-        </p:nvPicPr>
-        <p:blipFill>
-          <a:blip r:embed="rId3" cstate="print">
-            <a:extLst>
-              <a:ext uri="{28A0092B-C50C-407E-A947-70E740481C1C}">
-                <a14:useLocalDpi xmlns:a14="http://schemas.microsoft.com/office/drawing/2010/main" val="0"/>
-              </a:ext>
-            </a:extLst>
-          </a:blip>
-          <a:srcRect/>
-          <a:stretch>
-            <a:fillRect/>
-          </a:stretch>
-        </p:blipFill>
-        <p:spPr bwMode="auto">
-          <a:xfrm>
-            <a:off x="529940" y="1598124"/>
-            <a:ext cx="3330859" cy="1347957"/>
-          </a:xfrm>
-          <a:prstGeom prst="rect">
-            <a:avLst/>
-          </a:prstGeom>
-          <a:noFill/>
-          <a:extLst>
-            <a:ext uri="{909E8E84-426E-40DD-AFC4-6F175D3DCCD1}">
-              <a14:hiddenFill xmlns:a14="http://schemas.microsoft.com/office/drawing/2010/main">
-                <a:solidFill>
-                  <a:srgbClr val="FFFFFF"/>
-                </a:solidFill>
-              </a14:hiddenFill>
-            </a:ext>
-          </a:extLst>
-        </p:spPr>
-      </p:pic>
-      <p:pic>
-        <p:nvPicPr>
-          <p:cNvPr id="1028" name="Picture 4" descr="Understanding Behavioral Changes in Senior Dogs | Dog Aging Project">
-            <a:extLst>
-              <a:ext uri="{FF2B5EF4-FFF2-40B4-BE49-F238E27FC236}">
-                <a16:creationId xmlns:a16="http://schemas.microsoft.com/office/drawing/2014/main" id="{5812A8B1-EF6D-9DC6-4052-4E8A1E1A83C7}"/>
-              </a:ext>
-            </a:extLst>
-          </p:cNvPr>
-          <p:cNvPicPr>
-            <a:picLocks noChangeAspect="1" noChangeArrowheads="1"/>
-          </p:cNvPicPr>
-          <p:nvPr/>
-        </p:nvPicPr>
-        <p:blipFill>
-          <a:blip r:embed="rId4" cstate="print">
-            <a:extLst>
-              <a:ext uri="{28A0092B-C50C-407E-A947-70E740481C1C}">
-                <a14:useLocalDpi xmlns:a14="http://schemas.microsoft.com/office/drawing/2010/main" val="0"/>
-              </a:ext>
-            </a:extLst>
-          </a:blip>
-          <a:srcRect/>
-          <a:stretch>
-            <a:fillRect/>
-          </a:stretch>
-        </p:blipFill>
-        <p:spPr bwMode="auto">
-          <a:xfrm>
-            <a:off x="827897" y="3831255"/>
-            <a:ext cx="2575454" cy="1717234"/>
-          </a:xfrm>
-          <a:prstGeom prst="rect">
-            <a:avLst/>
-          </a:prstGeom>
-          <a:noFill/>
-          <a:extLst>
-            <a:ext uri="{909E8E84-426E-40DD-AFC4-6F175D3DCCD1}">
-              <a14:hiddenFill xmlns:a14="http://schemas.microsoft.com/office/drawing/2010/main">
-                <a:solidFill>
-                  <a:srgbClr val="FFFFFF"/>
-                </a:solidFill>
-              </a14:hiddenFill>
-            </a:ext>
-          </a:extLst>
-        </p:spPr>
-      </p:pic>
-      <p:pic>
-        <p:nvPicPr>
-          <p:cNvPr id="1030" name="Picture 6" descr="Professional Woman Stock Photos, Images and Backgrounds for Free Download">
-            <a:extLst>
-              <a:ext uri="{FF2B5EF4-FFF2-40B4-BE49-F238E27FC236}">
-                <a16:creationId xmlns:a16="http://schemas.microsoft.com/office/drawing/2014/main" id="{C5D996F2-8637-3CFD-2B62-E4DDFD288786}"/>
-              </a:ext>
-            </a:extLst>
-          </p:cNvPr>
-          <p:cNvPicPr>
-            <a:picLocks noChangeAspect="1" noChangeArrowheads="1"/>
-          </p:cNvPicPr>
-          <p:nvPr/>
-        </p:nvPicPr>
-        <p:blipFill>
-          <a:blip r:embed="rId5" cstate="print">
-            <a:extLst>
-              <a:ext uri="{28A0092B-C50C-407E-A947-70E740481C1C}">
-                <a14:useLocalDpi xmlns:a14="http://schemas.microsoft.com/office/drawing/2010/main" val="0"/>
-              </a:ext>
-            </a:extLst>
-          </a:blip>
-          <a:srcRect/>
-          <a:stretch>
-            <a:fillRect/>
-          </a:stretch>
-        </p:blipFill>
-        <p:spPr bwMode="auto">
-          <a:xfrm>
-            <a:off x="4797539" y="1357433"/>
-            <a:ext cx="2575454" cy="1931255"/>
-          </a:xfrm>
-          <a:prstGeom prst="rect">
-            <a:avLst/>
-          </a:prstGeom>
-          <a:noFill/>
-          <a:extLst>
-            <a:ext uri="{909E8E84-426E-40DD-AFC4-6F175D3DCCD1}">
-              <a14:hiddenFill xmlns:a14="http://schemas.microsoft.com/office/drawing/2010/main">
-                <a:solidFill>
-                  <a:srgbClr val="FFFFFF"/>
-                </a:solidFill>
-              </a14:hiddenFill>
-            </a:ext>
-          </a:extLst>
-        </p:spPr>
-      </p:pic>
-      <p:pic>
-        <p:nvPicPr>
-          <p:cNvPr id="1032" name="Picture 8" descr="Roll: Bicycle Company A:1 Adventure Bike">
-            <a:extLst>
-              <a:ext uri="{FF2B5EF4-FFF2-40B4-BE49-F238E27FC236}">
-                <a16:creationId xmlns:a16="http://schemas.microsoft.com/office/drawing/2014/main" id="{A6DEBE71-9A16-E558-68CA-3DBB9959789B}"/>
-              </a:ext>
-            </a:extLst>
-          </p:cNvPr>
-          <p:cNvPicPr>
-            <a:picLocks noChangeAspect="1" noChangeArrowheads="1"/>
-          </p:cNvPicPr>
-          <p:nvPr/>
-        </p:nvPicPr>
-        <p:blipFill>
-          <a:blip r:embed="rId6" cstate="print">
-            <a:extLst>
-              <a:ext uri="{28A0092B-C50C-407E-A947-70E740481C1C}">
-                <a14:useLocalDpi xmlns:a14="http://schemas.microsoft.com/office/drawing/2010/main" val="0"/>
-              </a:ext>
-            </a:extLst>
-          </a:blip>
-          <a:srcRect/>
-          <a:stretch>
-            <a:fillRect/>
-          </a:stretch>
-        </p:blipFill>
-        <p:spPr bwMode="auto">
-          <a:xfrm>
-            <a:off x="8267644" y="3503877"/>
-            <a:ext cx="3527778" cy="2116667"/>
-          </a:xfrm>
-          <a:prstGeom prst="rect">
-            <a:avLst/>
-          </a:prstGeom>
-          <a:noFill/>
-          <a:extLst>
-            <a:ext uri="{909E8E84-426E-40DD-AFC4-6F175D3DCCD1}">
-              <a14:hiddenFill xmlns:a14="http://schemas.microsoft.com/office/drawing/2010/main">
-                <a:solidFill>
-                  <a:srgbClr val="FFFFFF"/>
-                </a:solidFill>
-              </a14:hiddenFill>
-            </a:ext>
-          </a:extLst>
-        </p:spPr>
-      </p:pic>
-      <p:pic>
-        <p:nvPicPr>
-          <p:cNvPr id="1034" name="Picture 10" descr="True Fine 16.5-in Brushed Steel LED Touch Table Lamp with Fabric Shade  20080T-BN at Lowes.com">
-            <a:extLst>
-              <a:ext uri="{FF2B5EF4-FFF2-40B4-BE49-F238E27FC236}">
-                <a16:creationId xmlns:a16="http://schemas.microsoft.com/office/drawing/2014/main" id="{B33B9FBE-636D-877F-1CA6-7513A4E829B6}"/>
-              </a:ext>
-            </a:extLst>
-          </p:cNvPr>
-          <p:cNvPicPr>
-            <a:picLocks noChangeAspect="1" noChangeArrowheads="1"/>
-          </p:cNvPicPr>
-          <p:nvPr/>
-        </p:nvPicPr>
-        <p:blipFill>
-          <a:blip r:embed="rId7" cstate="print">
-            <a:extLst>
-              <a:ext uri="{28A0092B-C50C-407E-A947-70E740481C1C}">
-                <a14:useLocalDpi xmlns:a14="http://schemas.microsoft.com/office/drawing/2010/main" val="0"/>
-              </a:ext>
-            </a:extLst>
-          </a:blip>
-          <a:srcRect/>
-          <a:stretch>
-            <a:fillRect/>
-          </a:stretch>
-        </p:blipFill>
-        <p:spPr bwMode="auto">
-          <a:xfrm>
-            <a:off x="9033822" y="1344072"/>
-            <a:ext cx="1995422" cy="1995422"/>
-          </a:xfrm>
-          <a:prstGeom prst="rect">
-            <a:avLst/>
-          </a:prstGeom>
-          <a:noFill/>
-          <a:extLst>
-            <a:ext uri="{909E8E84-426E-40DD-AFC4-6F175D3DCCD1}">
-              <a14:hiddenFill xmlns:a14="http://schemas.microsoft.com/office/drawing/2010/main">
-                <a:solidFill>
-                  <a:srgbClr val="FFFFFF"/>
-                </a:solidFill>
-              </a14:hiddenFill>
-            </a:ext>
-          </a:extLst>
-        </p:spPr>
-      </p:pic>
-      <p:pic>
-        <p:nvPicPr>
-          <p:cNvPr id="1036" name="Picture 12" descr="Twinkle Twinkle Little Firefly - Humane Gardener">
-            <a:extLst>
-              <a:ext uri="{FF2B5EF4-FFF2-40B4-BE49-F238E27FC236}">
-                <a16:creationId xmlns:a16="http://schemas.microsoft.com/office/drawing/2014/main" id="{DA3A625C-BA86-22D3-9AF0-985AA2A6F3A0}"/>
-              </a:ext>
-            </a:extLst>
-          </p:cNvPr>
-          <p:cNvPicPr>
-            <a:picLocks noChangeAspect="1" noChangeArrowheads="1"/>
-          </p:cNvPicPr>
-          <p:nvPr/>
-        </p:nvPicPr>
-        <p:blipFill>
-          <a:blip r:embed="rId8" cstate="print">
-            <a:extLst>
-              <a:ext uri="{28A0092B-C50C-407E-A947-70E740481C1C}">
-                <a14:useLocalDpi xmlns:a14="http://schemas.microsoft.com/office/drawing/2010/main" val="0"/>
-              </a:ext>
-            </a:extLst>
-          </a:blip>
-          <a:srcRect/>
-          <a:stretch>
-            <a:fillRect/>
-          </a:stretch>
-        </p:blipFill>
-        <p:spPr bwMode="auto">
-          <a:xfrm>
-            <a:off x="4606579" y="3677531"/>
-            <a:ext cx="3330859" cy="1873175"/>
-          </a:xfrm>
-          <a:prstGeom prst="rect">
-            <a:avLst/>
-          </a:prstGeom>
-          <a:noFill/>
-          <a:extLst>
-            <a:ext uri="{909E8E84-426E-40DD-AFC4-6F175D3DCCD1}">
-              <a14:hiddenFill xmlns:a14="http://schemas.microsoft.com/office/drawing/2010/main">
-                <a:solidFill>
-                  <a:srgbClr val="FFFFFF"/>
-                </a:solidFill>
-              </a14:hiddenFill>
-            </a:ext>
-          </a:extLst>
-        </p:spPr>
-      </p:pic>
-    </p:spTree>
-    <p:extLst>
-      <p:ext uri="{BB962C8B-B14F-4D97-AF65-F5344CB8AC3E}">
-        <p14:creationId xmlns:p14="http://schemas.microsoft.com/office/powerpoint/2010/main" val="270900983"/>
-      </p:ext>
-    </p:extLst>
-  </p:cSld>
-  <p:clrMapOvr>
-    <a:masterClrMapping/>
-  </p:clrMapOvr>
-</p:sld>
-</file>
-
-<file path=ppt/slides/slide30.xml><?xml version="1.0" encoding="utf-8"?>
+<file path=ppt/slides/slide28.xml><?xml version="1.0" encoding="utf-8"?>
 <p:sld xmlns:a="http://schemas.openxmlformats.org/drawingml/2006/main" xmlns:r="http://schemas.openxmlformats.org/officeDocument/2006/relationships" xmlns:p="http://schemas.openxmlformats.org/presentationml/2006/main">
   <p:cSld>
     <p:spTree>
@@ -24629,7 +23840,7 @@
 </p:sld>
 </file>
 
-<file path=ppt/slides/slide31.xml><?xml version="1.0" encoding="utf-8"?>
+<file path=ppt/slides/slide29.xml><?xml version="1.0" encoding="utf-8"?>
 <p:sld xmlns:a="http://schemas.openxmlformats.org/drawingml/2006/main" xmlns:r="http://schemas.openxmlformats.org/officeDocument/2006/relationships" xmlns:p="http://schemas.openxmlformats.org/presentationml/2006/main">
   <p:cSld>
     <p:spTree>
@@ -25280,7 +24491,442 @@
 </p:sld>
 </file>
 
-<file path=ppt/slides/slide32.xml><?xml version="1.0" encoding="utf-8"?>
+<file path=ppt/slides/slide3.xml><?xml version="1.0" encoding="utf-8"?>
+<p:sld xmlns:a="http://schemas.openxmlformats.org/drawingml/2006/main" xmlns:r="http://schemas.openxmlformats.org/officeDocument/2006/relationships" xmlns:p="http://schemas.openxmlformats.org/presentationml/2006/main">
+  <p:cSld>
+    <p:spTree>
+      <p:nvGrpSpPr>
+        <p:cNvPr id="1" name="">
+          <a:extLst>
+            <a:ext uri="{FF2B5EF4-FFF2-40B4-BE49-F238E27FC236}">
+              <a16:creationId xmlns:a16="http://schemas.microsoft.com/office/drawing/2014/main" id="{786277C3-67CF-0633-21CB-625B1C0FED5A}"/>
+            </a:ext>
+          </a:extLst>
+        </p:cNvPr>
+        <p:cNvGrpSpPr/>
+        <p:nvPr/>
+      </p:nvGrpSpPr>
+      <p:grpSpPr>
+        <a:xfrm>
+          <a:off x="0" y="0"/>
+          <a:ext cx="0" cy="0"/>
+          <a:chOff x="0" y="0"/>
+          <a:chExt cx="0" cy="0"/>
+        </a:xfrm>
+      </p:grpSpPr>
+      <p:sp>
+        <p:nvSpPr>
+          <p:cNvPr id="2" name="Content Placeholder 1">
+            <a:extLst>
+              <a:ext uri="{FF2B5EF4-FFF2-40B4-BE49-F238E27FC236}">
+                <a16:creationId xmlns:a16="http://schemas.microsoft.com/office/drawing/2014/main" id="{B645984B-F721-B3A4-8E97-D801840749D0}"/>
+              </a:ext>
+            </a:extLst>
+          </p:cNvPr>
+          <p:cNvSpPr>
+            <a:spLocks noGrp="1"/>
+          </p:cNvSpPr>
+          <p:nvPr>
+            <p:ph idx="1"/>
+          </p:nvPr>
+        </p:nvSpPr>
+        <p:spPr>
+          <a:xfrm>
+            <a:off x="360607" y="785004"/>
+            <a:ext cx="5836993" cy="5046453"/>
+          </a:xfrm>
+        </p:spPr>
+        <p:txBody>
+          <a:bodyPr/>
+          <a:lstStyle/>
+          <a:p>
+            <a:pPr marL="0" indent="0">
+              <a:buNone/>
+            </a:pPr>
+            <a:r>
+              <a:rPr lang="en-US"/>
+              <a:t>Objects have properties and functions</a:t>
+            </a:r>
+            <a:endParaRPr lang="en-US" dirty="0"/>
+          </a:p>
+        </p:txBody>
+      </p:sp>
+      <p:sp>
+        <p:nvSpPr>
+          <p:cNvPr id="3" name="Title 2">
+            <a:extLst>
+              <a:ext uri="{FF2B5EF4-FFF2-40B4-BE49-F238E27FC236}">
+                <a16:creationId xmlns:a16="http://schemas.microsoft.com/office/drawing/2014/main" id="{1274A7A4-07A9-6BEF-72A7-245E38F5DB32}"/>
+              </a:ext>
+            </a:extLst>
+          </p:cNvPr>
+          <p:cNvSpPr>
+            <a:spLocks noGrp="1"/>
+          </p:cNvSpPr>
+          <p:nvPr>
+            <p:ph type="title"/>
+          </p:nvPr>
+        </p:nvSpPr>
+        <p:spPr/>
+        <p:txBody>
+          <a:bodyPr/>
+          <a:lstStyle/>
+          <a:p>
+            <a:r>
+              <a:rPr lang="en-US"/>
+              <a:t>What is an object?</a:t>
+            </a:r>
+            <a:endParaRPr lang="en-US" dirty="0"/>
+          </a:p>
+        </p:txBody>
+      </p:sp>
+      <p:sp>
+        <p:nvSpPr>
+          <p:cNvPr id="4" name="Subtitle 3">
+            <a:extLst>
+              <a:ext uri="{FF2B5EF4-FFF2-40B4-BE49-F238E27FC236}">
+                <a16:creationId xmlns:a16="http://schemas.microsoft.com/office/drawing/2014/main" id="{84345FEC-0D94-4E4D-B6C9-FF370B94F758}"/>
+              </a:ext>
+            </a:extLst>
+          </p:cNvPr>
+          <p:cNvSpPr>
+            <a:spLocks noGrp="1"/>
+          </p:cNvSpPr>
+          <p:nvPr>
+            <p:ph type="subTitle" idx="13"/>
+          </p:nvPr>
+        </p:nvSpPr>
+        <p:spPr/>
+        <p:txBody>
+          <a:bodyPr/>
+          <a:lstStyle/>
+          <a:p>
+            <a:endParaRPr lang="en-US"/>
+          </a:p>
+        </p:txBody>
+      </p:sp>
+      <p:pic>
+        <p:nvPicPr>
+          <p:cNvPr id="1026" name="Picture 2" descr="Best Cars of 2024 and 2025 - Top-Rated New Cars Ranked | KBB.com">
+            <a:extLst>
+              <a:ext uri="{FF2B5EF4-FFF2-40B4-BE49-F238E27FC236}">
+                <a16:creationId xmlns:a16="http://schemas.microsoft.com/office/drawing/2014/main" id="{ADE9F243-887B-37DD-9F81-0C75E7765D9A}"/>
+              </a:ext>
+            </a:extLst>
+          </p:cNvPr>
+          <p:cNvPicPr>
+            <a:picLocks noChangeAspect="1" noChangeArrowheads="1"/>
+          </p:cNvPicPr>
+          <p:nvPr/>
+        </p:nvPicPr>
+        <p:blipFill>
+          <a:blip r:embed="rId2" cstate="print">
+            <a:extLst>
+              <a:ext uri="{28A0092B-C50C-407E-A947-70E740481C1C}">
+                <a14:useLocalDpi xmlns:a14="http://schemas.microsoft.com/office/drawing/2010/main" val="0"/>
+              </a:ext>
+            </a:extLst>
+          </a:blip>
+          <a:srcRect/>
+          <a:stretch>
+            <a:fillRect/>
+          </a:stretch>
+        </p:blipFill>
+        <p:spPr bwMode="auto">
+          <a:xfrm>
+            <a:off x="563806" y="2275457"/>
+            <a:ext cx="3330859" cy="1347957"/>
+          </a:xfrm>
+          <a:prstGeom prst="rect">
+            <a:avLst/>
+          </a:prstGeom>
+          <a:noFill/>
+          <a:extLst>
+            <a:ext uri="{909E8E84-426E-40DD-AFC4-6F175D3DCCD1}">
+              <a14:hiddenFill xmlns:a14="http://schemas.microsoft.com/office/drawing/2010/main">
+                <a:solidFill>
+                  <a:srgbClr val="FFFFFF"/>
+                </a:solidFill>
+              </a14:hiddenFill>
+            </a:ext>
+          </a:extLst>
+        </p:spPr>
+      </p:pic>
+      <p:sp>
+        <p:nvSpPr>
+          <p:cNvPr id="5" name="Content Placeholder 1">
+            <a:extLst>
+              <a:ext uri="{FF2B5EF4-FFF2-40B4-BE49-F238E27FC236}">
+                <a16:creationId xmlns:a16="http://schemas.microsoft.com/office/drawing/2014/main" id="{F52DDB35-0136-F2B5-6982-F7EB9D9A2907}"/>
+              </a:ext>
+            </a:extLst>
+          </p:cNvPr>
+          <p:cNvSpPr txBox="1">
+            <a:spLocks/>
+          </p:cNvSpPr>
+          <p:nvPr/>
+        </p:nvSpPr>
+        <p:spPr>
+          <a:xfrm>
+            <a:off x="5768623" y="1258235"/>
+            <a:ext cx="5836993" cy="4131307"/>
+          </a:xfrm>
+          <a:prstGeom prst="rect">
+            <a:avLst/>
+          </a:prstGeom>
+        </p:spPr>
+        <p:txBody>
+          <a:bodyPr vert="horz" lIns="91440" tIns="45720" rIns="91440" bIns="45720" rtlCol="0">
+            <a:normAutofit/>
+          </a:bodyPr>
+          <a:lstStyle>
+            <a:lvl1pPr marL="228600" indent="-228600" algn="l" defTabSz="914400" rtl="0" eaLnBrk="1" latinLnBrk="0" hangingPunct="1">
+              <a:lnSpc>
+                <a:spcPct val="90000"/>
+              </a:lnSpc>
+              <a:spcBef>
+                <a:spcPts val="1000"/>
+              </a:spcBef>
+              <a:buFont typeface="Arial" panose="020B0604020202020204" pitchFamily="34" charset="0"/>
+              <a:buChar char="•"/>
+              <a:defRPr sz="2800" kern="1200">
+                <a:solidFill>
+                  <a:schemeClr val="tx1"/>
+                </a:solidFill>
+                <a:latin typeface="+mn-lt"/>
+                <a:ea typeface="+mn-ea"/>
+                <a:cs typeface="Arial" panose="020B0604020202020204" pitchFamily="34" charset="0"/>
+              </a:defRPr>
+            </a:lvl1pPr>
+            <a:lvl2pPr marL="685800" indent="-228600" algn="l" defTabSz="914400" rtl="0" eaLnBrk="1" latinLnBrk="0" hangingPunct="1">
+              <a:lnSpc>
+                <a:spcPct val="90000"/>
+              </a:lnSpc>
+              <a:spcBef>
+                <a:spcPts val="500"/>
+              </a:spcBef>
+              <a:buFont typeface="Arial" panose="020B0604020202020204" pitchFamily="34" charset="0"/>
+              <a:buChar char="•"/>
+              <a:defRPr sz="2400" kern="1200">
+                <a:solidFill>
+                  <a:schemeClr val="tx1"/>
+                </a:solidFill>
+                <a:latin typeface="+mn-lt"/>
+                <a:ea typeface="+mn-ea"/>
+                <a:cs typeface="Arial" panose="020B0604020202020204" pitchFamily="34" charset="0"/>
+              </a:defRPr>
+            </a:lvl2pPr>
+            <a:lvl3pPr marL="1143000" indent="-228600" algn="l" defTabSz="914400" rtl="0" eaLnBrk="1" latinLnBrk="0" hangingPunct="1">
+              <a:lnSpc>
+                <a:spcPct val="90000"/>
+              </a:lnSpc>
+              <a:spcBef>
+                <a:spcPts val="500"/>
+              </a:spcBef>
+              <a:buFont typeface="Arial" panose="020B0604020202020204" pitchFamily="34" charset="0"/>
+              <a:buChar char="•"/>
+              <a:defRPr sz="2000" kern="1200">
+                <a:solidFill>
+                  <a:schemeClr val="tx1"/>
+                </a:solidFill>
+                <a:latin typeface="+mn-lt"/>
+                <a:ea typeface="+mn-ea"/>
+                <a:cs typeface="Arial" panose="020B0604020202020204" pitchFamily="34" charset="0"/>
+              </a:defRPr>
+            </a:lvl3pPr>
+            <a:lvl4pPr marL="1600200" indent="-228600" algn="l" defTabSz="914400" rtl="0" eaLnBrk="1" latinLnBrk="0" hangingPunct="1">
+              <a:lnSpc>
+                <a:spcPct val="90000"/>
+              </a:lnSpc>
+              <a:spcBef>
+                <a:spcPts val="500"/>
+              </a:spcBef>
+              <a:buFont typeface="Arial" panose="020B0604020202020204" pitchFamily="34" charset="0"/>
+              <a:buChar char="•"/>
+              <a:defRPr sz="1800" kern="1200">
+                <a:solidFill>
+                  <a:schemeClr val="tx1"/>
+                </a:solidFill>
+                <a:latin typeface="+mn-lt"/>
+                <a:ea typeface="+mn-ea"/>
+                <a:cs typeface="Arial" panose="020B0604020202020204" pitchFamily="34" charset="0"/>
+              </a:defRPr>
+            </a:lvl4pPr>
+            <a:lvl5pPr marL="2057400" indent="-228600" algn="l" defTabSz="914400" rtl="0" eaLnBrk="1" latinLnBrk="0" hangingPunct="1">
+              <a:lnSpc>
+                <a:spcPct val="90000"/>
+              </a:lnSpc>
+              <a:spcBef>
+                <a:spcPts val="500"/>
+              </a:spcBef>
+              <a:buFont typeface="Arial" panose="020B0604020202020204" pitchFamily="34" charset="0"/>
+              <a:buChar char="•"/>
+              <a:defRPr sz="1800" kern="1200">
+                <a:solidFill>
+                  <a:schemeClr val="tx1"/>
+                </a:solidFill>
+                <a:latin typeface="+mn-lt"/>
+                <a:ea typeface="+mn-ea"/>
+                <a:cs typeface="Arial" panose="020B0604020202020204" pitchFamily="34" charset="0"/>
+              </a:defRPr>
+            </a:lvl5pPr>
+            <a:lvl6pPr marL="2514600" indent="-228600" algn="l" defTabSz="914400" rtl="0" eaLnBrk="1" latinLnBrk="0" hangingPunct="1">
+              <a:lnSpc>
+                <a:spcPct val="90000"/>
+              </a:lnSpc>
+              <a:spcBef>
+                <a:spcPts val="500"/>
+              </a:spcBef>
+              <a:buFont typeface="Arial" panose="020B0604020202020204" pitchFamily="34" charset="0"/>
+              <a:buChar char="•"/>
+              <a:defRPr sz="1800" kern="1200">
+                <a:solidFill>
+                  <a:schemeClr val="tx1"/>
+                </a:solidFill>
+                <a:latin typeface="+mn-lt"/>
+                <a:ea typeface="+mn-ea"/>
+                <a:cs typeface="+mn-cs"/>
+              </a:defRPr>
+            </a:lvl6pPr>
+            <a:lvl7pPr marL="2971800" indent="-228600" algn="l" defTabSz="914400" rtl="0" eaLnBrk="1" latinLnBrk="0" hangingPunct="1">
+              <a:lnSpc>
+                <a:spcPct val="90000"/>
+              </a:lnSpc>
+              <a:spcBef>
+                <a:spcPts val="500"/>
+              </a:spcBef>
+              <a:buFont typeface="Arial" panose="020B0604020202020204" pitchFamily="34" charset="0"/>
+              <a:buChar char="•"/>
+              <a:defRPr sz="1800" kern="1200">
+                <a:solidFill>
+                  <a:schemeClr val="tx1"/>
+                </a:solidFill>
+                <a:latin typeface="+mn-lt"/>
+                <a:ea typeface="+mn-ea"/>
+                <a:cs typeface="+mn-cs"/>
+              </a:defRPr>
+            </a:lvl7pPr>
+            <a:lvl8pPr marL="3429000" indent="-228600" algn="l" defTabSz="914400" rtl="0" eaLnBrk="1" latinLnBrk="0" hangingPunct="1">
+              <a:lnSpc>
+                <a:spcPct val="90000"/>
+              </a:lnSpc>
+              <a:spcBef>
+                <a:spcPts val="500"/>
+              </a:spcBef>
+              <a:buFont typeface="Arial" panose="020B0604020202020204" pitchFamily="34" charset="0"/>
+              <a:buChar char="•"/>
+              <a:defRPr sz="1800" kern="1200">
+                <a:solidFill>
+                  <a:schemeClr val="tx1"/>
+                </a:solidFill>
+                <a:latin typeface="+mn-lt"/>
+                <a:ea typeface="+mn-ea"/>
+                <a:cs typeface="+mn-cs"/>
+              </a:defRPr>
+            </a:lvl8pPr>
+            <a:lvl9pPr marL="3886200" indent="-228600" algn="l" defTabSz="914400" rtl="0" eaLnBrk="1" latinLnBrk="0" hangingPunct="1">
+              <a:lnSpc>
+                <a:spcPct val="90000"/>
+              </a:lnSpc>
+              <a:spcBef>
+                <a:spcPts val="500"/>
+              </a:spcBef>
+              <a:buFont typeface="Arial" panose="020B0604020202020204" pitchFamily="34" charset="0"/>
+              <a:buChar char="•"/>
+              <a:defRPr sz="1800" kern="1200">
+                <a:solidFill>
+                  <a:schemeClr val="tx1"/>
+                </a:solidFill>
+                <a:latin typeface="+mn-lt"/>
+                <a:ea typeface="+mn-ea"/>
+                <a:cs typeface="+mn-cs"/>
+              </a:defRPr>
+            </a:lvl9pPr>
+          </a:lstStyle>
+          <a:p>
+            <a:r>
+              <a:rPr lang="en-US" dirty="0"/>
+              <a:t>Properties</a:t>
+            </a:r>
+          </a:p>
+          <a:p>
+            <a:pPr lvl="1"/>
+            <a:r>
+              <a:rPr lang="en-US" dirty="0"/>
+              <a:t>Model</a:t>
+            </a:r>
+          </a:p>
+          <a:p>
+            <a:pPr lvl="1"/>
+            <a:r>
+              <a:rPr lang="en-US" dirty="0"/>
+              <a:t>Year</a:t>
+            </a:r>
+          </a:p>
+          <a:p>
+            <a:pPr lvl="1"/>
+            <a:r>
+              <a:rPr lang="en-US" dirty="0"/>
+              <a:t>Mileage</a:t>
+            </a:r>
+          </a:p>
+          <a:p>
+            <a:pPr lvl="1"/>
+            <a:r>
+              <a:rPr lang="en-US" dirty="0"/>
+              <a:t>Seats, and so on…</a:t>
+            </a:r>
+          </a:p>
+          <a:p>
+            <a:r>
+              <a:rPr lang="en-US" dirty="0"/>
+              <a:t>Functions</a:t>
+            </a:r>
+          </a:p>
+          <a:p>
+            <a:pPr lvl="1"/>
+            <a:r>
+              <a:rPr lang="en-US" dirty="0"/>
+              <a:t>Start</a:t>
+            </a:r>
+          </a:p>
+          <a:p>
+            <a:pPr lvl="1"/>
+            <a:r>
+              <a:rPr lang="en-US" dirty="0"/>
+              <a:t>Stop</a:t>
+            </a:r>
+          </a:p>
+          <a:p>
+            <a:pPr lvl="1"/>
+            <a:r>
+              <a:rPr lang="en-US" dirty="0"/>
+              <a:t>Accelerate</a:t>
+            </a:r>
+          </a:p>
+          <a:p>
+            <a:pPr lvl="1"/>
+            <a:r>
+              <a:rPr lang="en-US" dirty="0"/>
+              <a:t>Brake, and so on…</a:t>
+            </a:r>
+          </a:p>
+        </p:txBody>
+      </p:sp>
+    </p:spTree>
+    <p:extLst>
+      <p:ext uri="{BB962C8B-B14F-4D97-AF65-F5344CB8AC3E}">
+        <p14:creationId xmlns:p14="http://schemas.microsoft.com/office/powerpoint/2010/main" val="2405068582"/>
+      </p:ext>
+    </p:extLst>
+  </p:cSld>
+  <p:clrMapOvr>
+    <a:masterClrMapping/>
+  </p:clrMapOvr>
+</p:sld>
+</file>
+
+<file path=ppt/slides/slide30.xml><?xml version="1.0" encoding="utf-8"?>
 <p:sld xmlns:a="http://schemas.openxmlformats.org/drawingml/2006/main" xmlns:r="http://schemas.openxmlformats.org/officeDocument/2006/relationships" xmlns:p="http://schemas.openxmlformats.org/presentationml/2006/main">
   <p:cSld>
     <p:spTree>
@@ -25865,7 +25511,7 @@
 </p:sld>
 </file>
 
-<file path=ppt/slides/slide33.xml><?xml version="1.0" encoding="utf-8"?>
+<file path=ppt/slides/slide31.xml><?xml version="1.0" encoding="utf-8"?>
 <p:sld xmlns:a="http://schemas.openxmlformats.org/drawingml/2006/main" xmlns:r="http://schemas.openxmlformats.org/officeDocument/2006/relationships" xmlns:p="http://schemas.openxmlformats.org/presentationml/2006/main">
   <p:cSld>
     <p:spTree>
@@ -26024,7 +25670,7 @@
 </p:sld>
 </file>
 
-<file path=ppt/slides/slide34.xml><?xml version="1.0" encoding="utf-8"?>
+<file path=ppt/slides/slide32.xml><?xml version="1.0" encoding="utf-8"?>
 <p:sld xmlns:a="http://schemas.openxmlformats.org/drawingml/2006/main" xmlns:r="http://schemas.openxmlformats.org/officeDocument/2006/relationships" xmlns:p="http://schemas.openxmlformats.org/presentationml/2006/main">
   <p:cSld>
     <p:spTree>
@@ -26470,7 +26116,7 @@
 </p:sld>
 </file>
 
-<file path=ppt/slides/slide35.xml><?xml version="1.0" encoding="utf-8"?>
+<file path=ppt/slides/slide33.xml><?xml version="1.0" encoding="utf-8"?>
 <p:sld xmlns:a="http://schemas.openxmlformats.org/drawingml/2006/main" xmlns:r="http://schemas.openxmlformats.org/officeDocument/2006/relationships" xmlns:p="http://schemas.openxmlformats.org/presentationml/2006/main">
   <p:cSld>
     <p:spTree>
@@ -26664,7 +26310,7 @@
 </p:sld>
 </file>
 
-<file path=ppt/slides/slide36.xml><?xml version="1.0" encoding="utf-8"?>
+<file path=ppt/slides/slide34.xml><?xml version="1.0" encoding="utf-8"?>
 <p:sld xmlns:a="http://schemas.openxmlformats.org/drawingml/2006/main" xmlns:r="http://schemas.openxmlformats.org/officeDocument/2006/relationships" xmlns:p="http://schemas.openxmlformats.org/presentationml/2006/main">
   <p:cSld>
     <p:spTree>
@@ -26861,7 +26507,7 @@
 </p:sld>
 </file>
 
-<file path=ppt/slides/slide37.xml><?xml version="1.0" encoding="utf-8"?>
+<file path=ppt/slides/slide35.xml><?xml version="1.0" encoding="utf-8"?>
 <p:sld xmlns:a="http://schemas.openxmlformats.org/drawingml/2006/main" xmlns:r="http://schemas.openxmlformats.org/officeDocument/2006/relationships" xmlns:p="http://schemas.openxmlformats.org/presentationml/2006/main">
   <p:cSld>
     <p:spTree>
@@ -27528,7 +27174,7 @@
 </p:sld>
 </file>
 
-<file path=ppt/slides/slide38.xml><?xml version="1.0" encoding="utf-8"?>
+<file path=ppt/slides/slide36.xml><?xml version="1.0" encoding="utf-8"?>
 <p:sld xmlns:a="http://schemas.openxmlformats.org/drawingml/2006/main" xmlns:r="http://schemas.openxmlformats.org/officeDocument/2006/relationships" xmlns:p="http://schemas.openxmlformats.org/presentationml/2006/main">
   <p:cSld>
     <p:spTree>
@@ -28203,7 +27849,7 @@
 </p:sld>
 </file>
 
-<file path=ppt/slides/slide39.xml><?xml version="1.0" encoding="utf-8"?>
+<file path=ppt/slides/slide37.xml><?xml version="1.0" encoding="utf-8"?>
 <p:sld xmlns:a="http://schemas.openxmlformats.org/drawingml/2006/main" xmlns:r="http://schemas.openxmlformats.org/officeDocument/2006/relationships" xmlns:p="http://schemas.openxmlformats.org/presentationml/2006/main">
   <p:cSld>
     <p:spTree>
@@ -28869,442 +28515,7 @@
 </p:sld>
 </file>
 
-<file path=ppt/slides/slide4.xml><?xml version="1.0" encoding="utf-8"?>
-<p:sld xmlns:a="http://schemas.openxmlformats.org/drawingml/2006/main" xmlns:r="http://schemas.openxmlformats.org/officeDocument/2006/relationships" xmlns:p="http://schemas.openxmlformats.org/presentationml/2006/main">
-  <p:cSld>
-    <p:spTree>
-      <p:nvGrpSpPr>
-        <p:cNvPr id="1" name="">
-          <a:extLst>
-            <a:ext uri="{FF2B5EF4-FFF2-40B4-BE49-F238E27FC236}">
-              <a16:creationId xmlns:a16="http://schemas.microsoft.com/office/drawing/2014/main" id="{786277C3-67CF-0633-21CB-625B1C0FED5A}"/>
-            </a:ext>
-          </a:extLst>
-        </p:cNvPr>
-        <p:cNvGrpSpPr/>
-        <p:nvPr/>
-      </p:nvGrpSpPr>
-      <p:grpSpPr>
-        <a:xfrm>
-          <a:off x="0" y="0"/>
-          <a:ext cx="0" cy="0"/>
-          <a:chOff x="0" y="0"/>
-          <a:chExt cx="0" cy="0"/>
-        </a:xfrm>
-      </p:grpSpPr>
-      <p:sp>
-        <p:nvSpPr>
-          <p:cNvPr id="2" name="Content Placeholder 1">
-            <a:extLst>
-              <a:ext uri="{FF2B5EF4-FFF2-40B4-BE49-F238E27FC236}">
-                <a16:creationId xmlns:a16="http://schemas.microsoft.com/office/drawing/2014/main" id="{B645984B-F721-B3A4-8E97-D801840749D0}"/>
-              </a:ext>
-            </a:extLst>
-          </p:cNvPr>
-          <p:cNvSpPr>
-            <a:spLocks noGrp="1"/>
-          </p:cNvSpPr>
-          <p:nvPr>
-            <p:ph idx="1"/>
-          </p:nvPr>
-        </p:nvSpPr>
-        <p:spPr>
-          <a:xfrm>
-            <a:off x="360607" y="785004"/>
-            <a:ext cx="5836993" cy="5046453"/>
-          </a:xfrm>
-        </p:spPr>
-        <p:txBody>
-          <a:bodyPr/>
-          <a:lstStyle/>
-          <a:p>
-            <a:pPr marL="0" indent="0">
-              <a:buNone/>
-            </a:pPr>
-            <a:r>
-              <a:rPr lang="en-US"/>
-              <a:t>Objects have properties and functions</a:t>
-            </a:r>
-            <a:endParaRPr lang="en-US" dirty="0"/>
-          </a:p>
-        </p:txBody>
-      </p:sp>
-      <p:sp>
-        <p:nvSpPr>
-          <p:cNvPr id="3" name="Title 2">
-            <a:extLst>
-              <a:ext uri="{FF2B5EF4-FFF2-40B4-BE49-F238E27FC236}">
-                <a16:creationId xmlns:a16="http://schemas.microsoft.com/office/drawing/2014/main" id="{1274A7A4-07A9-6BEF-72A7-245E38F5DB32}"/>
-              </a:ext>
-            </a:extLst>
-          </p:cNvPr>
-          <p:cNvSpPr>
-            <a:spLocks noGrp="1"/>
-          </p:cNvSpPr>
-          <p:nvPr>
-            <p:ph type="title"/>
-          </p:nvPr>
-        </p:nvSpPr>
-        <p:spPr/>
-        <p:txBody>
-          <a:bodyPr/>
-          <a:lstStyle/>
-          <a:p>
-            <a:r>
-              <a:rPr lang="en-US"/>
-              <a:t>What is an object?</a:t>
-            </a:r>
-            <a:endParaRPr lang="en-US" dirty="0"/>
-          </a:p>
-        </p:txBody>
-      </p:sp>
-      <p:sp>
-        <p:nvSpPr>
-          <p:cNvPr id="4" name="Subtitle 3">
-            <a:extLst>
-              <a:ext uri="{FF2B5EF4-FFF2-40B4-BE49-F238E27FC236}">
-                <a16:creationId xmlns:a16="http://schemas.microsoft.com/office/drawing/2014/main" id="{84345FEC-0D94-4E4D-B6C9-FF370B94F758}"/>
-              </a:ext>
-            </a:extLst>
-          </p:cNvPr>
-          <p:cNvSpPr>
-            <a:spLocks noGrp="1"/>
-          </p:cNvSpPr>
-          <p:nvPr>
-            <p:ph type="subTitle" idx="13"/>
-          </p:nvPr>
-        </p:nvSpPr>
-        <p:spPr/>
-        <p:txBody>
-          <a:bodyPr/>
-          <a:lstStyle/>
-          <a:p>
-            <a:endParaRPr lang="en-US"/>
-          </a:p>
-        </p:txBody>
-      </p:sp>
-      <p:pic>
-        <p:nvPicPr>
-          <p:cNvPr id="1026" name="Picture 2" descr="Best Cars of 2024 and 2025 - Top-Rated New Cars Ranked | KBB.com">
-            <a:extLst>
-              <a:ext uri="{FF2B5EF4-FFF2-40B4-BE49-F238E27FC236}">
-                <a16:creationId xmlns:a16="http://schemas.microsoft.com/office/drawing/2014/main" id="{ADE9F243-887B-37DD-9F81-0C75E7765D9A}"/>
-              </a:ext>
-            </a:extLst>
-          </p:cNvPr>
-          <p:cNvPicPr>
-            <a:picLocks noChangeAspect="1" noChangeArrowheads="1"/>
-          </p:cNvPicPr>
-          <p:nvPr/>
-        </p:nvPicPr>
-        <p:blipFill>
-          <a:blip r:embed="rId2" cstate="print">
-            <a:extLst>
-              <a:ext uri="{28A0092B-C50C-407E-A947-70E740481C1C}">
-                <a14:useLocalDpi xmlns:a14="http://schemas.microsoft.com/office/drawing/2010/main" val="0"/>
-              </a:ext>
-            </a:extLst>
-          </a:blip>
-          <a:srcRect/>
-          <a:stretch>
-            <a:fillRect/>
-          </a:stretch>
-        </p:blipFill>
-        <p:spPr bwMode="auto">
-          <a:xfrm>
-            <a:off x="563806" y="2275457"/>
-            <a:ext cx="3330859" cy="1347957"/>
-          </a:xfrm>
-          <a:prstGeom prst="rect">
-            <a:avLst/>
-          </a:prstGeom>
-          <a:noFill/>
-          <a:extLst>
-            <a:ext uri="{909E8E84-426E-40DD-AFC4-6F175D3DCCD1}">
-              <a14:hiddenFill xmlns:a14="http://schemas.microsoft.com/office/drawing/2010/main">
-                <a:solidFill>
-                  <a:srgbClr val="FFFFFF"/>
-                </a:solidFill>
-              </a14:hiddenFill>
-            </a:ext>
-          </a:extLst>
-        </p:spPr>
-      </p:pic>
-      <p:sp>
-        <p:nvSpPr>
-          <p:cNvPr id="5" name="Content Placeholder 1">
-            <a:extLst>
-              <a:ext uri="{FF2B5EF4-FFF2-40B4-BE49-F238E27FC236}">
-                <a16:creationId xmlns:a16="http://schemas.microsoft.com/office/drawing/2014/main" id="{F52DDB35-0136-F2B5-6982-F7EB9D9A2907}"/>
-              </a:ext>
-            </a:extLst>
-          </p:cNvPr>
-          <p:cNvSpPr txBox="1">
-            <a:spLocks/>
-          </p:cNvSpPr>
-          <p:nvPr/>
-        </p:nvSpPr>
-        <p:spPr>
-          <a:xfrm>
-            <a:off x="5768623" y="1258235"/>
-            <a:ext cx="5836993" cy="4131307"/>
-          </a:xfrm>
-          <a:prstGeom prst="rect">
-            <a:avLst/>
-          </a:prstGeom>
-        </p:spPr>
-        <p:txBody>
-          <a:bodyPr vert="horz" lIns="91440" tIns="45720" rIns="91440" bIns="45720" rtlCol="0">
-            <a:normAutofit/>
-          </a:bodyPr>
-          <a:lstStyle>
-            <a:lvl1pPr marL="228600" indent="-228600" algn="l" defTabSz="914400" rtl="0" eaLnBrk="1" latinLnBrk="0" hangingPunct="1">
-              <a:lnSpc>
-                <a:spcPct val="90000"/>
-              </a:lnSpc>
-              <a:spcBef>
-                <a:spcPts val="1000"/>
-              </a:spcBef>
-              <a:buFont typeface="Arial" panose="020B0604020202020204" pitchFamily="34" charset="0"/>
-              <a:buChar char="•"/>
-              <a:defRPr sz="2800" kern="1200">
-                <a:solidFill>
-                  <a:schemeClr val="tx1"/>
-                </a:solidFill>
-                <a:latin typeface="+mn-lt"/>
-                <a:ea typeface="+mn-ea"/>
-                <a:cs typeface="Arial" panose="020B0604020202020204" pitchFamily="34" charset="0"/>
-              </a:defRPr>
-            </a:lvl1pPr>
-            <a:lvl2pPr marL="685800" indent="-228600" algn="l" defTabSz="914400" rtl="0" eaLnBrk="1" latinLnBrk="0" hangingPunct="1">
-              <a:lnSpc>
-                <a:spcPct val="90000"/>
-              </a:lnSpc>
-              <a:spcBef>
-                <a:spcPts val="500"/>
-              </a:spcBef>
-              <a:buFont typeface="Arial" panose="020B0604020202020204" pitchFamily="34" charset="0"/>
-              <a:buChar char="•"/>
-              <a:defRPr sz="2400" kern="1200">
-                <a:solidFill>
-                  <a:schemeClr val="tx1"/>
-                </a:solidFill>
-                <a:latin typeface="+mn-lt"/>
-                <a:ea typeface="+mn-ea"/>
-                <a:cs typeface="Arial" panose="020B0604020202020204" pitchFamily="34" charset="0"/>
-              </a:defRPr>
-            </a:lvl2pPr>
-            <a:lvl3pPr marL="1143000" indent="-228600" algn="l" defTabSz="914400" rtl="0" eaLnBrk="1" latinLnBrk="0" hangingPunct="1">
-              <a:lnSpc>
-                <a:spcPct val="90000"/>
-              </a:lnSpc>
-              <a:spcBef>
-                <a:spcPts val="500"/>
-              </a:spcBef>
-              <a:buFont typeface="Arial" panose="020B0604020202020204" pitchFamily="34" charset="0"/>
-              <a:buChar char="•"/>
-              <a:defRPr sz="2000" kern="1200">
-                <a:solidFill>
-                  <a:schemeClr val="tx1"/>
-                </a:solidFill>
-                <a:latin typeface="+mn-lt"/>
-                <a:ea typeface="+mn-ea"/>
-                <a:cs typeface="Arial" panose="020B0604020202020204" pitchFamily="34" charset="0"/>
-              </a:defRPr>
-            </a:lvl3pPr>
-            <a:lvl4pPr marL="1600200" indent="-228600" algn="l" defTabSz="914400" rtl="0" eaLnBrk="1" latinLnBrk="0" hangingPunct="1">
-              <a:lnSpc>
-                <a:spcPct val="90000"/>
-              </a:lnSpc>
-              <a:spcBef>
-                <a:spcPts val="500"/>
-              </a:spcBef>
-              <a:buFont typeface="Arial" panose="020B0604020202020204" pitchFamily="34" charset="0"/>
-              <a:buChar char="•"/>
-              <a:defRPr sz="1800" kern="1200">
-                <a:solidFill>
-                  <a:schemeClr val="tx1"/>
-                </a:solidFill>
-                <a:latin typeface="+mn-lt"/>
-                <a:ea typeface="+mn-ea"/>
-                <a:cs typeface="Arial" panose="020B0604020202020204" pitchFamily="34" charset="0"/>
-              </a:defRPr>
-            </a:lvl4pPr>
-            <a:lvl5pPr marL="2057400" indent="-228600" algn="l" defTabSz="914400" rtl="0" eaLnBrk="1" latinLnBrk="0" hangingPunct="1">
-              <a:lnSpc>
-                <a:spcPct val="90000"/>
-              </a:lnSpc>
-              <a:spcBef>
-                <a:spcPts val="500"/>
-              </a:spcBef>
-              <a:buFont typeface="Arial" panose="020B0604020202020204" pitchFamily="34" charset="0"/>
-              <a:buChar char="•"/>
-              <a:defRPr sz="1800" kern="1200">
-                <a:solidFill>
-                  <a:schemeClr val="tx1"/>
-                </a:solidFill>
-                <a:latin typeface="+mn-lt"/>
-                <a:ea typeface="+mn-ea"/>
-                <a:cs typeface="Arial" panose="020B0604020202020204" pitchFamily="34" charset="0"/>
-              </a:defRPr>
-            </a:lvl5pPr>
-            <a:lvl6pPr marL="2514600" indent="-228600" algn="l" defTabSz="914400" rtl="0" eaLnBrk="1" latinLnBrk="0" hangingPunct="1">
-              <a:lnSpc>
-                <a:spcPct val="90000"/>
-              </a:lnSpc>
-              <a:spcBef>
-                <a:spcPts val="500"/>
-              </a:spcBef>
-              <a:buFont typeface="Arial" panose="020B0604020202020204" pitchFamily="34" charset="0"/>
-              <a:buChar char="•"/>
-              <a:defRPr sz="1800" kern="1200">
-                <a:solidFill>
-                  <a:schemeClr val="tx1"/>
-                </a:solidFill>
-                <a:latin typeface="+mn-lt"/>
-                <a:ea typeface="+mn-ea"/>
-                <a:cs typeface="+mn-cs"/>
-              </a:defRPr>
-            </a:lvl6pPr>
-            <a:lvl7pPr marL="2971800" indent="-228600" algn="l" defTabSz="914400" rtl="0" eaLnBrk="1" latinLnBrk="0" hangingPunct="1">
-              <a:lnSpc>
-                <a:spcPct val="90000"/>
-              </a:lnSpc>
-              <a:spcBef>
-                <a:spcPts val="500"/>
-              </a:spcBef>
-              <a:buFont typeface="Arial" panose="020B0604020202020204" pitchFamily="34" charset="0"/>
-              <a:buChar char="•"/>
-              <a:defRPr sz="1800" kern="1200">
-                <a:solidFill>
-                  <a:schemeClr val="tx1"/>
-                </a:solidFill>
-                <a:latin typeface="+mn-lt"/>
-                <a:ea typeface="+mn-ea"/>
-                <a:cs typeface="+mn-cs"/>
-              </a:defRPr>
-            </a:lvl7pPr>
-            <a:lvl8pPr marL="3429000" indent="-228600" algn="l" defTabSz="914400" rtl="0" eaLnBrk="1" latinLnBrk="0" hangingPunct="1">
-              <a:lnSpc>
-                <a:spcPct val="90000"/>
-              </a:lnSpc>
-              <a:spcBef>
-                <a:spcPts val="500"/>
-              </a:spcBef>
-              <a:buFont typeface="Arial" panose="020B0604020202020204" pitchFamily="34" charset="0"/>
-              <a:buChar char="•"/>
-              <a:defRPr sz="1800" kern="1200">
-                <a:solidFill>
-                  <a:schemeClr val="tx1"/>
-                </a:solidFill>
-                <a:latin typeface="+mn-lt"/>
-                <a:ea typeface="+mn-ea"/>
-                <a:cs typeface="+mn-cs"/>
-              </a:defRPr>
-            </a:lvl8pPr>
-            <a:lvl9pPr marL="3886200" indent="-228600" algn="l" defTabSz="914400" rtl="0" eaLnBrk="1" latinLnBrk="0" hangingPunct="1">
-              <a:lnSpc>
-                <a:spcPct val="90000"/>
-              </a:lnSpc>
-              <a:spcBef>
-                <a:spcPts val="500"/>
-              </a:spcBef>
-              <a:buFont typeface="Arial" panose="020B0604020202020204" pitchFamily="34" charset="0"/>
-              <a:buChar char="•"/>
-              <a:defRPr sz="1800" kern="1200">
-                <a:solidFill>
-                  <a:schemeClr val="tx1"/>
-                </a:solidFill>
-                <a:latin typeface="+mn-lt"/>
-                <a:ea typeface="+mn-ea"/>
-                <a:cs typeface="+mn-cs"/>
-              </a:defRPr>
-            </a:lvl9pPr>
-          </a:lstStyle>
-          <a:p>
-            <a:r>
-              <a:rPr lang="en-US" dirty="0"/>
-              <a:t>Properties</a:t>
-            </a:r>
-          </a:p>
-          <a:p>
-            <a:pPr lvl="1"/>
-            <a:r>
-              <a:rPr lang="en-US" dirty="0"/>
-              <a:t>Model</a:t>
-            </a:r>
-          </a:p>
-          <a:p>
-            <a:pPr lvl="1"/>
-            <a:r>
-              <a:rPr lang="en-US" dirty="0"/>
-              <a:t>Year</a:t>
-            </a:r>
-          </a:p>
-          <a:p>
-            <a:pPr lvl="1"/>
-            <a:r>
-              <a:rPr lang="en-US" dirty="0"/>
-              <a:t>Mileage</a:t>
-            </a:r>
-          </a:p>
-          <a:p>
-            <a:pPr lvl="1"/>
-            <a:r>
-              <a:rPr lang="en-US" dirty="0"/>
-              <a:t>Seats, and so on…</a:t>
-            </a:r>
-          </a:p>
-          <a:p>
-            <a:r>
-              <a:rPr lang="en-US" dirty="0"/>
-              <a:t>Functions</a:t>
-            </a:r>
-          </a:p>
-          <a:p>
-            <a:pPr lvl="1"/>
-            <a:r>
-              <a:rPr lang="en-US" dirty="0"/>
-              <a:t>Start</a:t>
-            </a:r>
-          </a:p>
-          <a:p>
-            <a:pPr lvl="1"/>
-            <a:r>
-              <a:rPr lang="en-US" dirty="0"/>
-              <a:t>Stop</a:t>
-            </a:r>
-          </a:p>
-          <a:p>
-            <a:pPr lvl="1"/>
-            <a:r>
-              <a:rPr lang="en-US" dirty="0"/>
-              <a:t>Accelerate</a:t>
-            </a:r>
-          </a:p>
-          <a:p>
-            <a:pPr lvl="1"/>
-            <a:r>
-              <a:rPr lang="en-US" dirty="0"/>
-              <a:t>Brake, and so on…</a:t>
-            </a:r>
-          </a:p>
-        </p:txBody>
-      </p:sp>
-    </p:spTree>
-    <p:extLst>
-      <p:ext uri="{BB962C8B-B14F-4D97-AF65-F5344CB8AC3E}">
-        <p14:creationId xmlns:p14="http://schemas.microsoft.com/office/powerpoint/2010/main" val="2405068582"/>
-      </p:ext>
-    </p:extLst>
-  </p:cSld>
-  <p:clrMapOvr>
-    <a:masterClrMapping/>
-  </p:clrMapOvr>
-</p:sld>
-</file>
-
-<file path=ppt/slides/slide40.xml><?xml version="1.0" encoding="utf-8"?>
+<file path=ppt/slides/slide38.xml><?xml version="1.0" encoding="utf-8"?>
 <p:sld xmlns:a="http://schemas.openxmlformats.org/drawingml/2006/main" xmlns:r="http://schemas.openxmlformats.org/officeDocument/2006/relationships" xmlns:p="http://schemas.openxmlformats.org/presentationml/2006/main">
   <p:cSld>
     <p:spTree>
@@ -29824,7 +29035,7 @@
 </p:sld>
 </file>
 
-<file path=ppt/slides/slide41.xml><?xml version="1.0" encoding="utf-8"?>
+<file path=ppt/slides/slide39.xml><?xml version="1.0" encoding="utf-8"?>
 <p:sld xmlns:a="http://schemas.openxmlformats.org/drawingml/2006/main" xmlns:r="http://schemas.openxmlformats.org/officeDocument/2006/relationships" xmlns:p="http://schemas.openxmlformats.org/presentationml/2006/main">
   <p:cSld>
     <p:spTree>
@@ -29918,7 +29129,883 @@
 </p:sld>
 </file>
 
-<file path=ppt/slides/slide42.xml><?xml version="1.0" encoding="utf-8"?>
+<file path=ppt/slides/slide4.xml><?xml version="1.0" encoding="utf-8"?>
+<p:sld xmlns:a="http://schemas.openxmlformats.org/drawingml/2006/main" xmlns:r="http://schemas.openxmlformats.org/officeDocument/2006/relationships" xmlns:p="http://schemas.openxmlformats.org/presentationml/2006/main">
+  <p:cSld>
+    <p:spTree>
+      <p:nvGrpSpPr>
+        <p:cNvPr id="1" name=""/>
+        <p:cNvGrpSpPr/>
+        <p:nvPr/>
+      </p:nvGrpSpPr>
+      <p:grpSpPr>
+        <a:xfrm>
+          <a:off x="0" y="0"/>
+          <a:ext cx="0" cy="0"/>
+          <a:chOff x="0" y="0"/>
+          <a:chExt cx="0" cy="0"/>
+        </a:xfrm>
+      </p:grpSpPr>
+      <p:sp>
+        <p:nvSpPr>
+          <p:cNvPr id="2" name="Content Placeholder 1">
+            <a:extLst>
+              <a:ext uri="{FF2B5EF4-FFF2-40B4-BE49-F238E27FC236}">
+                <a16:creationId xmlns:a16="http://schemas.microsoft.com/office/drawing/2014/main" id="{74ED2879-EBA8-E55D-08E1-784B8E6B1F66}"/>
+              </a:ext>
+            </a:extLst>
+          </p:cNvPr>
+          <p:cNvSpPr>
+            <a:spLocks noGrp="1"/>
+          </p:cNvSpPr>
+          <p:nvPr>
+            <p:ph idx="1"/>
+          </p:nvPr>
+        </p:nvSpPr>
+        <p:spPr>
+          <a:xfrm>
+            <a:off x="360607" y="785004"/>
+            <a:ext cx="5735393" cy="5046453"/>
+          </a:xfrm>
+        </p:spPr>
+        <p:txBody>
+          <a:bodyPr>
+            <a:normAutofit fontScale="92500" lnSpcReduction="20000"/>
+          </a:bodyPr>
+          <a:lstStyle/>
+          <a:p>
+            <a:r>
+              <a:rPr lang="en-US" dirty="0"/>
+              <a:t>Java is an object-oriented programming language</a:t>
+            </a:r>
+          </a:p>
+          <a:p>
+            <a:pPr lvl="1"/>
+            <a:r>
+              <a:rPr lang="en-US" i="1" dirty="0"/>
+              <a:t>Everything </a:t>
+            </a:r>
+            <a:r>
+              <a:rPr lang="en-US" dirty="0"/>
+              <a:t>is an object</a:t>
+            </a:r>
+            <a:br>
+              <a:rPr lang="en-US" dirty="0"/>
+            </a:br>
+            <a:endParaRPr lang="en-US" dirty="0"/>
+          </a:p>
+          <a:p>
+            <a:r>
+              <a:rPr lang="en-US" dirty="0"/>
+              <a:t>A class is a blueprint for creating objects</a:t>
+            </a:r>
+          </a:p>
+          <a:p>
+            <a:pPr lvl="1"/>
+            <a:r>
+              <a:rPr lang="en-US" dirty="0"/>
+              <a:t>Defines properties (fields) and behaviors (methods)</a:t>
+            </a:r>
+            <a:br>
+              <a:rPr lang="en-US" dirty="0"/>
+            </a:br>
+            <a:endParaRPr lang="en-US" dirty="0"/>
+          </a:p>
+          <a:p>
+            <a:r>
+              <a:rPr lang="en-US" dirty="0"/>
+              <a:t>An object is an instance of a class</a:t>
+            </a:r>
+            <a:br>
+              <a:rPr lang="en-US" dirty="0"/>
+            </a:br>
+            <a:endParaRPr lang="en-US" dirty="0"/>
+          </a:p>
+          <a:p>
+            <a:endParaRPr lang="en-US" dirty="0"/>
+          </a:p>
+        </p:txBody>
+      </p:sp>
+      <p:sp>
+        <p:nvSpPr>
+          <p:cNvPr id="3" name="Title 2">
+            <a:extLst>
+              <a:ext uri="{FF2B5EF4-FFF2-40B4-BE49-F238E27FC236}">
+                <a16:creationId xmlns:a16="http://schemas.microsoft.com/office/drawing/2014/main" id="{5EBF28F7-F706-2FB6-90F5-C0BEFF8D4F0E}"/>
+              </a:ext>
+            </a:extLst>
+          </p:cNvPr>
+          <p:cNvSpPr>
+            <a:spLocks noGrp="1"/>
+          </p:cNvSpPr>
+          <p:nvPr>
+            <p:ph type="title"/>
+          </p:nvPr>
+        </p:nvSpPr>
+        <p:spPr/>
+        <p:txBody>
+          <a:bodyPr/>
+          <a:lstStyle/>
+          <a:p>
+            <a:r>
+              <a:rPr lang="en-US"/>
+              <a:t>Java, an object-oriented language</a:t>
+            </a:r>
+            <a:endParaRPr lang="en-US" dirty="0"/>
+          </a:p>
+        </p:txBody>
+      </p:sp>
+      <p:sp>
+        <p:nvSpPr>
+          <p:cNvPr id="4" name="Subtitle 3">
+            <a:extLst>
+              <a:ext uri="{FF2B5EF4-FFF2-40B4-BE49-F238E27FC236}">
+                <a16:creationId xmlns:a16="http://schemas.microsoft.com/office/drawing/2014/main" id="{7F05DDDF-4963-E234-2DF0-001CC0C3C1D1}"/>
+              </a:ext>
+            </a:extLst>
+          </p:cNvPr>
+          <p:cNvSpPr>
+            <a:spLocks noGrp="1"/>
+          </p:cNvSpPr>
+          <p:nvPr>
+            <p:ph type="subTitle" idx="13"/>
+          </p:nvPr>
+        </p:nvSpPr>
+        <p:spPr/>
+        <p:txBody>
+          <a:bodyPr/>
+          <a:lstStyle/>
+          <a:p>
+            <a:endParaRPr lang="en-US"/>
+          </a:p>
+        </p:txBody>
+      </p:sp>
+      <p:sp>
+        <p:nvSpPr>
+          <p:cNvPr id="5" name="Content Placeholder 1">
+            <a:extLst>
+              <a:ext uri="{FF2B5EF4-FFF2-40B4-BE49-F238E27FC236}">
+                <a16:creationId xmlns:a16="http://schemas.microsoft.com/office/drawing/2014/main" id="{EAC9A1E9-4470-48A9-38E7-93BCE7624011}"/>
+              </a:ext>
+            </a:extLst>
+          </p:cNvPr>
+          <p:cNvSpPr txBox="1">
+            <a:spLocks/>
+          </p:cNvSpPr>
+          <p:nvPr/>
+        </p:nvSpPr>
+        <p:spPr>
+          <a:xfrm>
+            <a:off x="6304207" y="785003"/>
+            <a:ext cx="5735393" cy="5166497"/>
+          </a:xfrm>
+          <a:prstGeom prst="rect">
+            <a:avLst/>
+          </a:prstGeom>
+        </p:spPr>
+        <p:txBody>
+          <a:bodyPr vert="horz" lIns="91440" tIns="45720" rIns="91440" bIns="45720" rtlCol="0">
+            <a:noAutofit/>
+          </a:bodyPr>
+          <a:lstStyle>
+            <a:lvl1pPr marL="228600" indent="-228600" algn="l" defTabSz="914400" rtl="0" eaLnBrk="1" latinLnBrk="0" hangingPunct="1">
+              <a:lnSpc>
+                <a:spcPct val="90000"/>
+              </a:lnSpc>
+              <a:spcBef>
+                <a:spcPts val="1000"/>
+              </a:spcBef>
+              <a:buFont typeface="Arial" panose="020B0604020202020204" pitchFamily="34" charset="0"/>
+              <a:buChar char="•"/>
+              <a:defRPr sz="2800" kern="1200">
+                <a:solidFill>
+                  <a:schemeClr val="tx1"/>
+                </a:solidFill>
+                <a:latin typeface="+mn-lt"/>
+                <a:ea typeface="+mn-ea"/>
+                <a:cs typeface="Arial" panose="020B0604020202020204" pitchFamily="34" charset="0"/>
+              </a:defRPr>
+            </a:lvl1pPr>
+            <a:lvl2pPr marL="685800" indent="-228600" algn="l" defTabSz="914400" rtl="0" eaLnBrk="1" latinLnBrk="0" hangingPunct="1">
+              <a:lnSpc>
+                <a:spcPct val="90000"/>
+              </a:lnSpc>
+              <a:spcBef>
+                <a:spcPts val="500"/>
+              </a:spcBef>
+              <a:buFont typeface="Arial" panose="020B0604020202020204" pitchFamily="34" charset="0"/>
+              <a:buChar char="•"/>
+              <a:defRPr sz="2400" kern="1200">
+                <a:solidFill>
+                  <a:schemeClr val="tx1"/>
+                </a:solidFill>
+                <a:latin typeface="+mn-lt"/>
+                <a:ea typeface="+mn-ea"/>
+                <a:cs typeface="Arial" panose="020B0604020202020204" pitchFamily="34" charset="0"/>
+              </a:defRPr>
+            </a:lvl2pPr>
+            <a:lvl3pPr marL="1143000" indent="-228600" algn="l" defTabSz="914400" rtl="0" eaLnBrk="1" latinLnBrk="0" hangingPunct="1">
+              <a:lnSpc>
+                <a:spcPct val="90000"/>
+              </a:lnSpc>
+              <a:spcBef>
+                <a:spcPts val="500"/>
+              </a:spcBef>
+              <a:buFont typeface="Arial" panose="020B0604020202020204" pitchFamily="34" charset="0"/>
+              <a:buChar char="•"/>
+              <a:defRPr sz="2000" kern="1200">
+                <a:solidFill>
+                  <a:schemeClr val="tx1"/>
+                </a:solidFill>
+                <a:latin typeface="+mn-lt"/>
+                <a:ea typeface="+mn-ea"/>
+                <a:cs typeface="Arial" panose="020B0604020202020204" pitchFamily="34" charset="0"/>
+              </a:defRPr>
+            </a:lvl3pPr>
+            <a:lvl4pPr marL="1600200" indent="-228600" algn="l" defTabSz="914400" rtl="0" eaLnBrk="1" latinLnBrk="0" hangingPunct="1">
+              <a:lnSpc>
+                <a:spcPct val="90000"/>
+              </a:lnSpc>
+              <a:spcBef>
+                <a:spcPts val="500"/>
+              </a:spcBef>
+              <a:buFont typeface="Arial" panose="020B0604020202020204" pitchFamily="34" charset="0"/>
+              <a:buChar char="•"/>
+              <a:defRPr sz="1800" kern="1200">
+                <a:solidFill>
+                  <a:schemeClr val="tx1"/>
+                </a:solidFill>
+                <a:latin typeface="+mn-lt"/>
+                <a:ea typeface="+mn-ea"/>
+                <a:cs typeface="Arial" panose="020B0604020202020204" pitchFamily="34" charset="0"/>
+              </a:defRPr>
+            </a:lvl4pPr>
+            <a:lvl5pPr marL="2057400" indent="-228600" algn="l" defTabSz="914400" rtl="0" eaLnBrk="1" latinLnBrk="0" hangingPunct="1">
+              <a:lnSpc>
+                <a:spcPct val="90000"/>
+              </a:lnSpc>
+              <a:spcBef>
+                <a:spcPts val="500"/>
+              </a:spcBef>
+              <a:buFont typeface="Arial" panose="020B0604020202020204" pitchFamily="34" charset="0"/>
+              <a:buChar char="•"/>
+              <a:defRPr sz="1800" kern="1200">
+                <a:solidFill>
+                  <a:schemeClr val="tx1"/>
+                </a:solidFill>
+                <a:latin typeface="+mn-lt"/>
+                <a:ea typeface="+mn-ea"/>
+                <a:cs typeface="Arial" panose="020B0604020202020204" pitchFamily="34" charset="0"/>
+              </a:defRPr>
+            </a:lvl5pPr>
+            <a:lvl6pPr marL="2514600" indent="-228600" algn="l" defTabSz="914400" rtl="0" eaLnBrk="1" latinLnBrk="0" hangingPunct="1">
+              <a:lnSpc>
+                <a:spcPct val="90000"/>
+              </a:lnSpc>
+              <a:spcBef>
+                <a:spcPts val="500"/>
+              </a:spcBef>
+              <a:buFont typeface="Arial" panose="020B0604020202020204" pitchFamily="34" charset="0"/>
+              <a:buChar char="•"/>
+              <a:defRPr sz="1800" kern="1200">
+                <a:solidFill>
+                  <a:schemeClr val="tx1"/>
+                </a:solidFill>
+                <a:latin typeface="+mn-lt"/>
+                <a:ea typeface="+mn-ea"/>
+                <a:cs typeface="+mn-cs"/>
+              </a:defRPr>
+            </a:lvl6pPr>
+            <a:lvl7pPr marL="2971800" indent="-228600" algn="l" defTabSz="914400" rtl="0" eaLnBrk="1" latinLnBrk="0" hangingPunct="1">
+              <a:lnSpc>
+                <a:spcPct val="90000"/>
+              </a:lnSpc>
+              <a:spcBef>
+                <a:spcPts val="500"/>
+              </a:spcBef>
+              <a:buFont typeface="Arial" panose="020B0604020202020204" pitchFamily="34" charset="0"/>
+              <a:buChar char="•"/>
+              <a:defRPr sz="1800" kern="1200">
+                <a:solidFill>
+                  <a:schemeClr val="tx1"/>
+                </a:solidFill>
+                <a:latin typeface="+mn-lt"/>
+                <a:ea typeface="+mn-ea"/>
+                <a:cs typeface="+mn-cs"/>
+              </a:defRPr>
+            </a:lvl7pPr>
+            <a:lvl8pPr marL="3429000" indent="-228600" algn="l" defTabSz="914400" rtl="0" eaLnBrk="1" latinLnBrk="0" hangingPunct="1">
+              <a:lnSpc>
+                <a:spcPct val="90000"/>
+              </a:lnSpc>
+              <a:spcBef>
+                <a:spcPts val="500"/>
+              </a:spcBef>
+              <a:buFont typeface="Arial" panose="020B0604020202020204" pitchFamily="34" charset="0"/>
+              <a:buChar char="•"/>
+              <a:defRPr sz="1800" kern="1200">
+                <a:solidFill>
+                  <a:schemeClr val="tx1"/>
+                </a:solidFill>
+                <a:latin typeface="+mn-lt"/>
+                <a:ea typeface="+mn-ea"/>
+                <a:cs typeface="+mn-cs"/>
+              </a:defRPr>
+            </a:lvl8pPr>
+            <a:lvl9pPr marL="3886200" indent="-228600" algn="l" defTabSz="914400" rtl="0" eaLnBrk="1" latinLnBrk="0" hangingPunct="1">
+              <a:lnSpc>
+                <a:spcPct val="90000"/>
+              </a:lnSpc>
+              <a:spcBef>
+                <a:spcPts val="500"/>
+              </a:spcBef>
+              <a:buFont typeface="Arial" panose="020B0604020202020204" pitchFamily="34" charset="0"/>
+              <a:buChar char="•"/>
+              <a:defRPr sz="1800" kern="1200">
+                <a:solidFill>
+                  <a:schemeClr val="tx1"/>
+                </a:solidFill>
+                <a:latin typeface="+mn-lt"/>
+                <a:ea typeface="+mn-ea"/>
+                <a:cs typeface="+mn-cs"/>
+              </a:defRPr>
+            </a:lvl9pPr>
+          </a:lstStyle>
+          <a:p>
+            <a:pPr marL="0" indent="0">
+              <a:buNone/>
+            </a:pPr>
+            <a:r>
+              <a:rPr lang="en-US" sz="1600" dirty="0">
+                <a:solidFill>
+                  <a:srgbClr val="0000FF"/>
+                </a:solidFill>
+                <a:latin typeface="Consolas" panose="020B0609020204030204" pitchFamily="49" charset="0"/>
+              </a:rPr>
+              <a:t>public</a:t>
+            </a:r>
+            <a:r>
+              <a:rPr lang="en-US" sz="1600" dirty="0">
+                <a:latin typeface="Consolas" panose="020B0609020204030204" pitchFamily="49" charset="0"/>
+              </a:rPr>
+              <a:t> </a:t>
+            </a:r>
+            <a:r>
+              <a:rPr lang="en-US" sz="1600" dirty="0">
+                <a:solidFill>
+                  <a:srgbClr val="C00000"/>
+                </a:solidFill>
+                <a:latin typeface="Consolas" panose="020B0609020204030204" pitchFamily="49" charset="0"/>
+              </a:rPr>
+              <a:t>class</a:t>
+            </a:r>
+            <a:r>
+              <a:rPr lang="en-US" sz="1600" dirty="0">
+                <a:latin typeface="Consolas" panose="020B0609020204030204" pitchFamily="49" charset="0"/>
+              </a:rPr>
+              <a:t> Car {</a:t>
+            </a:r>
+          </a:p>
+          <a:p>
+            <a:pPr marL="0" indent="0">
+              <a:buNone/>
+            </a:pPr>
+            <a:r>
+              <a:rPr lang="en-US" sz="1600" dirty="0">
+                <a:latin typeface="Consolas" panose="020B0609020204030204" pitchFamily="49" charset="0"/>
+              </a:rPr>
+              <a:t>    </a:t>
+            </a:r>
+            <a:r>
+              <a:rPr lang="en-US" sz="1600" dirty="0">
+                <a:solidFill>
+                  <a:srgbClr val="0000FF"/>
+                </a:solidFill>
+                <a:latin typeface="Consolas" panose="020B0609020204030204" pitchFamily="49" charset="0"/>
+              </a:rPr>
+              <a:t>private</a:t>
+            </a:r>
+            <a:r>
+              <a:rPr lang="en-US" sz="1600" dirty="0">
+                <a:latin typeface="Consolas" panose="020B0609020204030204" pitchFamily="49" charset="0"/>
+              </a:rPr>
+              <a:t> </a:t>
+            </a:r>
+            <a:r>
+              <a:rPr lang="en-US" sz="1600" dirty="0">
+                <a:solidFill>
+                  <a:srgbClr val="C00000"/>
+                </a:solidFill>
+                <a:latin typeface="Consolas" panose="020B0609020204030204" pitchFamily="49" charset="0"/>
+              </a:rPr>
+              <a:t>String</a:t>
+            </a:r>
+            <a:r>
+              <a:rPr lang="en-US" sz="1600" dirty="0">
+                <a:latin typeface="Consolas" panose="020B0609020204030204" pitchFamily="49" charset="0"/>
+              </a:rPr>
+              <a:t> model;</a:t>
+            </a:r>
+          </a:p>
+          <a:p>
+            <a:pPr marL="0" indent="0">
+              <a:buNone/>
+            </a:pPr>
+            <a:r>
+              <a:rPr lang="en-US" sz="1600" dirty="0">
+                <a:latin typeface="Consolas" panose="020B0609020204030204" pitchFamily="49" charset="0"/>
+              </a:rPr>
+              <a:t>    </a:t>
+            </a:r>
+            <a:r>
+              <a:rPr lang="en-US" sz="1600" dirty="0">
+                <a:solidFill>
+                  <a:srgbClr val="0000FF"/>
+                </a:solidFill>
+                <a:latin typeface="Consolas" panose="020B0609020204030204" pitchFamily="49" charset="0"/>
+              </a:rPr>
+              <a:t>private</a:t>
+            </a:r>
+            <a:r>
+              <a:rPr lang="en-US" sz="1600" dirty="0">
+                <a:latin typeface="Consolas" panose="020B0609020204030204" pitchFamily="49" charset="0"/>
+              </a:rPr>
+              <a:t> </a:t>
+            </a:r>
+            <a:r>
+              <a:rPr lang="en-US" sz="1600" dirty="0">
+                <a:solidFill>
+                  <a:srgbClr val="C00000"/>
+                </a:solidFill>
+                <a:latin typeface="Consolas" panose="020B0609020204030204" pitchFamily="49" charset="0"/>
+              </a:rPr>
+              <a:t>int</a:t>
+            </a:r>
+            <a:r>
+              <a:rPr lang="en-US" sz="1600" dirty="0">
+                <a:latin typeface="Consolas" panose="020B0609020204030204" pitchFamily="49" charset="0"/>
+              </a:rPr>
+              <a:t> year;</a:t>
+            </a:r>
+          </a:p>
+          <a:p>
+            <a:pPr marL="0" indent="0">
+              <a:buNone/>
+            </a:pPr>
+            <a:r>
+              <a:rPr lang="en-US" sz="1600" dirty="0">
+                <a:latin typeface="Consolas" panose="020B0609020204030204" pitchFamily="49" charset="0"/>
+              </a:rPr>
+              <a:t>    </a:t>
+            </a:r>
+            <a:r>
+              <a:rPr lang="en-US" sz="1600" dirty="0">
+                <a:solidFill>
+                  <a:srgbClr val="0000FF"/>
+                </a:solidFill>
+                <a:latin typeface="Consolas" panose="020B0609020204030204" pitchFamily="49" charset="0"/>
+              </a:rPr>
+              <a:t>private</a:t>
+            </a:r>
+            <a:r>
+              <a:rPr lang="en-US" sz="1600" dirty="0">
+                <a:latin typeface="Consolas" panose="020B0609020204030204" pitchFamily="49" charset="0"/>
+              </a:rPr>
+              <a:t> </a:t>
+            </a:r>
+            <a:r>
+              <a:rPr lang="en-US" sz="1600" dirty="0">
+                <a:solidFill>
+                  <a:srgbClr val="C00000"/>
+                </a:solidFill>
+                <a:latin typeface="Consolas" panose="020B0609020204030204" pitchFamily="49" charset="0"/>
+              </a:rPr>
+              <a:t>int</a:t>
+            </a:r>
+            <a:r>
+              <a:rPr lang="en-US" sz="1600" dirty="0">
+                <a:latin typeface="Consolas" panose="020B0609020204030204" pitchFamily="49" charset="0"/>
+              </a:rPr>
+              <a:t> mileage;</a:t>
+            </a:r>
+          </a:p>
+          <a:p>
+            <a:pPr marL="0" indent="0">
+              <a:buNone/>
+            </a:pPr>
+            <a:r>
+              <a:rPr lang="en-US" sz="1600" dirty="0">
+                <a:latin typeface="Consolas" panose="020B0609020204030204" pitchFamily="49" charset="0"/>
+              </a:rPr>
+              <a:t>    </a:t>
+            </a:r>
+          </a:p>
+          <a:p>
+            <a:pPr marL="0" indent="0">
+              <a:buNone/>
+            </a:pPr>
+            <a:r>
+              <a:rPr lang="en-US" sz="1600" dirty="0">
+                <a:latin typeface="Consolas" panose="020B0609020204030204" pitchFamily="49" charset="0"/>
+              </a:rPr>
+              <a:t>    </a:t>
+            </a:r>
+            <a:r>
+              <a:rPr lang="en-US" sz="1600" dirty="0">
+                <a:solidFill>
+                  <a:srgbClr val="0000FF"/>
+                </a:solidFill>
+                <a:latin typeface="Consolas" panose="020B0609020204030204" pitchFamily="49" charset="0"/>
+              </a:rPr>
+              <a:t>public</a:t>
+            </a:r>
+            <a:r>
+              <a:rPr lang="en-US" sz="1600" dirty="0">
+                <a:latin typeface="Consolas" panose="020B0609020204030204" pitchFamily="49" charset="0"/>
+              </a:rPr>
+              <a:t> </a:t>
+            </a:r>
+            <a:r>
+              <a:rPr lang="en-US" sz="1600" dirty="0">
+                <a:solidFill>
+                  <a:srgbClr val="C00000"/>
+                </a:solidFill>
+                <a:latin typeface="Consolas" panose="020B0609020204030204" pitchFamily="49" charset="0"/>
+              </a:rPr>
+              <a:t>void</a:t>
+            </a:r>
+            <a:r>
+              <a:rPr lang="en-US" sz="1600" dirty="0">
+                <a:latin typeface="Consolas" panose="020B0609020204030204" pitchFamily="49" charset="0"/>
+              </a:rPr>
+              <a:t> start() { …}</a:t>
+            </a:r>
+          </a:p>
+          <a:p>
+            <a:pPr marL="0" indent="0">
+              <a:buNone/>
+            </a:pPr>
+            <a:r>
+              <a:rPr lang="en-US" sz="1600" dirty="0">
+                <a:latin typeface="Consolas" panose="020B0609020204030204" pitchFamily="49" charset="0"/>
+              </a:rPr>
+              <a:t>    </a:t>
+            </a:r>
+            <a:r>
+              <a:rPr lang="en-US" sz="1600" dirty="0">
+                <a:solidFill>
+                  <a:srgbClr val="0000FF"/>
+                </a:solidFill>
+                <a:latin typeface="Consolas" panose="020B0609020204030204" pitchFamily="49" charset="0"/>
+              </a:rPr>
+              <a:t>public</a:t>
+            </a:r>
+            <a:r>
+              <a:rPr lang="en-US" sz="1600" dirty="0">
+                <a:latin typeface="Consolas" panose="020B0609020204030204" pitchFamily="49" charset="0"/>
+              </a:rPr>
+              <a:t> </a:t>
+            </a:r>
+            <a:r>
+              <a:rPr lang="en-US" sz="1600" dirty="0">
+                <a:solidFill>
+                  <a:srgbClr val="C00000"/>
+                </a:solidFill>
+                <a:latin typeface="Consolas" panose="020B0609020204030204" pitchFamily="49" charset="0"/>
+              </a:rPr>
+              <a:t>void</a:t>
+            </a:r>
+            <a:r>
+              <a:rPr lang="en-US" sz="1600" dirty="0">
+                <a:latin typeface="Consolas" panose="020B0609020204030204" pitchFamily="49" charset="0"/>
+              </a:rPr>
+              <a:t> stop() { … }</a:t>
+            </a:r>
+          </a:p>
+          <a:p>
+            <a:pPr marL="0" indent="0">
+              <a:buNone/>
+            </a:pPr>
+            <a:r>
+              <a:rPr lang="en-US" sz="1600" dirty="0">
+                <a:latin typeface="Consolas" panose="020B0609020204030204" pitchFamily="49" charset="0"/>
+              </a:rPr>
+              <a:t>    </a:t>
+            </a:r>
+            <a:r>
+              <a:rPr lang="en-US" sz="1600" dirty="0">
+                <a:solidFill>
+                  <a:srgbClr val="0000FF"/>
+                </a:solidFill>
+                <a:latin typeface="Consolas" panose="020B0609020204030204" pitchFamily="49" charset="0"/>
+              </a:rPr>
+              <a:t>public</a:t>
+            </a:r>
+            <a:r>
+              <a:rPr lang="en-US" sz="1600" dirty="0">
+                <a:latin typeface="Consolas" panose="020B0609020204030204" pitchFamily="49" charset="0"/>
+              </a:rPr>
+              <a:t> </a:t>
+            </a:r>
+            <a:r>
+              <a:rPr lang="en-US" sz="1600" dirty="0">
+                <a:solidFill>
+                  <a:srgbClr val="C00000"/>
+                </a:solidFill>
+                <a:latin typeface="Consolas" panose="020B0609020204030204" pitchFamily="49" charset="0"/>
+              </a:rPr>
+              <a:t>void</a:t>
+            </a:r>
+            <a:r>
+              <a:rPr lang="en-US" sz="1600" dirty="0">
+                <a:latin typeface="Consolas" panose="020B0609020204030204" pitchFamily="49" charset="0"/>
+              </a:rPr>
+              <a:t> accelerate() { … }</a:t>
+            </a:r>
+          </a:p>
+          <a:p>
+            <a:pPr marL="0" indent="0">
+              <a:buNone/>
+            </a:pPr>
+            <a:r>
+              <a:rPr lang="en-US" sz="1600" dirty="0">
+                <a:latin typeface="Consolas" panose="020B0609020204030204" pitchFamily="49" charset="0"/>
+              </a:rPr>
+              <a:t>    </a:t>
+            </a:r>
+            <a:r>
+              <a:rPr lang="en-US" sz="1600" dirty="0">
+                <a:solidFill>
+                  <a:srgbClr val="0000FF"/>
+                </a:solidFill>
+                <a:latin typeface="Consolas" panose="020B0609020204030204" pitchFamily="49" charset="0"/>
+              </a:rPr>
+              <a:t>public</a:t>
+            </a:r>
+            <a:r>
+              <a:rPr lang="en-US" sz="1600" dirty="0">
+                <a:latin typeface="Consolas" panose="020B0609020204030204" pitchFamily="49" charset="0"/>
+              </a:rPr>
+              <a:t> </a:t>
+            </a:r>
+            <a:r>
+              <a:rPr lang="en-US" sz="1600" dirty="0">
+                <a:solidFill>
+                  <a:srgbClr val="C00000"/>
+                </a:solidFill>
+                <a:latin typeface="Consolas" panose="020B0609020204030204" pitchFamily="49" charset="0"/>
+              </a:rPr>
+              <a:t>void</a:t>
+            </a:r>
+            <a:r>
+              <a:rPr lang="en-US" sz="1600" dirty="0">
+                <a:latin typeface="Consolas" panose="020B0609020204030204" pitchFamily="49" charset="0"/>
+              </a:rPr>
+              <a:t> brake() { … }</a:t>
+            </a:r>
+          </a:p>
+          <a:p>
+            <a:pPr marL="0" indent="0">
+              <a:buNone/>
+            </a:pPr>
+            <a:r>
+              <a:rPr lang="en-US" sz="1600" dirty="0">
+                <a:latin typeface="Consolas" panose="020B0609020204030204" pitchFamily="49" charset="0"/>
+              </a:rPr>
+              <a:t>}</a:t>
+            </a:r>
+          </a:p>
+          <a:p>
+            <a:pPr marL="0" indent="0">
+              <a:buNone/>
+            </a:pPr>
+            <a:r>
+              <a:rPr lang="en-US" sz="1600" dirty="0">
+                <a:solidFill>
+                  <a:srgbClr val="0000FF"/>
+                </a:solidFill>
+                <a:latin typeface="Consolas" panose="020B0609020204030204" pitchFamily="49" charset="0"/>
+              </a:rPr>
+              <a:t>public</a:t>
+            </a:r>
+            <a:r>
+              <a:rPr lang="en-US" sz="1600" dirty="0">
+                <a:latin typeface="Consolas" panose="020B0609020204030204" pitchFamily="49" charset="0"/>
+              </a:rPr>
+              <a:t> </a:t>
+            </a:r>
+            <a:r>
+              <a:rPr lang="en-US" sz="1600" dirty="0">
+                <a:solidFill>
+                  <a:srgbClr val="C00000"/>
+                </a:solidFill>
+                <a:latin typeface="Consolas" panose="020B0609020204030204" pitchFamily="49" charset="0"/>
+              </a:rPr>
+              <a:t>class</a:t>
+            </a:r>
+            <a:r>
+              <a:rPr lang="en-US" sz="1600" dirty="0">
+                <a:latin typeface="Consolas" panose="020B0609020204030204" pitchFamily="49" charset="0"/>
+              </a:rPr>
+              <a:t> </a:t>
+            </a:r>
+            <a:r>
+              <a:rPr lang="en-US" sz="1600" dirty="0" err="1">
+                <a:latin typeface="Consolas" panose="020B0609020204030204" pitchFamily="49" charset="0"/>
+              </a:rPr>
+              <a:t>MyApplication</a:t>
+            </a:r>
+            <a:r>
+              <a:rPr lang="en-US" sz="1600" dirty="0">
+                <a:latin typeface="Consolas" panose="020B0609020204030204" pitchFamily="49" charset="0"/>
+              </a:rPr>
+              <a:t> {</a:t>
+            </a:r>
+          </a:p>
+          <a:p>
+            <a:pPr marL="0" indent="0">
+              <a:buNone/>
+            </a:pPr>
+            <a:r>
+              <a:rPr lang="en-US" sz="1600" dirty="0">
+                <a:latin typeface="Consolas" panose="020B0609020204030204" pitchFamily="49" charset="0"/>
+              </a:rPr>
+              <a:t>    </a:t>
+            </a:r>
+            <a:r>
+              <a:rPr lang="en-US" sz="1600" dirty="0">
+                <a:solidFill>
+                  <a:srgbClr val="0000FF"/>
+                </a:solidFill>
+                <a:latin typeface="Consolas" panose="020B0609020204030204" pitchFamily="49" charset="0"/>
+              </a:rPr>
+              <a:t>public</a:t>
+            </a:r>
+            <a:r>
+              <a:rPr lang="en-US" sz="1600" dirty="0">
+                <a:latin typeface="Consolas" panose="020B0609020204030204" pitchFamily="49" charset="0"/>
+              </a:rPr>
+              <a:t> </a:t>
+            </a:r>
+            <a:r>
+              <a:rPr lang="en-US" sz="1600" dirty="0">
+                <a:solidFill>
+                  <a:srgbClr val="C00000"/>
+                </a:solidFill>
+                <a:latin typeface="Consolas" panose="020B0609020204030204" pitchFamily="49" charset="0"/>
+              </a:rPr>
+              <a:t>static</a:t>
+            </a:r>
+            <a:r>
+              <a:rPr lang="en-US" sz="1600" dirty="0">
+                <a:latin typeface="Consolas" panose="020B0609020204030204" pitchFamily="49" charset="0"/>
+              </a:rPr>
+              <a:t> </a:t>
+            </a:r>
+            <a:r>
+              <a:rPr lang="en-US" sz="1600" dirty="0">
+                <a:solidFill>
+                  <a:srgbClr val="C00000"/>
+                </a:solidFill>
+                <a:latin typeface="Consolas" panose="020B0609020204030204" pitchFamily="49" charset="0"/>
+              </a:rPr>
+              <a:t>void</a:t>
+            </a:r>
+            <a:r>
+              <a:rPr lang="en-US" sz="1600" dirty="0">
+                <a:latin typeface="Consolas" panose="020B0609020204030204" pitchFamily="49" charset="0"/>
+              </a:rPr>
+              <a:t> main(</a:t>
+            </a:r>
+            <a:r>
+              <a:rPr lang="en-US" sz="1600" dirty="0">
+                <a:solidFill>
+                  <a:srgbClr val="C00000"/>
+                </a:solidFill>
+                <a:latin typeface="Consolas" panose="020B0609020204030204" pitchFamily="49" charset="0"/>
+              </a:rPr>
+              <a:t>String[]</a:t>
+            </a:r>
+            <a:r>
+              <a:rPr lang="en-US" sz="1600" dirty="0">
+                <a:latin typeface="Consolas" panose="020B0609020204030204" pitchFamily="49" charset="0"/>
+              </a:rPr>
+              <a:t> </a:t>
+            </a:r>
+            <a:r>
+              <a:rPr lang="en-US" sz="1600" dirty="0" err="1">
+                <a:latin typeface="Consolas" panose="020B0609020204030204" pitchFamily="49" charset="0"/>
+              </a:rPr>
+              <a:t>args</a:t>
+            </a:r>
+            <a:r>
+              <a:rPr lang="en-US" sz="1600" dirty="0">
+                <a:latin typeface="Consolas" panose="020B0609020204030204" pitchFamily="49" charset="0"/>
+              </a:rPr>
+              <a:t>) {</a:t>
+            </a:r>
+          </a:p>
+          <a:p>
+            <a:pPr marL="0" indent="0">
+              <a:buNone/>
+            </a:pPr>
+            <a:r>
+              <a:rPr lang="en-US" sz="1600" dirty="0">
+                <a:latin typeface="Consolas" panose="020B0609020204030204" pitchFamily="49" charset="0"/>
+              </a:rPr>
+              <a:t>       Car </a:t>
+            </a:r>
+            <a:r>
+              <a:rPr lang="en-US" sz="1600" dirty="0" err="1">
+                <a:latin typeface="Consolas" panose="020B0609020204030204" pitchFamily="49" charset="0"/>
+              </a:rPr>
+              <a:t>car</a:t>
+            </a:r>
+            <a:r>
+              <a:rPr lang="en-US" sz="1600" dirty="0">
+                <a:latin typeface="Consolas" panose="020B0609020204030204" pitchFamily="49" charset="0"/>
+              </a:rPr>
+              <a:t> = new Car();</a:t>
+            </a:r>
+          </a:p>
+          <a:p>
+            <a:pPr marL="0" indent="0">
+              <a:buNone/>
+            </a:pPr>
+            <a:r>
+              <a:rPr lang="en-US" sz="1600" dirty="0">
+                <a:latin typeface="Consolas" panose="020B0609020204030204" pitchFamily="49" charset="0"/>
+              </a:rPr>
+              <a:t>    }</a:t>
+            </a:r>
+            <a:br>
+              <a:rPr lang="en-US" sz="1600" dirty="0">
+                <a:latin typeface="Consolas" panose="020B0609020204030204" pitchFamily="49" charset="0"/>
+              </a:rPr>
+            </a:br>
+            <a:r>
+              <a:rPr lang="en-US" sz="1600" dirty="0">
+                <a:latin typeface="Consolas" panose="020B0609020204030204" pitchFamily="49" charset="0"/>
+              </a:rPr>
+              <a:t>}</a:t>
+            </a:r>
+          </a:p>
+        </p:txBody>
+      </p:sp>
+    </p:spTree>
+    <p:extLst>
+      <p:ext uri="{BB962C8B-B14F-4D97-AF65-F5344CB8AC3E}">
+        <p14:creationId xmlns:p14="http://schemas.microsoft.com/office/powerpoint/2010/main" val="124630599"/>
+      </p:ext>
+    </p:extLst>
+  </p:cSld>
+  <p:clrMapOvr>
+    <a:masterClrMapping/>
+  </p:clrMapOvr>
+</p:sld>
+</file>
+
+<file path=ppt/slides/slide40.xml><?xml version="1.0" encoding="utf-8"?>
 <p:sld xmlns:a="http://schemas.openxmlformats.org/drawingml/2006/main" xmlns:r="http://schemas.openxmlformats.org/officeDocument/2006/relationships" xmlns:p="http://schemas.openxmlformats.org/presentationml/2006/main">
   <p:cSld>
     <p:spTree>
@@ -30084,7 +30171,7 @@
 </p:sld>
 </file>
 
-<file path=ppt/slides/slide43.xml><?xml version="1.0" encoding="utf-8"?>
+<file path=ppt/slides/slide41.xml><?xml version="1.0" encoding="utf-8"?>
 <p:sld xmlns:a="http://schemas.openxmlformats.org/drawingml/2006/main" xmlns:r="http://schemas.openxmlformats.org/officeDocument/2006/relationships" xmlns:p="http://schemas.openxmlformats.org/presentationml/2006/main">
   <p:cSld>
     <p:spTree>
@@ -30226,7 +30313,7 @@
 </p:sld>
 </file>
 
-<file path=ppt/slides/slide44.xml><?xml version="1.0" encoding="utf-8"?>
+<file path=ppt/slides/slide42.xml><?xml version="1.0" encoding="utf-8"?>
 <p:sld xmlns:a="http://schemas.openxmlformats.org/drawingml/2006/main" xmlns:r="http://schemas.openxmlformats.org/officeDocument/2006/relationships" xmlns:p="http://schemas.openxmlformats.org/presentationml/2006/main">
   <p:cSld>
     <p:spTree>
@@ -30364,7 +30451,7 @@
 </p:sld>
 </file>
 
-<file path=ppt/slides/slide45.xml><?xml version="1.0" encoding="utf-8"?>
+<file path=ppt/slides/slide43.xml><?xml version="1.0" encoding="utf-8"?>
 <p:sld xmlns:a="http://schemas.openxmlformats.org/drawingml/2006/main" xmlns:r="http://schemas.openxmlformats.org/officeDocument/2006/relationships" xmlns:p="http://schemas.openxmlformats.org/presentationml/2006/main">
   <p:cSld>
     <p:spTree>
@@ -30584,7 +30671,7 @@
 </p:sld>
 </file>
 
-<file path=ppt/slides/slide46.xml><?xml version="1.0" encoding="utf-8"?>
+<file path=ppt/slides/slide44.xml><?xml version="1.0" encoding="utf-8"?>
 <p:sld xmlns:a="http://schemas.openxmlformats.org/drawingml/2006/main" xmlns:r="http://schemas.openxmlformats.org/officeDocument/2006/relationships" xmlns:p="http://schemas.openxmlformats.org/presentationml/2006/main">
   <p:cSld>
     <p:spTree>
@@ -30781,7 +30868,7 @@
 </p:sld>
 </file>
 
-<file path=ppt/slides/slide47.xml><?xml version="1.0" encoding="utf-8"?>
+<file path=ppt/slides/slide45.xml><?xml version="1.0" encoding="utf-8"?>
 <p:sld xmlns:a="http://schemas.openxmlformats.org/drawingml/2006/main" xmlns:r="http://schemas.openxmlformats.org/officeDocument/2006/relationships" xmlns:p="http://schemas.openxmlformats.org/presentationml/2006/main">
   <p:cSld>
     <p:spTree>
@@ -31499,7 +31586,7 @@
 </p:sld>
 </file>
 
-<file path=ppt/slides/slide48.xml><?xml version="1.0" encoding="utf-8"?>
+<file path=ppt/slides/slide46.xml><?xml version="1.0" encoding="utf-8"?>
 <p:sld xmlns:a="http://schemas.openxmlformats.org/drawingml/2006/main" xmlns:r="http://schemas.openxmlformats.org/officeDocument/2006/relationships" xmlns:p="http://schemas.openxmlformats.org/presentationml/2006/main">
   <p:cSld>
     <p:spTree>
@@ -32428,7 +32515,7 @@
 </p:sld>
 </file>
 
-<file path=ppt/slides/slide49.xml><?xml version="1.0" encoding="utf-8"?>
+<file path=ppt/slides/slide47.xml><?xml version="1.0" encoding="utf-8"?>
 <p:sld xmlns:a="http://schemas.openxmlformats.org/drawingml/2006/main" xmlns:r="http://schemas.openxmlformats.org/officeDocument/2006/relationships" xmlns:p="http://schemas.openxmlformats.org/presentationml/2006/main">
   <p:cSld>
     <p:spTree>
@@ -33306,883 +33393,7 @@
 </p:sld>
 </file>
 
-<file path=ppt/slides/slide5.xml><?xml version="1.0" encoding="utf-8"?>
-<p:sld xmlns:a="http://schemas.openxmlformats.org/drawingml/2006/main" xmlns:r="http://schemas.openxmlformats.org/officeDocument/2006/relationships" xmlns:p="http://schemas.openxmlformats.org/presentationml/2006/main">
-  <p:cSld>
-    <p:spTree>
-      <p:nvGrpSpPr>
-        <p:cNvPr id="1" name=""/>
-        <p:cNvGrpSpPr/>
-        <p:nvPr/>
-      </p:nvGrpSpPr>
-      <p:grpSpPr>
-        <a:xfrm>
-          <a:off x="0" y="0"/>
-          <a:ext cx="0" cy="0"/>
-          <a:chOff x="0" y="0"/>
-          <a:chExt cx="0" cy="0"/>
-        </a:xfrm>
-      </p:grpSpPr>
-      <p:sp>
-        <p:nvSpPr>
-          <p:cNvPr id="2" name="Content Placeholder 1">
-            <a:extLst>
-              <a:ext uri="{FF2B5EF4-FFF2-40B4-BE49-F238E27FC236}">
-                <a16:creationId xmlns:a16="http://schemas.microsoft.com/office/drawing/2014/main" id="{74ED2879-EBA8-E55D-08E1-784B8E6B1F66}"/>
-              </a:ext>
-            </a:extLst>
-          </p:cNvPr>
-          <p:cNvSpPr>
-            <a:spLocks noGrp="1"/>
-          </p:cNvSpPr>
-          <p:nvPr>
-            <p:ph idx="1"/>
-          </p:nvPr>
-        </p:nvSpPr>
-        <p:spPr>
-          <a:xfrm>
-            <a:off x="360607" y="785004"/>
-            <a:ext cx="5735393" cy="5046453"/>
-          </a:xfrm>
-        </p:spPr>
-        <p:txBody>
-          <a:bodyPr>
-            <a:normAutofit fontScale="92500" lnSpcReduction="20000"/>
-          </a:bodyPr>
-          <a:lstStyle/>
-          <a:p>
-            <a:r>
-              <a:rPr lang="en-US" dirty="0"/>
-              <a:t>Java is an object-oriented programming language</a:t>
-            </a:r>
-          </a:p>
-          <a:p>
-            <a:pPr lvl="1"/>
-            <a:r>
-              <a:rPr lang="en-US" i="1" dirty="0"/>
-              <a:t>Everything </a:t>
-            </a:r>
-            <a:r>
-              <a:rPr lang="en-US" dirty="0"/>
-              <a:t>is an object</a:t>
-            </a:r>
-            <a:br>
-              <a:rPr lang="en-US" dirty="0"/>
-            </a:br>
-            <a:endParaRPr lang="en-US" dirty="0"/>
-          </a:p>
-          <a:p>
-            <a:r>
-              <a:rPr lang="en-US" dirty="0"/>
-              <a:t>A class is a blueprint for creating objects</a:t>
-            </a:r>
-          </a:p>
-          <a:p>
-            <a:pPr lvl="1"/>
-            <a:r>
-              <a:rPr lang="en-US" dirty="0"/>
-              <a:t>Defines properties (fields) and behaviors (methods)</a:t>
-            </a:r>
-            <a:br>
-              <a:rPr lang="en-US" dirty="0"/>
-            </a:br>
-            <a:endParaRPr lang="en-US" dirty="0"/>
-          </a:p>
-          <a:p>
-            <a:r>
-              <a:rPr lang="en-US" dirty="0"/>
-              <a:t>An object is an instance of a class</a:t>
-            </a:r>
-            <a:br>
-              <a:rPr lang="en-US" dirty="0"/>
-            </a:br>
-            <a:endParaRPr lang="en-US" dirty="0"/>
-          </a:p>
-          <a:p>
-            <a:endParaRPr lang="en-US" dirty="0"/>
-          </a:p>
-        </p:txBody>
-      </p:sp>
-      <p:sp>
-        <p:nvSpPr>
-          <p:cNvPr id="3" name="Title 2">
-            <a:extLst>
-              <a:ext uri="{FF2B5EF4-FFF2-40B4-BE49-F238E27FC236}">
-                <a16:creationId xmlns:a16="http://schemas.microsoft.com/office/drawing/2014/main" id="{5EBF28F7-F706-2FB6-90F5-C0BEFF8D4F0E}"/>
-              </a:ext>
-            </a:extLst>
-          </p:cNvPr>
-          <p:cNvSpPr>
-            <a:spLocks noGrp="1"/>
-          </p:cNvSpPr>
-          <p:nvPr>
-            <p:ph type="title"/>
-          </p:nvPr>
-        </p:nvSpPr>
-        <p:spPr/>
-        <p:txBody>
-          <a:bodyPr/>
-          <a:lstStyle/>
-          <a:p>
-            <a:r>
-              <a:rPr lang="en-US"/>
-              <a:t>Java, an object-oriented language</a:t>
-            </a:r>
-            <a:endParaRPr lang="en-US" dirty="0"/>
-          </a:p>
-        </p:txBody>
-      </p:sp>
-      <p:sp>
-        <p:nvSpPr>
-          <p:cNvPr id="4" name="Subtitle 3">
-            <a:extLst>
-              <a:ext uri="{FF2B5EF4-FFF2-40B4-BE49-F238E27FC236}">
-                <a16:creationId xmlns:a16="http://schemas.microsoft.com/office/drawing/2014/main" id="{7F05DDDF-4963-E234-2DF0-001CC0C3C1D1}"/>
-              </a:ext>
-            </a:extLst>
-          </p:cNvPr>
-          <p:cNvSpPr>
-            <a:spLocks noGrp="1"/>
-          </p:cNvSpPr>
-          <p:nvPr>
-            <p:ph type="subTitle" idx="13"/>
-          </p:nvPr>
-        </p:nvSpPr>
-        <p:spPr/>
-        <p:txBody>
-          <a:bodyPr/>
-          <a:lstStyle/>
-          <a:p>
-            <a:endParaRPr lang="en-US"/>
-          </a:p>
-        </p:txBody>
-      </p:sp>
-      <p:sp>
-        <p:nvSpPr>
-          <p:cNvPr id="5" name="Content Placeholder 1">
-            <a:extLst>
-              <a:ext uri="{FF2B5EF4-FFF2-40B4-BE49-F238E27FC236}">
-                <a16:creationId xmlns:a16="http://schemas.microsoft.com/office/drawing/2014/main" id="{EAC9A1E9-4470-48A9-38E7-93BCE7624011}"/>
-              </a:ext>
-            </a:extLst>
-          </p:cNvPr>
-          <p:cNvSpPr txBox="1">
-            <a:spLocks/>
-          </p:cNvSpPr>
-          <p:nvPr/>
-        </p:nvSpPr>
-        <p:spPr>
-          <a:xfrm>
-            <a:off x="6304207" y="785003"/>
-            <a:ext cx="5735393" cy="5166497"/>
-          </a:xfrm>
-          <a:prstGeom prst="rect">
-            <a:avLst/>
-          </a:prstGeom>
-        </p:spPr>
-        <p:txBody>
-          <a:bodyPr vert="horz" lIns="91440" tIns="45720" rIns="91440" bIns="45720" rtlCol="0">
-            <a:noAutofit/>
-          </a:bodyPr>
-          <a:lstStyle>
-            <a:lvl1pPr marL="228600" indent="-228600" algn="l" defTabSz="914400" rtl="0" eaLnBrk="1" latinLnBrk="0" hangingPunct="1">
-              <a:lnSpc>
-                <a:spcPct val="90000"/>
-              </a:lnSpc>
-              <a:spcBef>
-                <a:spcPts val="1000"/>
-              </a:spcBef>
-              <a:buFont typeface="Arial" panose="020B0604020202020204" pitchFamily="34" charset="0"/>
-              <a:buChar char="•"/>
-              <a:defRPr sz="2800" kern="1200">
-                <a:solidFill>
-                  <a:schemeClr val="tx1"/>
-                </a:solidFill>
-                <a:latin typeface="+mn-lt"/>
-                <a:ea typeface="+mn-ea"/>
-                <a:cs typeface="Arial" panose="020B0604020202020204" pitchFamily="34" charset="0"/>
-              </a:defRPr>
-            </a:lvl1pPr>
-            <a:lvl2pPr marL="685800" indent="-228600" algn="l" defTabSz="914400" rtl="0" eaLnBrk="1" latinLnBrk="0" hangingPunct="1">
-              <a:lnSpc>
-                <a:spcPct val="90000"/>
-              </a:lnSpc>
-              <a:spcBef>
-                <a:spcPts val="500"/>
-              </a:spcBef>
-              <a:buFont typeface="Arial" panose="020B0604020202020204" pitchFamily="34" charset="0"/>
-              <a:buChar char="•"/>
-              <a:defRPr sz="2400" kern="1200">
-                <a:solidFill>
-                  <a:schemeClr val="tx1"/>
-                </a:solidFill>
-                <a:latin typeface="+mn-lt"/>
-                <a:ea typeface="+mn-ea"/>
-                <a:cs typeface="Arial" panose="020B0604020202020204" pitchFamily="34" charset="0"/>
-              </a:defRPr>
-            </a:lvl2pPr>
-            <a:lvl3pPr marL="1143000" indent="-228600" algn="l" defTabSz="914400" rtl="0" eaLnBrk="1" latinLnBrk="0" hangingPunct="1">
-              <a:lnSpc>
-                <a:spcPct val="90000"/>
-              </a:lnSpc>
-              <a:spcBef>
-                <a:spcPts val="500"/>
-              </a:spcBef>
-              <a:buFont typeface="Arial" panose="020B0604020202020204" pitchFamily="34" charset="0"/>
-              <a:buChar char="•"/>
-              <a:defRPr sz="2000" kern="1200">
-                <a:solidFill>
-                  <a:schemeClr val="tx1"/>
-                </a:solidFill>
-                <a:latin typeface="+mn-lt"/>
-                <a:ea typeface="+mn-ea"/>
-                <a:cs typeface="Arial" panose="020B0604020202020204" pitchFamily="34" charset="0"/>
-              </a:defRPr>
-            </a:lvl3pPr>
-            <a:lvl4pPr marL="1600200" indent="-228600" algn="l" defTabSz="914400" rtl="0" eaLnBrk="1" latinLnBrk="0" hangingPunct="1">
-              <a:lnSpc>
-                <a:spcPct val="90000"/>
-              </a:lnSpc>
-              <a:spcBef>
-                <a:spcPts val="500"/>
-              </a:spcBef>
-              <a:buFont typeface="Arial" panose="020B0604020202020204" pitchFamily="34" charset="0"/>
-              <a:buChar char="•"/>
-              <a:defRPr sz="1800" kern="1200">
-                <a:solidFill>
-                  <a:schemeClr val="tx1"/>
-                </a:solidFill>
-                <a:latin typeface="+mn-lt"/>
-                <a:ea typeface="+mn-ea"/>
-                <a:cs typeface="Arial" panose="020B0604020202020204" pitchFamily="34" charset="0"/>
-              </a:defRPr>
-            </a:lvl4pPr>
-            <a:lvl5pPr marL="2057400" indent="-228600" algn="l" defTabSz="914400" rtl="0" eaLnBrk="1" latinLnBrk="0" hangingPunct="1">
-              <a:lnSpc>
-                <a:spcPct val="90000"/>
-              </a:lnSpc>
-              <a:spcBef>
-                <a:spcPts val="500"/>
-              </a:spcBef>
-              <a:buFont typeface="Arial" panose="020B0604020202020204" pitchFamily="34" charset="0"/>
-              <a:buChar char="•"/>
-              <a:defRPr sz="1800" kern="1200">
-                <a:solidFill>
-                  <a:schemeClr val="tx1"/>
-                </a:solidFill>
-                <a:latin typeface="+mn-lt"/>
-                <a:ea typeface="+mn-ea"/>
-                <a:cs typeface="Arial" panose="020B0604020202020204" pitchFamily="34" charset="0"/>
-              </a:defRPr>
-            </a:lvl5pPr>
-            <a:lvl6pPr marL="2514600" indent="-228600" algn="l" defTabSz="914400" rtl="0" eaLnBrk="1" latinLnBrk="0" hangingPunct="1">
-              <a:lnSpc>
-                <a:spcPct val="90000"/>
-              </a:lnSpc>
-              <a:spcBef>
-                <a:spcPts val="500"/>
-              </a:spcBef>
-              <a:buFont typeface="Arial" panose="020B0604020202020204" pitchFamily="34" charset="0"/>
-              <a:buChar char="•"/>
-              <a:defRPr sz="1800" kern="1200">
-                <a:solidFill>
-                  <a:schemeClr val="tx1"/>
-                </a:solidFill>
-                <a:latin typeface="+mn-lt"/>
-                <a:ea typeface="+mn-ea"/>
-                <a:cs typeface="+mn-cs"/>
-              </a:defRPr>
-            </a:lvl6pPr>
-            <a:lvl7pPr marL="2971800" indent="-228600" algn="l" defTabSz="914400" rtl="0" eaLnBrk="1" latinLnBrk="0" hangingPunct="1">
-              <a:lnSpc>
-                <a:spcPct val="90000"/>
-              </a:lnSpc>
-              <a:spcBef>
-                <a:spcPts val="500"/>
-              </a:spcBef>
-              <a:buFont typeface="Arial" panose="020B0604020202020204" pitchFamily="34" charset="0"/>
-              <a:buChar char="•"/>
-              <a:defRPr sz="1800" kern="1200">
-                <a:solidFill>
-                  <a:schemeClr val="tx1"/>
-                </a:solidFill>
-                <a:latin typeface="+mn-lt"/>
-                <a:ea typeface="+mn-ea"/>
-                <a:cs typeface="+mn-cs"/>
-              </a:defRPr>
-            </a:lvl7pPr>
-            <a:lvl8pPr marL="3429000" indent="-228600" algn="l" defTabSz="914400" rtl="0" eaLnBrk="1" latinLnBrk="0" hangingPunct="1">
-              <a:lnSpc>
-                <a:spcPct val="90000"/>
-              </a:lnSpc>
-              <a:spcBef>
-                <a:spcPts val="500"/>
-              </a:spcBef>
-              <a:buFont typeface="Arial" panose="020B0604020202020204" pitchFamily="34" charset="0"/>
-              <a:buChar char="•"/>
-              <a:defRPr sz="1800" kern="1200">
-                <a:solidFill>
-                  <a:schemeClr val="tx1"/>
-                </a:solidFill>
-                <a:latin typeface="+mn-lt"/>
-                <a:ea typeface="+mn-ea"/>
-                <a:cs typeface="+mn-cs"/>
-              </a:defRPr>
-            </a:lvl8pPr>
-            <a:lvl9pPr marL="3886200" indent="-228600" algn="l" defTabSz="914400" rtl="0" eaLnBrk="1" latinLnBrk="0" hangingPunct="1">
-              <a:lnSpc>
-                <a:spcPct val="90000"/>
-              </a:lnSpc>
-              <a:spcBef>
-                <a:spcPts val="500"/>
-              </a:spcBef>
-              <a:buFont typeface="Arial" panose="020B0604020202020204" pitchFamily="34" charset="0"/>
-              <a:buChar char="•"/>
-              <a:defRPr sz="1800" kern="1200">
-                <a:solidFill>
-                  <a:schemeClr val="tx1"/>
-                </a:solidFill>
-                <a:latin typeface="+mn-lt"/>
-                <a:ea typeface="+mn-ea"/>
-                <a:cs typeface="+mn-cs"/>
-              </a:defRPr>
-            </a:lvl9pPr>
-          </a:lstStyle>
-          <a:p>
-            <a:pPr marL="0" indent="0">
-              <a:buNone/>
-            </a:pPr>
-            <a:r>
-              <a:rPr lang="en-US" sz="1600" dirty="0">
-                <a:solidFill>
-                  <a:srgbClr val="0000FF"/>
-                </a:solidFill>
-                <a:latin typeface="Consolas" panose="020B0609020204030204" pitchFamily="49" charset="0"/>
-              </a:rPr>
-              <a:t>public</a:t>
-            </a:r>
-            <a:r>
-              <a:rPr lang="en-US" sz="1600" dirty="0">
-                <a:latin typeface="Consolas" panose="020B0609020204030204" pitchFamily="49" charset="0"/>
-              </a:rPr>
-              <a:t> </a:t>
-            </a:r>
-            <a:r>
-              <a:rPr lang="en-US" sz="1600" dirty="0">
-                <a:solidFill>
-                  <a:srgbClr val="C00000"/>
-                </a:solidFill>
-                <a:latin typeface="Consolas" panose="020B0609020204030204" pitchFamily="49" charset="0"/>
-              </a:rPr>
-              <a:t>class</a:t>
-            </a:r>
-            <a:r>
-              <a:rPr lang="en-US" sz="1600" dirty="0">
-                <a:latin typeface="Consolas" panose="020B0609020204030204" pitchFamily="49" charset="0"/>
-              </a:rPr>
-              <a:t> Car {</a:t>
-            </a:r>
-          </a:p>
-          <a:p>
-            <a:pPr marL="0" indent="0">
-              <a:buNone/>
-            </a:pPr>
-            <a:r>
-              <a:rPr lang="en-US" sz="1600" dirty="0">
-                <a:latin typeface="Consolas" panose="020B0609020204030204" pitchFamily="49" charset="0"/>
-              </a:rPr>
-              <a:t>    </a:t>
-            </a:r>
-            <a:r>
-              <a:rPr lang="en-US" sz="1600" dirty="0">
-                <a:solidFill>
-                  <a:srgbClr val="0000FF"/>
-                </a:solidFill>
-                <a:latin typeface="Consolas" panose="020B0609020204030204" pitchFamily="49" charset="0"/>
-              </a:rPr>
-              <a:t>private</a:t>
-            </a:r>
-            <a:r>
-              <a:rPr lang="en-US" sz="1600" dirty="0">
-                <a:latin typeface="Consolas" panose="020B0609020204030204" pitchFamily="49" charset="0"/>
-              </a:rPr>
-              <a:t> </a:t>
-            </a:r>
-            <a:r>
-              <a:rPr lang="en-US" sz="1600" dirty="0">
-                <a:solidFill>
-                  <a:srgbClr val="C00000"/>
-                </a:solidFill>
-                <a:latin typeface="Consolas" panose="020B0609020204030204" pitchFamily="49" charset="0"/>
-              </a:rPr>
-              <a:t>String</a:t>
-            </a:r>
-            <a:r>
-              <a:rPr lang="en-US" sz="1600" dirty="0">
-                <a:latin typeface="Consolas" panose="020B0609020204030204" pitchFamily="49" charset="0"/>
-              </a:rPr>
-              <a:t> model;</a:t>
-            </a:r>
-          </a:p>
-          <a:p>
-            <a:pPr marL="0" indent="0">
-              <a:buNone/>
-            </a:pPr>
-            <a:r>
-              <a:rPr lang="en-US" sz="1600" dirty="0">
-                <a:latin typeface="Consolas" panose="020B0609020204030204" pitchFamily="49" charset="0"/>
-              </a:rPr>
-              <a:t>    </a:t>
-            </a:r>
-            <a:r>
-              <a:rPr lang="en-US" sz="1600" dirty="0">
-                <a:solidFill>
-                  <a:srgbClr val="0000FF"/>
-                </a:solidFill>
-                <a:latin typeface="Consolas" panose="020B0609020204030204" pitchFamily="49" charset="0"/>
-              </a:rPr>
-              <a:t>private</a:t>
-            </a:r>
-            <a:r>
-              <a:rPr lang="en-US" sz="1600" dirty="0">
-                <a:latin typeface="Consolas" panose="020B0609020204030204" pitchFamily="49" charset="0"/>
-              </a:rPr>
-              <a:t> </a:t>
-            </a:r>
-            <a:r>
-              <a:rPr lang="en-US" sz="1600" dirty="0">
-                <a:solidFill>
-                  <a:srgbClr val="C00000"/>
-                </a:solidFill>
-                <a:latin typeface="Consolas" panose="020B0609020204030204" pitchFamily="49" charset="0"/>
-              </a:rPr>
-              <a:t>int</a:t>
-            </a:r>
-            <a:r>
-              <a:rPr lang="en-US" sz="1600" dirty="0">
-                <a:latin typeface="Consolas" panose="020B0609020204030204" pitchFamily="49" charset="0"/>
-              </a:rPr>
-              <a:t> year;</a:t>
-            </a:r>
-          </a:p>
-          <a:p>
-            <a:pPr marL="0" indent="0">
-              <a:buNone/>
-            </a:pPr>
-            <a:r>
-              <a:rPr lang="en-US" sz="1600" dirty="0">
-                <a:latin typeface="Consolas" panose="020B0609020204030204" pitchFamily="49" charset="0"/>
-              </a:rPr>
-              <a:t>    </a:t>
-            </a:r>
-            <a:r>
-              <a:rPr lang="en-US" sz="1600" dirty="0">
-                <a:solidFill>
-                  <a:srgbClr val="0000FF"/>
-                </a:solidFill>
-                <a:latin typeface="Consolas" panose="020B0609020204030204" pitchFamily="49" charset="0"/>
-              </a:rPr>
-              <a:t>private</a:t>
-            </a:r>
-            <a:r>
-              <a:rPr lang="en-US" sz="1600" dirty="0">
-                <a:latin typeface="Consolas" panose="020B0609020204030204" pitchFamily="49" charset="0"/>
-              </a:rPr>
-              <a:t> </a:t>
-            </a:r>
-            <a:r>
-              <a:rPr lang="en-US" sz="1600" dirty="0">
-                <a:solidFill>
-                  <a:srgbClr val="C00000"/>
-                </a:solidFill>
-                <a:latin typeface="Consolas" panose="020B0609020204030204" pitchFamily="49" charset="0"/>
-              </a:rPr>
-              <a:t>int</a:t>
-            </a:r>
-            <a:r>
-              <a:rPr lang="en-US" sz="1600" dirty="0">
-                <a:latin typeface="Consolas" panose="020B0609020204030204" pitchFamily="49" charset="0"/>
-              </a:rPr>
-              <a:t> mileage;</a:t>
-            </a:r>
-          </a:p>
-          <a:p>
-            <a:pPr marL="0" indent="0">
-              <a:buNone/>
-            </a:pPr>
-            <a:r>
-              <a:rPr lang="en-US" sz="1600" dirty="0">
-                <a:latin typeface="Consolas" panose="020B0609020204030204" pitchFamily="49" charset="0"/>
-              </a:rPr>
-              <a:t>    </a:t>
-            </a:r>
-          </a:p>
-          <a:p>
-            <a:pPr marL="0" indent="0">
-              <a:buNone/>
-            </a:pPr>
-            <a:r>
-              <a:rPr lang="en-US" sz="1600" dirty="0">
-                <a:latin typeface="Consolas" panose="020B0609020204030204" pitchFamily="49" charset="0"/>
-              </a:rPr>
-              <a:t>    </a:t>
-            </a:r>
-            <a:r>
-              <a:rPr lang="en-US" sz="1600" dirty="0">
-                <a:solidFill>
-                  <a:srgbClr val="0000FF"/>
-                </a:solidFill>
-                <a:latin typeface="Consolas" panose="020B0609020204030204" pitchFamily="49" charset="0"/>
-              </a:rPr>
-              <a:t>public</a:t>
-            </a:r>
-            <a:r>
-              <a:rPr lang="en-US" sz="1600" dirty="0">
-                <a:latin typeface="Consolas" panose="020B0609020204030204" pitchFamily="49" charset="0"/>
-              </a:rPr>
-              <a:t> </a:t>
-            </a:r>
-            <a:r>
-              <a:rPr lang="en-US" sz="1600" dirty="0">
-                <a:solidFill>
-                  <a:srgbClr val="C00000"/>
-                </a:solidFill>
-                <a:latin typeface="Consolas" panose="020B0609020204030204" pitchFamily="49" charset="0"/>
-              </a:rPr>
-              <a:t>void</a:t>
-            </a:r>
-            <a:r>
-              <a:rPr lang="en-US" sz="1600" dirty="0">
-                <a:latin typeface="Consolas" panose="020B0609020204030204" pitchFamily="49" charset="0"/>
-              </a:rPr>
-              <a:t> start() { …}</a:t>
-            </a:r>
-          </a:p>
-          <a:p>
-            <a:pPr marL="0" indent="0">
-              <a:buNone/>
-            </a:pPr>
-            <a:r>
-              <a:rPr lang="en-US" sz="1600" dirty="0">
-                <a:latin typeface="Consolas" panose="020B0609020204030204" pitchFamily="49" charset="0"/>
-              </a:rPr>
-              <a:t>    </a:t>
-            </a:r>
-            <a:r>
-              <a:rPr lang="en-US" sz="1600" dirty="0">
-                <a:solidFill>
-                  <a:srgbClr val="0000FF"/>
-                </a:solidFill>
-                <a:latin typeface="Consolas" panose="020B0609020204030204" pitchFamily="49" charset="0"/>
-              </a:rPr>
-              <a:t>public</a:t>
-            </a:r>
-            <a:r>
-              <a:rPr lang="en-US" sz="1600" dirty="0">
-                <a:latin typeface="Consolas" panose="020B0609020204030204" pitchFamily="49" charset="0"/>
-              </a:rPr>
-              <a:t> </a:t>
-            </a:r>
-            <a:r>
-              <a:rPr lang="en-US" sz="1600" dirty="0">
-                <a:solidFill>
-                  <a:srgbClr val="C00000"/>
-                </a:solidFill>
-                <a:latin typeface="Consolas" panose="020B0609020204030204" pitchFamily="49" charset="0"/>
-              </a:rPr>
-              <a:t>void</a:t>
-            </a:r>
-            <a:r>
-              <a:rPr lang="en-US" sz="1600" dirty="0">
-                <a:latin typeface="Consolas" panose="020B0609020204030204" pitchFamily="49" charset="0"/>
-              </a:rPr>
-              <a:t> stop() { … }</a:t>
-            </a:r>
-          </a:p>
-          <a:p>
-            <a:pPr marL="0" indent="0">
-              <a:buNone/>
-            </a:pPr>
-            <a:r>
-              <a:rPr lang="en-US" sz="1600" dirty="0">
-                <a:latin typeface="Consolas" panose="020B0609020204030204" pitchFamily="49" charset="0"/>
-              </a:rPr>
-              <a:t>    </a:t>
-            </a:r>
-            <a:r>
-              <a:rPr lang="en-US" sz="1600" dirty="0">
-                <a:solidFill>
-                  <a:srgbClr val="0000FF"/>
-                </a:solidFill>
-                <a:latin typeface="Consolas" panose="020B0609020204030204" pitchFamily="49" charset="0"/>
-              </a:rPr>
-              <a:t>public</a:t>
-            </a:r>
-            <a:r>
-              <a:rPr lang="en-US" sz="1600" dirty="0">
-                <a:latin typeface="Consolas" panose="020B0609020204030204" pitchFamily="49" charset="0"/>
-              </a:rPr>
-              <a:t> </a:t>
-            </a:r>
-            <a:r>
-              <a:rPr lang="en-US" sz="1600" dirty="0">
-                <a:solidFill>
-                  <a:srgbClr val="C00000"/>
-                </a:solidFill>
-                <a:latin typeface="Consolas" panose="020B0609020204030204" pitchFamily="49" charset="0"/>
-              </a:rPr>
-              <a:t>void</a:t>
-            </a:r>
-            <a:r>
-              <a:rPr lang="en-US" sz="1600" dirty="0">
-                <a:latin typeface="Consolas" panose="020B0609020204030204" pitchFamily="49" charset="0"/>
-              </a:rPr>
-              <a:t> accelerate() { … }</a:t>
-            </a:r>
-          </a:p>
-          <a:p>
-            <a:pPr marL="0" indent="0">
-              <a:buNone/>
-            </a:pPr>
-            <a:r>
-              <a:rPr lang="en-US" sz="1600" dirty="0">
-                <a:latin typeface="Consolas" panose="020B0609020204030204" pitchFamily="49" charset="0"/>
-              </a:rPr>
-              <a:t>    </a:t>
-            </a:r>
-            <a:r>
-              <a:rPr lang="en-US" sz="1600" dirty="0">
-                <a:solidFill>
-                  <a:srgbClr val="0000FF"/>
-                </a:solidFill>
-                <a:latin typeface="Consolas" panose="020B0609020204030204" pitchFamily="49" charset="0"/>
-              </a:rPr>
-              <a:t>public</a:t>
-            </a:r>
-            <a:r>
-              <a:rPr lang="en-US" sz="1600" dirty="0">
-                <a:latin typeface="Consolas" panose="020B0609020204030204" pitchFamily="49" charset="0"/>
-              </a:rPr>
-              <a:t> </a:t>
-            </a:r>
-            <a:r>
-              <a:rPr lang="en-US" sz="1600" dirty="0">
-                <a:solidFill>
-                  <a:srgbClr val="C00000"/>
-                </a:solidFill>
-                <a:latin typeface="Consolas" panose="020B0609020204030204" pitchFamily="49" charset="0"/>
-              </a:rPr>
-              <a:t>void</a:t>
-            </a:r>
-            <a:r>
-              <a:rPr lang="en-US" sz="1600" dirty="0">
-                <a:latin typeface="Consolas" panose="020B0609020204030204" pitchFamily="49" charset="0"/>
-              </a:rPr>
-              <a:t> brake() { … }</a:t>
-            </a:r>
-          </a:p>
-          <a:p>
-            <a:pPr marL="0" indent="0">
-              <a:buNone/>
-            </a:pPr>
-            <a:r>
-              <a:rPr lang="en-US" sz="1600" dirty="0">
-                <a:latin typeface="Consolas" panose="020B0609020204030204" pitchFamily="49" charset="0"/>
-              </a:rPr>
-              <a:t>}</a:t>
-            </a:r>
-          </a:p>
-          <a:p>
-            <a:pPr marL="0" indent="0">
-              <a:buNone/>
-            </a:pPr>
-            <a:r>
-              <a:rPr lang="en-US" sz="1600" dirty="0">
-                <a:solidFill>
-                  <a:srgbClr val="0000FF"/>
-                </a:solidFill>
-                <a:latin typeface="Consolas" panose="020B0609020204030204" pitchFamily="49" charset="0"/>
-              </a:rPr>
-              <a:t>public</a:t>
-            </a:r>
-            <a:r>
-              <a:rPr lang="en-US" sz="1600" dirty="0">
-                <a:latin typeface="Consolas" panose="020B0609020204030204" pitchFamily="49" charset="0"/>
-              </a:rPr>
-              <a:t> </a:t>
-            </a:r>
-            <a:r>
-              <a:rPr lang="en-US" sz="1600" dirty="0">
-                <a:solidFill>
-                  <a:srgbClr val="C00000"/>
-                </a:solidFill>
-                <a:latin typeface="Consolas" panose="020B0609020204030204" pitchFamily="49" charset="0"/>
-              </a:rPr>
-              <a:t>class</a:t>
-            </a:r>
-            <a:r>
-              <a:rPr lang="en-US" sz="1600" dirty="0">
-                <a:latin typeface="Consolas" panose="020B0609020204030204" pitchFamily="49" charset="0"/>
-              </a:rPr>
-              <a:t> </a:t>
-            </a:r>
-            <a:r>
-              <a:rPr lang="en-US" sz="1600" dirty="0" err="1">
-                <a:latin typeface="Consolas" panose="020B0609020204030204" pitchFamily="49" charset="0"/>
-              </a:rPr>
-              <a:t>MyApplication</a:t>
-            </a:r>
-            <a:r>
-              <a:rPr lang="en-US" sz="1600" dirty="0">
-                <a:latin typeface="Consolas" panose="020B0609020204030204" pitchFamily="49" charset="0"/>
-              </a:rPr>
-              <a:t> {</a:t>
-            </a:r>
-          </a:p>
-          <a:p>
-            <a:pPr marL="0" indent="0">
-              <a:buNone/>
-            </a:pPr>
-            <a:r>
-              <a:rPr lang="en-US" sz="1600" dirty="0">
-                <a:latin typeface="Consolas" panose="020B0609020204030204" pitchFamily="49" charset="0"/>
-              </a:rPr>
-              <a:t>    </a:t>
-            </a:r>
-            <a:r>
-              <a:rPr lang="en-US" sz="1600" dirty="0">
-                <a:solidFill>
-                  <a:srgbClr val="0000FF"/>
-                </a:solidFill>
-                <a:latin typeface="Consolas" panose="020B0609020204030204" pitchFamily="49" charset="0"/>
-              </a:rPr>
-              <a:t>public</a:t>
-            </a:r>
-            <a:r>
-              <a:rPr lang="en-US" sz="1600" dirty="0">
-                <a:latin typeface="Consolas" panose="020B0609020204030204" pitchFamily="49" charset="0"/>
-              </a:rPr>
-              <a:t> </a:t>
-            </a:r>
-            <a:r>
-              <a:rPr lang="en-US" sz="1600" dirty="0">
-                <a:solidFill>
-                  <a:srgbClr val="C00000"/>
-                </a:solidFill>
-                <a:latin typeface="Consolas" panose="020B0609020204030204" pitchFamily="49" charset="0"/>
-              </a:rPr>
-              <a:t>static</a:t>
-            </a:r>
-            <a:r>
-              <a:rPr lang="en-US" sz="1600" dirty="0">
-                <a:latin typeface="Consolas" panose="020B0609020204030204" pitchFamily="49" charset="0"/>
-              </a:rPr>
-              <a:t> </a:t>
-            </a:r>
-            <a:r>
-              <a:rPr lang="en-US" sz="1600" dirty="0">
-                <a:solidFill>
-                  <a:srgbClr val="C00000"/>
-                </a:solidFill>
-                <a:latin typeface="Consolas" panose="020B0609020204030204" pitchFamily="49" charset="0"/>
-              </a:rPr>
-              <a:t>void</a:t>
-            </a:r>
-            <a:r>
-              <a:rPr lang="en-US" sz="1600" dirty="0">
-                <a:latin typeface="Consolas" panose="020B0609020204030204" pitchFamily="49" charset="0"/>
-              </a:rPr>
-              <a:t> main(</a:t>
-            </a:r>
-            <a:r>
-              <a:rPr lang="en-US" sz="1600" dirty="0">
-                <a:solidFill>
-                  <a:srgbClr val="C00000"/>
-                </a:solidFill>
-                <a:latin typeface="Consolas" panose="020B0609020204030204" pitchFamily="49" charset="0"/>
-              </a:rPr>
-              <a:t>String[]</a:t>
-            </a:r>
-            <a:r>
-              <a:rPr lang="en-US" sz="1600" dirty="0">
-                <a:latin typeface="Consolas" panose="020B0609020204030204" pitchFamily="49" charset="0"/>
-              </a:rPr>
-              <a:t> </a:t>
-            </a:r>
-            <a:r>
-              <a:rPr lang="en-US" sz="1600" dirty="0" err="1">
-                <a:latin typeface="Consolas" panose="020B0609020204030204" pitchFamily="49" charset="0"/>
-              </a:rPr>
-              <a:t>args</a:t>
-            </a:r>
-            <a:r>
-              <a:rPr lang="en-US" sz="1600" dirty="0">
-                <a:latin typeface="Consolas" panose="020B0609020204030204" pitchFamily="49" charset="0"/>
-              </a:rPr>
-              <a:t>) {</a:t>
-            </a:r>
-          </a:p>
-          <a:p>
-            <a:pPr marL="0" indent="0">
-              <a:buNone/>
-            </a:pPr>
-            <a:r>
-              <a:rPr lang="en-US" sz="1600" dirty="0">
-                <a:latin typeface="Consolas" panose="020B0609020204030204" pitchFamily="49" charset="0"/>
-              </a:rPr>
-              <a:t>       Car </a:t>
-            </a:r>
-            <a:r>
-              <a:rPr lang="en-US" sz="1600" dirty="0" err="1">
-                <a:latin typeface="Consolas" panose="020B0609020204030204" pitchFamily="49" charset="0"/>
-              </a:rPr>
-              <a:t>car</a:t>
-            </a:r>
-            <a:r>
-              <a:rPr lang="en-US" sz="1600" dirty="0">
-                <a:latin typeface="Consolas" panose="020B0609020204030204" pitchFamily="49" charset="0"/>
-              </a:rPr>
-              <a:t> = new Car();</a:t>
-            </a:r>
-          </a:p>
-          <a:p>
-            <a:pPr marL="0" indent="0">
-              <a:buNone/>
-            </a:pPr>
-            <a:r>
-              <a:rPr lang="en-US" sz="1600" dirty="0">
-                <a:latin typeface="Consolas" panose="020B0609020204030204" pitchFamily="49" charset="0"/>
-              </a:rPr>
-              <a:t>    }</a:t>
-            </a:r>
-            <a:br>
-              <a:rPr lang="en-US" sz="1600" dirty="0">
-                <a:latin typeface="Consolas" panose="020B0609020204030204" pitchFamily="49" charset="0"/>
-              </a:rPr>
-            </a:br>
-            <a:r>
-              <a:rPr lang="en-US" sz="1600" dirty="0">
-                <a:latin typeface="Consolas" panose="020B0609020204030204" pitchFamily="49" charset="0"/>
-              </a:rPr>
-              <a:t>}</a:t>
-            </a:r>
-          </a:p>
-        </p:txBody>
-      </p:sp>
-    </p:spTree>
-    <p:extLst>
-      <p:ext uri="{BB962C8B-B14F-4D97-AF65-F5344CB8AC3E}">
-        <p14:creationId xmlns:p14="http://schemas.microsoft.com/office/powerpoint/2010/main" val="124630599"/>
-      </p:ext>
-    </p:extLst>
-  </p:cSld>
-  <p:clrMapOvr>
-    <a:masterClrMapping/>
-  </p:clrMapOvr>
-</p:sld>
-</file>
-
-<file path=ppt/slides/slide50.xml><?xml version="1.0" encoding="utf-8"?>
+<file path=ppt/slides/slide48.xml><?xml version="1.0" encoding="utf-8"?>
 <p:sld xmlns:a="http://schemas.openxmlformats.org/drawingml/2006/main" xmlns:r="http://schemas.openxmlformats.org/officeDocument/2006/relationships" xmlns:p="http://schemas.openxmlformats.org/presentationml/2006/main">
   <p:cSld>
     <p:spTree>
@@ -35225,7 +34436,7 @@
 </p:sld>
 </file>
 
-<file path=ppt/slides/slide51.xml><?xml version="1.0" encoding="utf-8"?>
+<file path=ppt/slides/slide49.xml><?xml version="1.0" encoding="utf-8"?>
 <p:sld xmlns:a="http://schemas.openxmlformats.org/drawingml/2006/main" xmlns:r="http://schemas.openxmlformats.org/officeDocument/2006/relationships" xmlns:p="http://schemas.openxmlformats.org/presentationml/2006/main">
   <p:cSld>
     <p:spTree>
@@ -35401,7 +34612,145 @@
 </p:sld>
 </file>
 
-<file path=ppt/slides/slide52.xml><?xml version="1.0" encoding="utf-8"?>
+<file path=ppt/slides/slide5.xml><?xml version="1.0" encoding="utf-8"?>
+<p:sld xmlns:a="http://schemas.openxmlformats.org/drawingml/2006/main" xmlns:r="http://schemas.openxmlformats.org/officeDocument/2006/relationships" xmlns:p="http://schemas.openxmlformats.org/presentationml/2006/main">
+  <p:cSld>
+    <p:spTree>
+      <p:nvGrpSpPr>
+        <p:cNvPr id="1" name=""/>
+        <p:cNvGrpSpPr/>
+        <p:nvPr/>
+      </p:nvGrpSpPr>
+      <p:grpSpPr>
+        <a:xfrm>
+          <a:off x="0" y="0"/>
+          <a:ext cx="0" cy="0"/>
+          <a:chOff x="0" y="0"/>
+          <a:chExt cx="0" cy="0"/>
+        </a:xfrm>
+      </p:grpSpPr>
+      <p:sp>
+        <p:nvSpPr>
+          <p:cNvPr id="2" name="Content Placeholder 1">
+            <a:extLst>
+              <a:ext uri="{FF2B5EF4-FFF2-40B4-BE49-F238E27FC236}">
+                <a16:creationId xmlns:a16="http://schemas.microsoft.com/office/drawing/2014/main" id="{828E6E29-252C-3419-0F21-F46F1E97E22B}"/>
+              </a:ext>
+            </a:extLst>
+          </p:cNvPr>
+          <p:cNvSpPr>
+            <a:spLocks noGrp="1"/>
+          </p:cNvSpPr>
+          <p:nvPr>
+            <p:ph idx="1"/>
+          </p:nvPr>
+        </p:nvSpPr>
+        <p:spPr/>
+        <p:txBody>
+          <a:bodyPr/>
+          <a:lstStyle/>
+          <a:p>
+            <a:pPr marL="457200" indent="-457200">
+              <a:buFont typeface="Arial" panose="020B0604020202020204" pitchFamily="34" charset="0"/>
+              <a:buChar char="•"/>
+            </a:pPr>
+            <a:r>
+              <a:rPr lang="en-US" dirty="0"/>
+              <a:t>Local variables (int, float, char) are stored on the stack</a:t>
+            </a:r>
+          </a:p>
+          <a:p>
+            <a:pPr lvl="1" indent="0">
+              <a:buNone/>
+            </a:pPr>
+            <a:endParaRPr lang="en-US" dirty="0"/>
+          </a:p>
+          <a:p>
+            <a:pPr marL="457200" indent="-457200">
+              <a:buFont typeface="Arial" panose="020B0604020202020204" pitchFamily="34" charset="0"/>
+              <a:buChar char="•"/>
+            </a:pPr>
+            <a:r>
+              <a:rPr lang="en-US" dirty="0"/>
+              <a:t>Objects are stored on the heap</a:t>
+            </a:r>
+          </a:p>
+          <a:p>
+            <a:pPr marL="1141413" lvl="1" indent="-457200"/>
+            <a:r>
+              <a:rPr lang="en-US" dirty="0"/>
+              <a:t>References to the objects are stored on the stack</a:t>
+            </a:r>
+          </a:p>
+        </p:txBody>
+      </p:sp>
+      <p:sp>
+        <p:nvSpPr>
+          <p:cNvPr id="3" name="Title 2">
+            <a:extLst>
+              <a:ext uri="{FF2B5EF4-FFF2-40B4-BE49-F238E27FC236}">
+                <a16:creationId xmlns:a16="http://schemas.microsoft.com/office/drawing/2014/main" id="{0C1668C8-B17C-AF84-45F0-13B2D29F58B0}"/>
+              </a:ext>
+            </a:extLst>
+          </p:cNvPr>
+          <p:cNvSpPr>
+            <a:spLocks noGrp="1"/>
+          </p:cNvSpPr>
+          <p:nvPr>
+            <p:ph type="title"/>
+          </p:nvPr>
+        </p:nvSpPr>
+        <p:spPr/>
+        <p:txBody>
+          <a:bodyPr/>
+          <a:lstStyle/>
+          <a:p>
+            <a:r>
+              <a:rPr lang="en-US" dirty="0"/>
+              <a:t>Stack and heap</a:t>
+            </a:r>
+          </a:p>
+        </p:txBody>
+      </p:sp>
+      <p:sp>
+        <p:nvSpPr>
+          <p:cNvPr id="4" name="Subtitle 3">
+            <a:extLst>
+              <a:ext uri="{FF2B5EF4-FFF2-40B4-BE49-F238E27FC236}">
+                <a16:creationId xmlns:a16="http://schemas.microsoft.com/office/drawing/2014/main" id="{B8AAC8A2-01D8-6B0D-54AA-33DC41D282DA}"/>
+              </a:ext>
+            </a:extLst>
+          </p:cNvPr>
+          <p:cNvSpPr>
+            <a:spLocks noGrp="1"/>
+          </p:cNvSpPr>
+          <p:nvPr>
+            <p:ph type="subTitle" idx="13"/>
+          </p:nvPr>
+        </p:nvSpPr>
+        <p:spPr/>
+        <p:txBody>
+          <a:bodyPr/>
+          <a:lstStyle/>
+          <a:p>
+            <a:endParaRPr lang="en-US"/>
+          </a:p>
+        </p:txBody>
+      </p:sp>
+    </p:spTree>
+    <p:extLst>
+      <p:ext uri="{BB962C8B-B14F-4D97-AF65-F5344CB8AC3E}">
+        <p14:creationId xmlns:p14="http://schemas.microsoft.com/office/powerpoint/2010/main" val="912455716"/>
+      </p:ext>
+    </p:extLst>
+  </p:cSld>
+  <p:clrMapOvr>
+    <a:masterClrMapping/>
+  </p:clrMapOvr>
+</p:sld>
+</file>
+
+<file path=ppt/slides/slide50.xml><?xml version="1.0" encoding="utf-8"?>
 <p:sld xmlns:a="http://schemas.openxmlformats.org/drawingml/2006/main" xmlns:r="http://schemas.openxmlformats.org/officeDocument/2006/relationships" xmlns:p="http://schemas.openxmlformats.org/presentationml/2006/main">
   <p:cSld>
     <p:spTree>
@@ -35552,7 +34901,7 @@
 </p:sld>
 </file>
 
-<file path=ppt/slides/slide53.xml><?xml version="1.0" encoding="utf-8"?>
+<file path=ppt/slides/slide51.xml><?xml version="1.0" encoding="utf-8"?>
 <p:sld xmlns:a="http://schemas.openxmlformats.org/drawingml/2006/main" xmlns:r="http://schemas.openxmlformats.org/officeDocument/2006/relationships" xmlns:p="http://schemas.openxmlformats.org/presentationml/2006/main">
   <p:cSld>
     <p:spTree>
@@ -35792,7 +35141,7 @@
 </p:sld>
 </file>
 
-<file path=ppt/slides/slide54.xml><?xml version="1.0" encoding="utf-8"?>
+<file path=ppt/slides/slide52.xml><?xml version="1.0" encoding="utf-8"?>
 <p:sld xmlns:a="http://schemas.openxmlformats.org/drawingml/2006/main" xmlns:r="http://schemas.openxmlformats.org/officeDocument/2006/relationships" xmlns:p="http://schemas.openxmlformats.org/presentationml/2006/main">
   <p:cSld>
     <p:spTree>
@@ -37080,144 +36429,6 @@
           <p:cNvPr id="2" name="Content Placeholder 1">
             <a:extLst>
               <a:ext uri="{FF2B5EF4-FFF2-40B4-BE49-F238E27FC236}">
-                <a16:creationId xmlns:a16="http://schemas.microsoft.com/office/drawing/2014/main" id="{828E6E29-252C-3419-0F21-F46F1E97E22B}"/>
-              </a:ext>
-            </a:extLst>
-          </p:cNvPr>
-          <p:cNvSpPr>
-            <a:spLocks noGrp="1"/>
-          </p:cNvSpPr>
-          <p:nvPr>
-            <p:ph idx="1"/>
-          </p:nvPr>
-        </p:nvSpPr>
-        <p:spPr/>
-        <p:txBody>
-          <a:bodyPr/>
-          <a:lstStyle/>
-          <a:p>
-            <a:pPr marL="457200" indent="-457200">
-              <a:buFont typeface="Arial" panose="020B0604020202020204" pitchFamily="34" charset="0"/>
-              <a:buChar char="•"/>
-            </a:pPr>
-            <a:r>
-              <a:rPr lang="en-US" dirty="0"/>
-              <a:t>Local variables (int, float, char) are stored on the stack</a:t>
-            </a:r>
-          </a:p>
-          <a:p>
-            <a:pPr lvl="1" indent="0">
-              <a:buNone/>
-            </a:pPr>
-            <a:endParaRPr lang="en-US" dirty="0"/>
-          </a:p>
-          <a:p>
-            <a:pPr marL="457200" indent="-457200">
-              <a:buFont typeface="Arial" panose="020B0604020202020204" pitchFamily="34" charset="0"/>
-              <a:buChar char="•"/>
-            </a:pPr>
-            <a:r>
-              <a:rPr lang="en-US" dirty="0"/>
-              <a:t>Objects are stored on the heap</a:t>
-            </a:r>
-          </a:p>
-          <a:p>
-            <a:pPr marL="1141413" lvl="1" indent="-457200"/>
-            <a:r>
-              <a:rPr lang="en-US" dirty="0"/>
-              <a:t>References to the objects are stored on the stack</a:t>
-            </a:r>
-          </a:p>
-        </p:txBody>
-      </p:sp>
-      <p:sp>
-        <p:nvSpPr>
-          <p:cNvPr id="3" name="Title 2">
-            <a:extLst>
-              <a:ext uri="{FF2B5EF4-FFF2-40B4-BE49-F238E27FC236}">
-                <a16:creationId xmlns:a16="http://schemas.microsoft.com/office/drawing/2014/main" id="{0C1668C8-B17C-AF84-45F0-13B2D29F58B0}"/>
-              </a:ext>
-            </a:extLst>
-          </p:cNvPr>
-          <p:cNvSpPr>
-            <a:spLocks noGrp="1"/>
-          </p:cNvSpPr>
-          <p:nvPr>
-            <p:ph type="title"/>
-          </p:nvPr>
-        </p:nvSpPr>
-        <p:spPr/>
-        <p:txBody>
-          <a:bodyPr/>
-          <a:lstStyle/>
-          <a:p>
-            <a:r>
-              <a:rPr lang="en-US" dirty="0"/>
-              <a:t>Stack and heap</a:t>
-            </a:r>
-          </a:p>
-        </p:txBody>
-      </p:sp>
-      <p:sp>
-        <p:nvSpPr>
-          <p:cNvPr id="4" name="Subtitle 3">
-            <a:extLst>
-              <a:ext uri="{FF2B5EF4-FFF2-40B4-BE49-F238E27FC236}">
-                <a16:creationId xmlns:a16="http://schemas.microsoft.com/office/drawing/2014/main" id="{B8AAC8A2-01D8-6B0D-54AA-33DC41D282DA}"/>
-              </a:ext>
-            </a:extLst>
-          </p:cNvPr>
-          <p:cNvSpPr>
-            <a:spLocks noGrp="1"/>
-          </p:cNvSpPr>
-          <p:nvPr>
-            <p:ph type="subTitle" idx="13"/>
-          </p:nvPr>
-        </p:nvSpPr>
-        <p:spPr/>
-        <p:txBody>
-          <a:bodyPr/>
-          <a:lstStyle/>
-          <a:p>
-            <a:endParaRPr lang="en-US"/>
-          </a:p>
-        </p:txBody>
-      </p:sp>
-    </p:spTree>
-    <p:extLst>
-      <p:ext uri="{BB962C8B-B14F-4D97-AF65-F5344CB8AC3E}">
-        <p14:creationId xmlns:p14="http://schemas.microsoft.com/office/powerpoint/2010/main" val="912455716"/>
-      </p:ext>
-    </p:extLst>
-  </p:cSld>
-  <p:clrMapOvr>
-    <a:masterClrMapping/>
-  </p:clrMapOvr>
-</p:sld>
-</file>
-
-<file path=ppt/slides/slide7.xml><?xml version="1.0" encoding="utf-8"?>
-<p:sld xmlns:a="http://schemas.openxmlformats.org/drawingml/2006/main" xmlns:r="http://schemas.openxmlformats.org/officeDocument/2006/relationships" xmlns:p="http://schemas.openxmlformats.org/presentationml/2006/main">
-  <p:cSld>
-    <p:spTree>
-      <p:nvGrpSpPr>
-        <p:cNvPr id="1" name=""/>
-        <p:cNvGrpSpPr/>
-        <p:nvPr/>
-      </p:nvGrpSpPr>
-      <p:grpSpPr>
-        <a:xfrm>
-          <a:off x="0" y="0"/>
-          <a:ext cx="0" cy="0"/>
-          <a:chOff x="0" y="0"/>
-          <a:chExt cx="0" cy="0"/>
-        </a:xfrm>
-      </p:grpSpPr>
-      <p:sp>
-        <p:nvSpPr>
-          <p:cNvPr id="2" name="Content Placeholder 1">
-            <a:extLst>
-              <a:ext uri="{FF2B5EF4-FFF2-40B4-BE49-F238E27FC236}">
                 <a16:creationId xmlns:a16="http://schemas.microsoft.com/office/drawing/2014/main" id="{31683CF5-730F-9ACF-6469-03D4ABD42C72}"/>
               </a:ext>
             </a:extLst>
@@ -37831,7 +37042,7 @@
 </p:sld>
 </file>
 
-<file path=ppt/slides/slide8.xml><?xml version="1.0" encoding="utf-8"?>
+<file path=ppt/slides/slide7.xml><?xml version="1.0" encoding="utf-8"?>
 <p:sld xmlns:a="http://schemas.openxmlformats.org/drawingml/2006/main" xmlns:r="http://schemas.openxmlformats.org/officeDocument/2006/relationships" xmlns:p="http://schemas.openxmlformats.org/presentationml/2006/main">
   <p:cSld>
     <p:spTree>
@@ -38523,6 +37734,464 @@
 </p:sld>
 </file>
 
+<file path=ppt/slides/slide8.xml><?xml version="1.0" encoding="utf-8"?>
+<p:sld xmlns:a="http://schemas.openxmlformats.org/drawingml/2006/main" xmlns:r="http://schemas.openxmlformats.org/officeDocument/2006/relationships" xmlns:p="http://schemas.openxmlformats.org/presentationml/2006/main">
+  <p:cSld>
+    <p:spTree>
+      <p:nvGrpSpPr>
+        <p:cNvPr id="1" name=""/>
+        <p:cNvGrpSpPr/>
+        <p:nvPr/>
+      </p:nvGrpSpPr>
+      <p:grpSpPr>
+        <a:xfrm>
+          <a:off x="0" y="0"/>
+          <a:ext cx="0" cy="0"/>
+          <a:chOff x="0" y="0"/>
+          <a:chExt cx="0" cy="0"/>
+        </a:xfrm>
+      </p:grpSpPr>
+      <p:sp>
+        <p:nvSpPr>
+          <p:cNvPr id="8" name="Content Placeholder 7">
+            <a:extLst>
+              <a:ext uri="{FF2B5EF4-FFF2-40B4-BE49-F238E27FC236}">
+                <a16:creationId xmlns:a16="http://schemas.microsoft.com/office/drawing/2014/main" id="{729F9A1C-0D77-3676-AB95-8AA927057F2D}"/>
+              </a:ext>
+            </a:extLst>
+          </p:cNvPr>
+          <p:cNvSpPr>
+            <a:spLocks noGrp="1"/>
+          </p:cNvSpPr>
+          <p:nvPr>
+            <p:ph idx="1"/>
+          </p:nvPr>
+        </p:nvSpPr>
+        <p:spPr/>
+        <p:txBody>
+          <a:bodyPr/>
+          <a:lstStyle/>
+          <a:p>
+            <a:pPr marL="0" marR="0" lvl="0" indent="0" algn="l" defTabSz="914400" rtl="0" eaLnBrk="1" fontAlgn="auto" latinLnBrk="0" hangingPunct="1">
+              <a:lnSpc>
+                <a:spcPct val="100000"/>
+              </a:lnSpc>
+              <a:spcBef>
+                <a:spcPts val="0"/>
+              </a:spcBef>
+              <a:spcAft>
+                <a:spcPts val="0"/>
+              </a:spcAft>
+              <a:buClrTx/>
+              <a:buSzTx/>
+              <a:buFontTx/>
+              <a:buNone/>
+              <a:tabLst/>
+              <a:defRPr/>
+            </a:pPr>
+            <a:r>
+              <a:rPr kumimoji="0" lang="en-US" sz="1600" b="0" i="0" u="none" strike="noStrike" kern="1200" cap="none" spc="0" normalizeH="0" baseline="0" noProof="0">
+                <a:ln>
+                  <a:noFill/>
+                </a:ln>
+                <a:solidFill>
+                  <a:srgbClr val="0000FF"/>
+                </a:solidFill>
+                <a:effectLst/>
+                <a:uLnTx/>
+                <a:uFillTx/>
+                <a:latin typeface="Consolas" panose="020B0609020204030204" pitchFamily="49" charset="0"/>
+                <a:ea typeface="+mn-ea"/>
+                <a:cs typeface="+mn-cs"/>
+              </a:rPr>
+              <a:t>public</a:t>
+            </a:r>
+            <a:r>
+              <a:rPr kumimoji="0" lang="en-US" sz="1600" b="0" i="0" u="none" strike="noStrike" kern="1200" cap="none" spc="0" normalizeH="0" baseline="0" noProof="0">
+                <a:ln>
+                  <a:noFill/>
+                </a:ln>
+                <a:solidFill>
+                  <a:prstClr val="black"/>
+                </a:solidFill>
+                <a:effectLst/>
+                <a:uLnTx/>
+                <a:uFillTx/>
+                <a:latin typeface="Consolas" panose="020B0609020204030204" pitchFamily="49" charset="0"/>
+                <a:ea typeface="+mn-ea"/>
+                <a:cs typeface="+mn-cs"/>
+              </a:rPr>
+              <a:t> </a:t>
+            </a:r>
+            <a:r>
+              <a:rPr kumimoji="0" lang="en-US" sz="1600" b="0" i="0" u="none" strike="noStrike" kern="1200" cap="none" spc="0" normalizeH="0" baseline="0" noProof="0">
+                <a:ln>
+                  <a:noFill/>
+                </a:ln>
+                <a:solidFill>
+                  <a:srgbClr val="C00000"/>
+                </a:solidFill>
+                <a:effectLst/>
+                <a:uLnTx/>
+                <a:uFillTx/>
+                <a:latin typeface="Consolas" panose="020B0609020204030204" pitchFamily="49" charset="0"/>
+                <a:ea typeface="+mn-ea"/>
+                <a:cs typeface="+mn-cs"/>
+              </a:rPr>
+              <a:t>class</a:t>
+            </a:r>
+            <a:r>
+              <a:rPr kumimoji="0" lang="en-US" sz="1600" b="0" i="0" u="none" strike="noStrike" kern="1200" cap="none" spc="0" normalizeH="0" baseline="0" noProof="0">
+                <a:ln>
+                  <a:noFill/>
+                </a:ln>
+                <a:solidFill>
+                  <a:prstClr val="black"/>
+                </a:solidFill>
+                <a:effectLst/>
+                <a:uLnTx/>
+                <a:uFillTx/>
+                <a:latin typeface="Consolas" panose="020B0609020204030204" pitchFamily="49" charset="0"/>
+                <a:ea typeface="+mn-ea"/>
+                <a:cs typeface="+mn-cs"/>
+              </a:rPr>
+              <a:t> Car {</a:t>
+            </a:r>
+          </a:p>
+          <a:p>
+            <a:pPr marL="0" indent="0">
+              <a:buNone/>
+            </a:pPr>
+            <a:r>
+              <a:rPr kumimoji="0" lang="en-US" sz="1600" b="0" i="0" u="none" strike="noStrike" kern="1200" cap="none" spc="0" normalizeH="0" baseline="0" noProof="0">
+                <a:ln>
+                  <a:noFill/>
+                </a:ln>
+                <a:solidFill>
+                  <a:prstClr val="black"/>
+                </a:solidFill>
+                <a:effectLst/>
+                <a:uLnTx/>
+                <a:uFillTx/>
+                <a:latin typeface="Consolas" panose="020B0609020204030204" pitchFamily="49" charset="0"/>
+                <a:ea typeface="+mn-ea"/>
+                <a:cs typeface="+mn-cs"/>
+              </a:rPr>
+              <a:t>    p</a:t>
+            </a:r>
+            <a:r>
+              <a:rPr lang="en-US" sz="1600">
+                <a:solidFill>
+                  <a:srgbClr val="0000FF"/>
+                </a:solidFill>
+                <a:latin typeface="Consolas" panose="020B0609020204030204" pitchFamily="49" charset="0"/>
+              </a:rPr>
+              <a:t>rivate</a:t>
+            </a:r>
+            <a:r>
+              <a:rPr lang="en-US" sz="1600">
+                <a:latin typeface="Consolas" panose="020B0609020204030204" pitchFamily="49" charset="0"/>
+              </a:rPr>
+              <a:t> </a:t>
+            </a:r>
+            <a:r>
+              <a:rPr lang="en-US" sz="1600">
+                <a:solidFill>
+                  <a:srgbClr val="C00000"/>
+                </a:solidFill>
+                <a:latin typeface="Consolas" panose="020B0609020204030204" pitchFamily="49" charset="0"/>
+              </a:rPr>
+              <a:t>String</a:t>
+            </a:r>
+            <a:r>
+              <a:rPr lang="en-US" sz="1600">
+                <a:latin typeface="Consolas" panose="020B0609020204030204" pitchFamily="49" charset="0"/>
+              </a:rPr>
+              <a:t> model;</a:t>
+            </a:r>
+          </a:p>
+          <a:p>
+            <a:pPr marL="0" indent="0">
+              <a:buNone/>
+            </a:pPr>
+            <a:r>
+              <a:rPr lang="en-US" sz="1600">
+                <a:latin typeface="Consolas" panose="020B0609020204030204" pitchFamily="49" charset="0"/>
+              </a:rPr>
+              <a:t>    </a:t>
+            </a:r>
+            <a:r>
+              <a:rPr lang="en-US" sz="1600">
+                <a:solidFill>
+                  <a:srgbClr val="0000FF"/>
+                </a:solidFill>
+                <a:latin typeface="Consolas" panose="020B0609020204030204" pitchFamily="49" charset="0"/>
+              </a:rPr>
+              <a:t>private</a:t>
+            </a:r>
+            <a:r>
+              <a:rPr lang="en-US" sz="1600">
+                <a:latin typeface="Consolas" panose="020B0609020204030204" pitchFamily="49" charset="0"/>
+              </a:rPr>
+              <a:t> </a:t>
+            </a:r>
+            <a:r>
+              <a:rPr lang="en-US" sz="1600">
+                <a:solidFill>
+                  <a:srgbClr val="C00000"/>
+                </a:solidFill>
+                <a:latin typeface="Consolas" panose="020B0609020204030204" pitchFamily="49" charset="0"/>
+              </a:rPr>
+              <a:t>int</a:t>
+            </a:r>
+            <a:r>
+              <a:rPr lang="en-US" sz="1600">
+                <a:latin typeface="Consolas" panose="020B0609020204030204" pitchFamily="49" charset="0"/>
+              </a:rPr>
+              <a:t> year;</a:t>
+            </a:r>
+          </a:p>
+          <a:p>
+            <a:pPr marL="0" indent="0">
+              <a:buNone/>
+            </a:pPr>
+            <a:r>
+              <a:rPr lang="en-US" sz="1600">
+                <a:latin typeface="Consolas" panose="020B0609020204030204" pitchFamily="49" charset="0"/>
+              </a:rPr>
+              <a:t>    </a:t>
+            </a:r>
+            <a:r>
+              <a:rPr lang="en-US" sz="1600">
+                <a:solidFill>
+                  <a:srgbClr val="0000FF"/>
+                </a:solidFill>
+                <a:latin typeface="Consolas" panose="020B0609020204030204" pitchFamily="49" charset="0"/>
+              </a:rPr>
+              <a:t>private</a:t>
+            </a:r>
+            <a:r>
+              <a:rPr lang="en-US" sz="1600">
+                <a:latin typeface="Consolas" panose="020B0609020204030204" pitchFamily="49" charset="0"/>
+              </a:rPr>
+              <a:t> </a:t>
+            </a:r>
+            <a:r>
+              <a:rPr lang="en-US" sz="1600">
+                <a:solidFill>
+                  <a:srgbClr val="C00000"/>
+                </a:solidFill>
+                <a:latin typeface="Consolas" panose="020B0609020204030204" pitchFamily="49" charset="0"/>
+              </a:rPr>
+              <a:t>int</a:t>
+            </a:r>
+            <a:r>
+              <a:rPr lang="en-US" sz="1600">
+                <a:latin typeface="Consolas" panose="020B0609020204030204" pitchFamily="49" charset="0"/>
+              </a:rPr>
+              <a:t> mileage;</a:t>
+            </a:r>
+            <a:br>
+              <a:rPr lang="en-US" sz="1600">
+                <a:latin typeface="Consolas" panose="020B0609020204030204" pitchFamily="49" charset="0"/>
+              </a:rPr>
+            </a:br>
+            <a:br>
+              <a:rPr lang="en-US" sz="1600">
+                <a:latin typeface="Consolas" panose="020B0609020204030204" pitchFamily="49" charset="0"/>
+              </a:rPr>
+            </a:br>
+            <a:r>
+              <a:rPr lang="en-US" sz="1600">
+                <a:latin typeface="Consolas" panose="020B0609020204030204" pitchFamily="49" charset="0"/>
+              </a:rPr>
+              <a:t>    public Car(String model, int year, int mileage) {</a:t>
+            </a:r>
+          </a:p>
+          <a:p>
+            <a:pPr marL="0" indent="0">
+              <a:buNone/>
+            </a:pPr>
+            <a:r>
+              <a:rPr lang="en-US" sz="1600">
+                <a:latin typeface="Consolas" panose="020B0609020204030204" pitchFamily="49" charset="0"/>
+              </a:rPr>
+              <a:t>      this.model = model;</a:t>
+            </a:r>
+          </a:p>
+          <a:p>
+            <a:pPr marL="0" indent="0">
+              <a:buNone/>
+            </a:pPr>
+            <a:r>
+              <a:rPr lang="en-US" sz="1600">
+                <a:latin typeface="Consolas" panose="020B0609020204030204" pitchFamily="49" charset="0"/>
+              </a:rPr>
+              <a:t>      this.year = year;</a:t>
+            </a:r>
+          </a:p>
+          <a:p>
+            <a:pPr marL="0" indent="0">
+              <a:buNone/>
+            </a:pPr>
+            <a:r>
+              <a:rPr lang="en-US" sz="1600">
+                <a:latin typeface="Consolas" panose="020B0609020204030204" pitchFamily="49" charset="0"/>
+              </a:rPr>
+              <a:t>      this.mileage = mileage;</a:t>
+            </a:r>
+          </a:p>
+          <a:p>
+            <a:pPr marL="0" indent="0">
+              <a:buNone/>
+            </a:pPr>
+            <a:r>
+              <a:rPr kumimoji="0" lang="en-US" sz="1600" b="0" i="0" u="none" strike="noStrike" kern="1200" cap="none" spc="0" normalizeH="0" baseline="0" noProof="0">
+                <a:ln>
+                  <a:noFill/>
+                </a:ln>
+                <a:solidFill>
+                  <a:prstClr val="black"/>
+                </a:solidFill>
+                <a:effectLst/>
+                <a:uLnTx/>
+                <a:uFillTx/>
+                <a:latin typeface="Consolas" panose="020B0609020204030204" pitchFamily="49" charset="0"/>
+                <a:ea typeface="+mn-ea"/>
+                <a:cs typeface="+mn-cs"/>
+              </a:rPr>
+              <a:t>    }</a:t>
+            </a:r>
+            <a:br>
+              <a:rPr kumimoji="0" lang="en-US" sz="1600" b="0" i="0" u="none" strike="noStrike" kern="1200" cap="none" spc="0" normalizeH="0" baseline="0" noProof="0">
+                <a:ln>
+                  <a:noFill/>
+                </a:ln>
+                <a:solidFill>
+                  <a:prstClr val="black"/>
+                </a:solidFill>
+                <a:effectLst/>
+                <a:uLnTx/>
+                <a:uFillTx/>
+                <a:latin typeface="Consolas" panose="020B0609020204030204" pitchFamily="49" charset="0"/>
+                <a:ea typeface="+mn-ea"/>
+                <a:cs typeface="+mn-cs"/>
+              </a:rPr>
+            </a:br>
+            <a:r>
+              <a:rPr kumimoji="0" lang="en-US" sz="1600" b="0" i="0" u="none" strike="noStrike" kern="1200" cap="none" spc="0" normalizeH="0" baseline="0" noProof="0">
+                <a:ln>
+                  <a:noFill/>
+                </a:ln>
+                <a:solidFill>
+                  <a:prstClr val="black"/>
+                </a:solidFill>
+                <a:effectLst/>
+                <a:uLnTx/>
+                <a:uFillTx/>
+                <a:latin typeface="Consolas" panose="020B0609020204030204" pitchFamily="49" charset="0"/>
+                <a:ea typeface="+mn-ea"/>
+                <a:cs typeface="+mn-cs"/>
+              </a:rPr>
+              <a:t>}</a:t>
+            </a:r>
+          </a:p>
+          <a:p>
+            <a:pPr marL="0" indent="0">
+              <a:buNone/>
+            </a:pPr>
+            <a:endParaRPr lang="en-US" dirty="0"/>
+          </a:p>
+        </p:txBody>
+      </p:sp>
+      <p:sp>
+        <p:nvSpPr>
+          <p:cNvPr id="3" name="Title 2">
+            <a:extLst>
+              <a:ext uri="{FF2B5EF4-FFF2-40B4-BE49-F238E27FC236}">
+                <a16:creationId xmlns:a16="http://schemas.microsoft.com/office/drawing/2014/main" id="{8AB455D6-E7A3-8F9F-12CC-49BC60F45262}"/>
+              </a:ext>
+            </a:extLst>
+          </p:cNvPr>
+          <p:cNvSpPr>
+            <a:spLocks noGrp="1"/>
+          </p:cNvSpPr>
+          <p:nvPr>
+            <p:ph type="title"/>
+          </p:nvPr>
+        </p:nvSpPr>
+        <p:spPr/>
+        <p:txBody>
+          <a:bodyPr/>
+          <a:lstStyle/>
+          <a:p>
+            <a:r>
+              <a:rPr lang="en-US"/>
+              <a:t>Constructors</a:t>
+            </a:r>
+            <a:endParaRPr lang="en-US" dirty="0"/>
+          </a:p>
+        </p:txBody>
+      </p:sp>
+      <p:sp>
+        <p:nvSpPr>
+          <p:cNvPr id="9" name="Content Placeholder 8">
+            <a:extLst>
+              <a:ext uri="{FF2B5EF4-FFF2-40B4-BE49-F238E27FC236}">
+                <a16:creationId xmlns:a16="http://schemas.microsoft.com/office/drawing/2014/main" id="{A43C641C-26DA-AA2B-C415-B48EDC2BA48C}"/>
+              </a:ext>
+            </a:extLst>
+          </p:cNvPr>
+          <p:cNvSpPr>
+            <a:spLocks noGrp="1"/>
+          </p:cNvSpPr>
+          <p:nvPr>
+            <p:ph idx="13"/>
+          </p:nvPr>
+        </p:nvSpPr>
+        <p:spPr/>
+        <p:txBody>
+          <a:bodyPr/>
+          <a:lstStyle/>
+          <a:p>
+            <a:r>
+              <a:rPr lang="en-US" dirty="0"/>
+              <a:t>A constructor is a special method to create objects</a:t>
+            </a:r>
+          </a:p>
+          <a:p>
+            <a:r>
+              <a:rPr lang="en-US" dirty="0"/>
+              <a:t>Must have same name as the class</a:t>
+            </a:r>
+          </a:p>
+          <a:p>
+            <a:r>
+              <a:rPr lang="en-US" dirty="0"/>
+              <a:t>Must have no return type</a:t>
+            </a:r>
+          </a:p>
+          <a:p>
+            <a:r>
+              <a:rPr lang="en-US" dirty="0"/>
+              <a:t>Can have access modifiers</a:t>
+            </a:r>
+          </a:p>
+        </p:txBody>
+      </p:sp>
+    </p:spTree>
+    <p:extLst>
+      <p:ext uri="{BB962C8B-B14F-4D97-AF65-F5344CB8AC3E}">
+        <p14:creationId xmlns:p14="http://schemas.microsoft.com/office/powerpoint/2010/main" val="2471671352"/>
+      </p:ext>
+    </p:extLst>
+  </p:cSld>
+  <p:clrMapOvr>
+    <a:masterClrMapping/>
+  </p:clrMapOvr>
+</p:sld>
+</file>
+
 <file path=ppt/slides/slide9.xml><?xml version="1.0" encoding="utf-8"?>
 <p:sld xmlns:a="http://schemas.openxmlformats.org/drawingml/2006/main" xmlns:r="http://schemas.openxmlformats.org/officeDocument/2006/relationships" xmlns:p="http://schemas.openxmlformats.org/presentationml/2006/main">
   <p:cSld>
@@ -38542,10 +38211,63 @@
       </p:grpSpPr>
       <p:sp>
         <p:nvSpPr>
+          <p:cNvPr id="6" name="Content Placeholder 5">
+            <a:extLst>
+              <a:ext uri="{FF2B5EF4-FFF2-40B4-BE49-F238E27FC236}">
+                <a16:creationId xmlns:a16="http://schemas.microsoft.com/office/drawing/2014/main" id="{964B427D-12DC-4223-522A-0DCF9BE57240}"/>
+              </a:ext>
+            </a:extLst>
+          </p:cNvPr>
+          <p:cNvSpPr>
+            <a:spLocks noGrp="1"/>
+          </p:cNvSpPr>
+          <p:nvPr>
+            <p:ph idx="1"/>
+          </p:nvPr>
+        </p:nvSpPr>
+        <p:spPr/>
+        <p:txBody>
+          <a:bodyPr/>
+          <a:lstStyle/>
+          <a:p>
+            <a:pPr marL="457200" indent="-457200">
+              <a:buFont typeface="Arial" panose="020B0604020202020204" pitchFamily="34" charset="0"/>
+              <a:buChar char="•"/>
+            </a:pPr>
+            <a:r>
+              <a:rPr lang="en-US" dirty="0"/>
+              <a:t>Java provides a finalize() method</a:t>
+            </a:r>
+          </a:p>
+          <a:p>
+            <a:pPr marL="1141413" lvl="1" indent="-457200"/>
+            <a:r>
+              <a:rPr lang="en-US" dirty="0"/>
+              <a:t>Called before an object is garbage collected</a:t>
+            </a:r>
+          </a:p>
+          <a:p>
+            <a:pPr marL="1141413" lvl="1" indent="-457200"/>
+            <a:r>
+              <a:rPr lang="en-US" dirty="0"/>
+              <a:t>Largely never used</a:t>
+            </a:r>
+          </a:p>
+          <a:p>
+            <a:pPr marL="1598613" lvl="2" indent="-457200"/>
+            <a:r>
+              <a:rPr lang="en-US" dirty="0"/>
+              <a:t>Garbage collection is unreliable</a:t>
+            </a:r>
+          </a:p>
+        </p:txBody>
+      </p:sp>
+      <p:sp>
+        <p:nvSpPr>
           <p:cNvPr id="5" name="Title 4">
             <a:extLst>
               <a:ext uri="{FF2B5EF4-FFF2-40B4-BE49-F238E27FC236}">
-                <a16:creationId xmlns:a16="http://schemas.microsoft.com/office/drawing/2014/main" id="{A09D21FE-DADE-9E28-BF9A-442303E7353A}"/>
+                <a16:creationId xmlns:a16="http://schemas.microsoft.com/office/drawing/2014/main" id="{505AC514-FD77-7256-87EC-0286622EC821}"/>
               </a:ext>
             </a:extLst>
           </p:cNvPr>
@@ -38556,19 +38278,14 @@
             <p:ph type="title"/>
           </p:nvPr>
         </p:nvSpPr>
-        <p:spPr>
-          <a:xfrm>
-            <a:off x="159798" y="2086708"/>
-            <a:ext cx="11833934" cy="1375916"/>
-          </a:xfrm>
-        </p:spPr>
+        <p:spPr/>
         <p:txBody>
           <a:bodyPr/>
           <a:lstStyle/>
           <a:p>
             <a:r>
-              <a:rPr lang="en-US" sz="4000" dirty="0"/>
-              <a:t>Should we ever intentionally break encapsulation?</a:t>
+              <a:rPr lang="en-US" dirty="0"/>
+              <a:t>Destructors?</a:t>
             </a:r>
           </a:p>
         </p:txBody>
@@ -38576,7 +38293,7 @@
     </p:spTree>
     <p:extLst>
       <p:ext uri="{BB962C8B-B14F-4D97-AF65-F5344CB8AC3E}">
-        <p14:creationId xmlns:p14="http://schemas.microsoft.com/office/powerpoint/2010/main" val="1507880560"/>
+        <p14:creationId xmlns:p14="http://schemas.microsoft.com/office/powerpoint/2010/main" val="1937170348"/>
       </p:ext>
     </p:extLst>
   </p:cSld>
